--- a/Slides/Javascript/Estruturas Dados Iteracao.pptx
+++ b/Slides/Javascript/Estruturas Dados Iteracao.pptx
@@ -4,15 +4,25 @@
   <p:sldMasterIdLst>
     <p:sldMasterId id="2147483648" r:id="rId1"/>
   </p:sldMasterIdLst>
+  <p:notesMasterIdLst>
+    <p:notesMasterId r:id="rId9"/>
+  </p:notesMasterIdLst>
   <p:sldIdLst>
     <p:sldId id="256" r:id="rId3"/>
     <p:sldId id="257" r:id="rId4"/>
     <p:sldId id="258" r:id="rId5"/>
     <p:sldId id="262" r:id="rId6"/>
     <p:sldId id="263" r:id="rId7"/>
-    <p:sldId id="259" r:id="rId8"/>
-    <p:sldId id="260" r:id="rId9"/>
-    <p:sldId id="261" r:id="rId10"/>
+    <p:sldId id="267" r:id="rId8"/>
+    <p:sldId id="268" r:id="rId10"/>
+    <p:sldId id="269" r:id="rId11"/>
+    <p:sldId id="270" r:id="rId12"/>
+    <p:sldId id="271" r:id="rId13"/>
+    <p:sldId id="272" r:id="rId14"/>
+    <p:sldId id="273" r:id="rId15"/>
+    <p:sldId id="259" r:id="rId16"/>
+    <p:sldId id="260" r:id="rId17"/>
+    <p:sldId id="261" r:id="rId18"/>
   </p:sldIdLst>
   <p:sldSz cx="9144000" cy="6858000" type="screen4x3"/>
   <p:notesSz cx="6858000" cy="9144000"/>
@@ -119,7 +129,7 @@
             <a:srgbClr val="A4A3A4"/>
           </p15:clr>
         </p15:guide>
-        <p15:guide id="2" pos="2880" userDrawn="1">
+        <p15:guide id="2" pos="2882" userDrawn="1">
           <p15:clr>
             <a:srgbClr val="A4A3A4"/>
           </p15:clr>
@@ -128,6 +138,1046 @@
     </p:ext>
   </p:extLst>
 </p:presentation>
+</file>
+
+<file path=ppt/notesMasters/notesMaster1.xml><?xml version="1.0" encoding="utf-8"?>
+<p:notesMaster xmlns:a="http://schemas.openxmlformats.org/drawingml/2006/main" xmlns:r="http://schemas.openxmlformats.org/officeDocument/2006/relationships" xmlns:p="http://schemas.openxmlformats.org/presentationml/2006/main">
+  <p:cSld>
+    <p:bg>
+      <p:bgRef idx="1001">
+        <a:schemeClr val="bg1"/>
+      </p:bgRef>
+    </p:bg>
+    <p:spTree>
+      <p:nvGrpSpPr>
+        <p:cNvPr id="1" name=""/>
+        <p:cNvGrpSpPr/>
+        <p:nvPr/>
+      </p:nvGrpSpPr>
+      <p:grpSpPr>
+        <a:xfrm>
+          <a:off x="0" y="0"/>
+          <a:ext cx="0" cy="0"/>
+          <a:chOff x="0" y="0"/>
+          <a:chExt cx="0" cy="0"/>
+        </a:xfrm>
+      </p:grpSpPr>
+      <p:sp>
+        <p:nvSpPr>
+          <p:cNvPr id="2" name="Espaço Reservado para Cabeçalho 1"/>
+          <p:cNvSpPr>
+            <a:spLocks noGrp="1"/>
+          </p:cNvSpPr>
+          <p:nvPr>
+            <p:ph type="hdr" sz="quarter"/>
+          </p:nvPr>
+        </p:nvSpPr>
+        <p:spPr>
+          <a:xfrm>
+            <a:off x="0" y="0"/>
+            <a:ext cx="2971800" cy="458788"/>
+          </a:xfrm>
+          <a:prstGeom prst="rect">
+            <a:avLst/>
+          </a:prstGeom>
+        </p:spPr>
+        <p:txBody>
+          <a:bodyPr vert="horz" lIns="91440" tIns="45720" rIns="91440" bIns="45720" rtlCol="0"/>
+          <a:lstStyle>
+            <a:lvl1pPr algn="l">
+              <a:defRPr sz="1200"/>
+            </a:lvl1pPr>
+          </a:lstStyle>
+          <a:p>
+            <a:endParaRPr lang="pt-BR"/>
+          </a:p>
+        </p:txBody>
+      </p:sp>
+      <p:sp>
+        <p:nvSpPr>
+          <p:cNvPr id="3" name="Espaço Reservado para Data 2"/>
+          <p:cNvSpPr>
+            <a:spLocks noGrp="1"/>
+          </p:cNvSpPr>
+          <p:nvPr>
+            <p:ph type="dt" idx="1"/>
+          </p:nvPr>
+        </p:nvSpPr>
+        <p:spPr>
+          <a:xfrm>
+            <a:off x="3884613" y="0"/>
+            <a:ext cx="2971800" cy="458788"/>
+          </a:xfrm>
+          <a:prstGeom prst="rect">
+            <a:avLst/>
+          </a:prstGeom>
+        </p:spPr>
+        <p:txBody>
+          <a:bodyPr vert="horz" lIns="91440" tIns="45720" rIns="91440" bIns="45720" rtlCol="0"/>
+          <a:lstStyle>
+            <a:lvl1pPr algn="r">
+              <a:defRPr sz="1200"/>
+            </a:lvl1pPr>
+          </a:lstStyle>
+          <a:p>
+            <a:fld id="{6C70B395-2DD1-4E0C-AD7F-C33E717CE14B}" type="datetimeFigureOut">
+              <a:rPr lang="pt-BR" smtClean="0"/>
+            </a:fld>
+            <a:endParaRPr lang="pt-BR"/>
+          </a:p>
+        </p:txBody>
+      </p:sp>
+      <p:sp>
+        <p:nvSpPr>
+          <p:cNvPr id="4" name="Espaço Reservado para Imagem de Slide 3"/>
+          <p:cNvSpPr>
+            <a:spLocks noGrp="1" noRot="1" noChangeAspect="1"/>
+          </p:cNvSpPr>
+          <p:nvPr>
+            <p:ph type="sldImg" idx="2"/>
+          </p:nvPr>
+        </p:nvSpPr>
+        <p:spPr>
+          <a:xfrm>
+            <a:off x="1371600" y="1143000"/>
+            <a:ext cx="4114800" cy="3086100"/>
+          </a:xfrm>
+          <a:prstGeom prst="rect">
+            <a:avLst/>
+          </a:prstGeom>
+          <a:noFill/>
+          <a:ln w="12700">
+            <a:solidFill>
+              <a:prstClr val="black"/>
+            </a:solidFill>
+          </a:ln>
+        </p:spPr>
+        <p:txBody>
+          <a:bodyPr vert="horz" lIns="91440" tIns="45720" rIns="91440" bIns="45720" rtlCol="0" anchor="ctr"/>
+          <a:lstStyle/>
+          <a:p>
+            <a:endParaRPr lang="pt-BR"/>
+          </a:p>
+        </p:txBody>
+      </p:sp>
+      <p:sp>
+        <p:nvSpPr>
+          <p:cNvPr id="5" name="Espaço Reservado para Anotações 4"/>
+          <p:cNvSpPr>
+            <a:spLocks noGrp="1"/>
+          </p:cNvSpPr>
+          <p:nvPr>
+            <p:ph type="body" sz="quarter" idx="3"/>
+          </p:nvPr>
+        </p:nvSpPr>
+        <p:spPr>
+          <a:xfrm>
+            <a:off x="685800" y="4400550"/>
+            <a:ext cx="5486400" cy="3600450"/>
+          </a:xfrm>
+          <a:prstGeom prst="rect">
+            <a:avLst/>
+          </a:prstGeom>
+        </p:spPr>
+        <p:txBody>
+          <a:bodyPr vert="horz" lIns="91440" tIns="45720" rIns="91440" bIns="45720" rtlCol="0"/>
+          <a:lstStyle/>
+          <a:p>
+            <a:pPr lvl="0"/>
+            <a:r>
+              <a:rPr lang="pt-BR" smtClean="0"/>
+              <a:t>Editar estilos de texto Mestre</a:t>
+            </a:r>
+            <a:endParaRPr lang="pt-BR" smtClean="0"/>
+          </a:p>
+          <a:p>
+            <a:pPr lvl="1"/>
+            <a:r>
+              <a:rPr lang="pt-BR" smtClean="0"/>
+              <a:t>Segundo nível</a:t>
+            </a:r>
+            <a:endParaRPr lang="pt-BR" smtClean="0"/>
+          </a:p>
+          <a:p>
+            <a:pPr lvl="2"/>
+            <a:r>
+              <a:rPr lang="pt-BR" smtClean="0"/>
+              <a:t>Terceiro nível</a:t>
+            </a:r>
+            <a:endParaRPr lang="pt-BR" smtClean="0"/>
+          </a:p>
+          <a:p>
+            <a:pPr lvl="3"/>
+            <a:r>
+              <a:rPr lang="pt-BR" smtClean="0"/>
+              <a:t>Quarto nível</a:t>
+            </a:r>
+            <a:endParaRPr lang="pt-BR" smtClean="0"/>
+          </a:p>
+          <a:p>
+            <a:pPr lvl="4"/>
+            <a:r>
+              <a:rPr lang="pt-BR" smtClean="0"/>
+              <a:t>Quinto nível</a:t>
+            </a:r>
+            <a:endParaRPr lang="pt-BR"/>
+          </a:p>
+        </p:txBody>
+      </p:sp>
+      <p:sp>
+        <p:nvSpPr>
+          <p:cNvPr id="6" name="Espaço Reservado para Rodapé 5"/>
+          <p:cNvSpPr>
+            <a:spLocks noGrp="1"/>
+          </p:cNvSpPr>
+          <p:nvPr>
+            <p:ph type="ftr" sz="quarter" idx="4"/>
+          </p:nvPr>
+        </p:nvSpPr>
+        <p:spPr>
+          <a:xfrm>
+            <a:off x="0" y="8685213"/>
+            <a:ext cx="2971800" cy="458787"/>
+          </a:xfrm>
+          <a:prstGeom prst="rect">
+            <a:avLst/>
+          </a:prstGeom>
+        </p:spPr>
+        <p:txBody>
+          <a:bodyPr vert="horz" lIns="91440" tIns="45720" rIns="91440" bIns="45720" rtlCol="0" anchor="b"/>
+          <a:lstStyle>
+            <a:lvl1pPr algn="l">
+              <a:defRPr sz="1200"/>
+            </a:lvl1pPr>
+          </a:lstStyle>
+          <a:p>
+            <a:endParaRPr lang="pt-BR"/>
+          </a:p>
+        </p:txBody>
+      </p:sp>
+      <p:sp>
+        <p:nvSpPr>
+          <p:cNvPr id="7" name="Espaço Reservado para Número de Slide 6"/>
+          <p:cNvSpPr>
+            <a:spLocks noGrp="1"/>
+          </p:cNvSpPr>
+          <p:nvPr>
+            <p:ph type="sldNum" sz="quarter" idx="5"/>
+          </p:nvPr>
+        </p:nvSpPr>
+        <p:spPr>
+          <a:xfrm>
+            <a:off x="3884613" y="8685213"/>
+            <a:ext cx="2971800" cy="458787"/>
+          </a:xfrm>
+          <a:prstGeom prst="rect">
+            <a:avLst/>
+          </a:prstGeom>
+        </p:spPr>
+        <p:txBody>
+          <a:bodyPr vert="horz" lIns="91440" tIns="45720" rIns="91440" bIns="45720" rtlCol="0" anchor="b"/>
+          <a:lstStyle>
+            <a:lvl1pPr algn="r">
+              <a:defRPr sz="1200"/>
+            </a:lvl1pPr>
+          </a:lstStyle>
+          <a:p>
+            <a:fld id="{A6666332-D461-43D9-A1C1-8FF0295CCEC5}" type="slidenum">
+              <a:rPr lang="pt-BR" smtClean="0"/>
+            </a:fld>
+            <a:endParaRPr lang="pt-BR"/>
+          </a:p>
+        </p:txBody>
+      </p:sp>
+    </p:spTree>
+  </p:cSld>
+  <p:clrMap bg1="lt1" tx1="dk1" bg2="lt2" tx2="dk2" accent1="accent1" accent2="accent2" accent3="accent3" accent4="accent4" accent5="accent5" accent6="accent6" hlink="hlink" folHlink="folHlink"/>
+  <p:notesStyle>
+    <a:lvl1pPr marL="0" algn="l" defTabSz="914400" rtl="0" eaLnBrk="1" latinLnBrk="0" hangingPunct="1">
+      <a:defRPr sz="1200" kern="1200">
+        <a:solidFill>
+          <a:schemeClr val="tx1"/>
+        </a:solidFill>
+        <a:latin typeface="+mn-lt"/>
+        <a:ea typeface="+mn-ea"/>
+        <a:cs typeface="+mn-cs"/>
+      </a:defRPr>
+    </a:lvl1pPr>
+    <a:lvl2pPr marL="457200" algn="l" defTabSz="914400" rtl="0" eaLnBrk="1" latinLnBrk="0" hangingPunct="1">
+      <a:defRPr sz="1200" kern="1200">
+        <a:solidFill>
+          <a:schemeClr val="tx1"/>
+        </a:solidFill>
+        <a:latin typeface="+mn-lt"/>
+        <a:ea typeface="+mn-ea"/>
+        <a:cs typeface="+mn-cs"/>
+      </a:defRPr>
+    </a:lvl2pPr>
+    <a:lvl3pPr marL="914400" algn="l" defTabSz="914400" rtl="0" eaLnBrk="1" latinLnBrk="0" hangingPunct="1">
+      <a:defRPr sz="1200" kern="1200">
+        <a:solidFill>
+          <a:schemeClr val="tx1"/>
+        </a:solidFill>
+        <a:latin typeface="+mn-lt"/>
+        <a:ea typeface="+mn-ea"/>
+        <a:cs typeface="+mn-cs"/>
+      </a:defRPr>
+    </a:lvl3pPr>
+    <a:lvl4pPr marL="1371600" algn="l" defTabSz="914400" rtl="0" eaLnBrk="1" latinLnBrk="0" hangingPunct="1">
+      <a:defRPr sz="1200" kern="1200">
+        <a:solidFill>
+          <a:schemeClr val="tx1"/>
+        </a:solidFill>
+        <a:latin typeface="+mn-lt"/>
+        <a:ea typeface="+mn-ea"/>
+        <a:cs typeface="+mn-cs"/>
+      </a:defRPr>
+    </a:lvl4pPr>
+    <a:lvl5pPr marL="1828800" algn="l" defTabSz="914400" rtl="0" eaLnBrk="1" latinLnBrk="0" hangingPunct="1">
+      <a:defRPr sz="1200" kern="1200">
+        <a:solidFill>
+          <a:schemeClr val="tx1"/>
+        </a:solidFill>
+        <a:latin typeface="+mn-lt"/>
+        <a:ea typeface="+mn-ea"/>
+        <a:cs typeface="+mn-cs"/>
+      </a:defRPr>
+    </a:lvl5pPr>
+    <a:lvl6pPr marL="2286000" algn="l" defTabSz="914400" rtl="0" eaLnBrk="1" latinLnBrk="0" hangingPunct="1">
+      <a:defRPr sz="1200" kern="1200">
+        <a:solidFill>
+          <a:schemeClr val="tx1"/>
+        </a:solidFill>
+        <a:latin typeface="+mn-lt"/>
+        <a:ea typeface="+mn-ea"/>
+        <a:cs typeface="+mn-cs"/>
+      </a:defRPr>
+    </a:lvl6pPr>
+    <a:lvl7pPr marL="2743200" algn="l" defTabSz="914400" rtl="0" eaLnBrk="1" latinLnBrk="0" hangingPunct="1">
+      <a:defRPr sz="1200" kern="1200">
+        <a:solidFill>
+          <a:schemeClr val="tx1"/>
+        </a:solidFill>
+        <a:latin typeface="+mn-lt"/>
+        <a:ea typeface="+mn-ea"/>
+        <a:cs typeface="+mn-cs"/>
+      </a:defRPr>
+    </a:lvl7pPr>
+    <a:lvl8pPr marL="3200400" algn="l" defTabSz="914400" rtl="0" eaLnBrk="1" latinLnBrk="0" hangingPunct="1">
+      <a:defRPr sz="1200" kern="1200">
+        <a:solidFill>
+          <a:schemeClr val="tx1"/>
+        </a:solidFill>
+        <a:latin typeface="+mn-lt"/>
+        <a:ea typeface="+mn-ea"/>
+        <a:cs typeface="+mn-cs"/>
+      </a:defRPr>
+    </a:lvl8pPr>
+    <a:lvl9pPr marL="3657600" algn="l" defTabSz="914400" rtl="0" eaLnBrk="1" latinLnBrk="0" hangingPunct="1">
+      <a:defRPr sz="1200" kern="1200">
+        <a:solidFill>
+          <a:schemeClr val="tx1"/>
+        </a:solidFill>
+        <a:latin typeface="+mn-lt"/>
+        <a:ea typeface="+mn-ea"/>
+        <a:cs typeface="+mn-cs"/>
+      </a:defRPr>
+    </a:lvl9pPr>
+  </p:notesStyle>
+</p:notesMaster>
+</file>
+
+<file path=ppt/notesSlides/notesSlide1.xml><?xml version="1.0" encoding="utf-8"?>
+<p:notes xmlns:a="http://schemas.openxmlformats.org/drawingml/2006/main" xmlns:r="http://schemas.openxmlformats.org/officeDocument/2006/relationships" xmlns:p="http://schemas.openxmlformats.org/presentationml/2006/main" showMasterPhAnim="0" showMasterSp="0">
+  <p:cSld>
+    <p:spTree>
+      <p:nvGrpSpPr>
+        <p:cNvPr id="219" name="Shape 219"/>
+        <p:cNvGrpSpPr/>
+        <p:nvPr/>
+      </p:nvGrpSpPr>
+      <p:grpSpPr>
+        <a:xfrm>
+          <a:off x="0" y="0"/>
+          <a:ext cx="0" cy="0"/>
+          <a:chOff x="0" y="0"/>
+          <a:chExt cx="0" cy="0"/>
+        </a:xfrm>
+      </p:grpSpPr>
+      <p:sp>
+        <p:nvSpPr>
+          <p:cNvPr id="220" name="Google Shape;220;g3142a81161a_1_45:notes"/>
+          <p:cNvSpPr/>
+          <p:nvPr>
+            <p:ph type="sldImg" idx="2"/>
+          </p:nvPr>
+        </p:nvSpPr>
+        <p:spPr>
+          <a:xfrm>
+            <a:off x="381300" y="685800"/>
+            <a:ext cx="6096000" cy="3429000"/>
+          </a:xfrm>
+          <a:custGeom>
+            <a:avLst/>
+            <a:gdLst/>
+            <a:ahLst/>
+            <a:cxnLst/>
+            <a:rect l="l" t="t" r="r" b="b"/>
+            <a:pathLst>
+              <a:path w="120000" h="120000" extrusionOk="0">
+                <a:moveTo>
+                  <a:pt x="0" y="0"/>
+                </a:moveTo>
+                <a:lnTo>
+                  <a:pt x="120000" y="0"/>
+                </a:lnTo>
+                <a:lnTo>
+                  <a:pt x="120000" y="120000"/>
+                </a:lnTo>
+                <a:lnTo>
+                  <a:pt x="0" y="120000"/>
+                </a:lnTo>
+                <a:close/>
+              </a:path>
+            </a:pathLst>
+          </a:custGeom>
+        </p:spPr>
+      </p:sp>
+      <p:sp>
+        <p:nvSpPr>
+          <p:cNvPr id="221" name="Google Shape;221;g3142a81161a_1_45:notes"/>
+          <p:cNvSpPr txBox="1"/>
+          <p:nvPr>
+            <p:ph type="body" idx="1"/>
+          </p:nvPr>
+        </p:nvSpPr>
+        <p:spPr>
+          <a:xfrm>
+            <a:off x="685800" y="4343400"/>
+            <a:ext cx="5486400" cy="4114800"/>
+          </a:xfrm>
+          <a:prstGeom prst="rect">
+            <a:avLst/>
+          </a:prstGeom>
+        </p:spPr>
+        <p:txBody>
+          <a:bodyPr spcFirstLastPara="1" wrap="square" lIns="91425" tIns="91425" rIns="91425" bIns="91425" anchor="t" anchorCtr="0">
+            <a:noAutofit/>
+          </a:bodyPr>
+          <a:lstStyle/>
+          <a:p>
+            <a:pPr marL="0" lvl="0" indent="0" algn="l" rtl="0">
+              <a:spcBef>
+                <a:spcPts val="0"/>
+              </a:spcBef>
+              <a:spcAft>
+                <a:spcPts val="0"/>
+              </a:spcAft>
+              <a:buNone/>
+            </a:pPr>
+          </a:p>
+        </p:txBody>
+      </p:sp>
+    </p:spTree>
+  </p:cSld>
+  <p:clrMapOvr>
+    <a:masterClrMapping/>
+  </p:clrMapOvr>
+</p:notes>
+</file>
+
+<file path=ppt/notesSlides/notesSlide2.xml><?xml version="1.0" encoding="utf-8"?>
+<p:notes xmlns:a="http://schemas.openxmlformats.org/drawingml/2006/main" xmlns:r="http://schemas.openxmlformats.org/officeDocument/2006/relationships" xmlns:p="http://schemas.openxmlformats.org/presentationml/2006/main" showMasterPhAnim="0" showMasterSp="0">
+  <p:cSld>
+    <p:spTree>
+      <p:nvGrpSpPr>
+        <p:cNvPr id="225" name="Shape 225"/>
+        <p:cNvGrpSpPr/>
+        <p:nvPr/>
+      </p:nvGrpSpPr>
+      <p:grpSpPr>
+        <a:xfrm>
+          <a:off x="0" y="0"/>
+          <a:ext cx="0" cy="0"/>
+          <a:chOff x="0" y="0"/>
+          <a:chExt cx="0" cy="0"/>
+        </a:xfrm>
+      </p:grpSpPr>
+      <p:sp>
+        <p:nvSpPr>
+          <p:cNvPr id="226" name="Google Shape;226;g2d5917501d2_0_32:notes"/>
+          <p:cNvSpPr/>
+          <p:nvPr>
+            <p:ph type="sldImg" idx="2"/>
+          </p:nvPr>
+        </p:nvSpPr>
+        <p:spPr>
+          <a:xfrm>
+            <a:off x="381300" y="685800"/>
+            <a:ext cx="6096000" cy="3429000"/>
+          </a:xfrm>
+          <a:custGeom>
+            <a:avLst/>
+            <a:gdLst/>
+            <a:ahLst/>
+            <a:cxnLst/>
+            <a:rect l="l" t="t" r="r" b="b"/>
+            <a:pathLst>
+              <a:path w="120000" h="120000" extrusionOk="0">
+                <a:moveTo>
+                  <a:pt x="0" y="0"/>
+                </a:moveTo>
+                <a:lnTo>
+                  <a:pt x="120000" y="0"/>
+                </a:lnTo>
+                <a:lnTo>
+                  <a:pt x="120000" y="120000"/>
+                </a:lnTo>
+                <a:lnTo>
+                  <a:pt x="0" y="120000"/>
+                </a:lnTo>
+                <a:close/>
+              </a:path>
+            </a:pathLst>
+          </a:custGeom>
+        </p:spPr>
+      </p:sp>
+      <p:sp>
+        <p:nvSpPr>
+          <p:cNvPr id="227" name="Google Shape;227;g2d5917501d2_0_32:notes"/>
+          <p:cNvSpPr txBox="1"/>
+          <p:nvPr>
+            <p:ph type="body" idx="1"/>
+          </p:nvPr>
+        </p:nvSpPr>
+        <p:spPr>
+          <a:xfrm>
+            <a:off x="685800" y="4343400"/>
+            <a:ext cx="5486400" cy="4114800"/>
+          </a:xfrm>
+          <a:prstGeom prst="rect">
+            <a:avLst/>
+          </a:prstGeom>
+        </p:spPr>
+        <p:txBody>
+          <a:bodyPr spcFirstLastPara="1" wrap="square" lIns="91425" tIns="91425" rIns="91425" bIns="91425" anchor="t" anchorCtr="0">
+            <a:noAutofit/>
+          </a:bodyPr>
+          <a:lstStyle/>
+          <a:p>
+            <a:pPr marL="0" lvl="0" indent="0" algn="l" rtl="0">
+              <a:spcBef>
+                <a:spcPts val="0"/>
+              </a:spcBef>
+              <a:spcAft>
+                <a:spcPts val="0"/>
+              </a:spcAft>
+              <a:buNone/>
+            </a:pPr>
+          </a:p>
+        </p:txBody>
+      </p:sp>
+    </p:spTree>
+  </p:cSld>
+  <p:clrMapOvr>
+    <a:masterClrMapping/>
+  </p:clrMapOvr>
+</p:notes>
+</file>
+
+<file path=ppt/notesSlides/notesSlide3.xml><?xml version="1.0" encoding="utf-8"?>
+<p:notes xmlns:a="http://schemas.openxmlformats.org/drawingml/2006/main" xmlns:r="http://schemas.openxmlformats.org/officeDocument/2006/relationships" xmlns:p="http://schemas.openxmlformats.org/presentationml/2006/main" showMasterPhAnim="0" showMasterSp="0">
+  <p:cSld>
+    <p:spTree>
+      <p:nvGrpSpPr>
+        <p:cNvPr id="231" name="Shape 231"/>
+        <p:cNvGrpSpPr/>
+        <p:nvPr/>
+      </p:nvGrpSpPr>
+      <p:grpSpPr>
+        <a:xfrm>
+          <a:off x="0" y="0"/>
+          <a:ext cx="0" cy="0"/>
+          <a:chOff x="0" y="0"/>
+          <a:chExt cx="0" cy="0"/>
+        </a:xfrm>
+      </p:grpSpPr>
+      <p:sp>
+        <p:nvSpPr>
+          <p:cNvPr id="232" name="Google Shape;232;g2d5917501d2_0_40:notes"/>
+          <p:cNvSpPr/>
+          <p:nvPr>
+            <p:ph type="sldImg" idx="2"/>
+          </p:nvPr>
+        </p:nvSpPr>
+        <p:spPr>
+          <a:xfrm>
+            <a:off x="381300" y="685800"/>
+            <a:ext cx="6096000" cy="3429000"/>
+          </a:xfrm>
+          <a:custGeom>
+            <a:avLst/>
+            <a:gdLst/>
+            <a:ahLst/>
+            <a:cxnLst/>
+            <a:rect l="l" t="t" r="r" b="b"/>
+            <a:pathLst>
+              <a:path w="120000" h="120000" extrusionOk="0">
+                <a:moveTo>
+                  <a:pt x="0" y="0"/>
+                </a:moveTo>
+                <a:lnTo>
+                  <a:pt x="120000" y="0"/>
+                </a:lnTo>
+                <a:lnTo>
+                  <a:pt x="120000" y="120000"/>
+                </a:lnTo>
+                <a:lnTo>
+                  <a:pt x="0" y="120000"/>
+                </a:lnTo>
+                <a:close/>
+              </a:path>
+            </a:pathLst>
+          </a:custGeom>
+        </p:spPr>
+      </p:sp>
+      <p:sp>
+        <p:nvSpPr>
+          <p:cNvPr id="233" name="Google Shape;233;g2d5917501d2_0_40:notes"/>
+          <p:cNvSpPr txBox="1"/>
+          <p:nvPr>
+            <p:ph type="body" idx="1"/>
+          </p:nvPr>
+        </p:nvSpPr>
+        <p:spPr>
+          <a:xfrm>
+            <a:off x="685800" y="4343400"/>
+            <a:ext cx="5486400" cy="4114800"/>
+          </a:xfrm>
+          <a:prstGeom prst="rect">
+            <a:avLst/>
+          </a:prstGeom>
+        </p:spPr>
+        <p:txBody>
+          <a:bodyPr spcFirstLastPara="1" wrap="square" lIns="91425" tIns="91425" rIns="91425" bIns="91425" anchor="t" anchorCtr="0">
+            <a:noAutofit/>
+          </a:bodyPr>
+          <a:lstStyle/>
+          <a:p>
+            <a:pPr marL="0" lvl="0" indent="0" algn="l" rtl="0">
+              <a:spcBef>
+                <a:spcPts val="0"/>
+              </a:spcBef>
+              <a:spcAft>
+                <a:spcPts val="0"/>
+              </a:spcAft>
+              <a:buNone/>
+            </a:pPr>
+          </a:p>
+        </p:txBody>
+      </p:sp>
+    </p:spTree>
+  </p:cSld>
+  <p:clrMapOvr>
+    <a:masterClrMapping/>
+  </p:clrMapOvr>
+</p:notes>
+</file>
+
+<file path=ppt/notesSlides/notesSlide4.xml><?xml version="1.0" encoding="utf-8"?>
+<p:notes xmlns:a="http://schemas.openxmlformats.org/drawingml/2006/main" xmlns:r="http://schemas.openxmlformats.org/officeDocument/2006/relationships" xmlns:p="http://schemas.openxmlformats.org/presentationml/2006/main" showMasterPhAnim="0" showMasterSp="0">
+  <p:cSld>
+    <p:spTree>
+      <p:nvGrpSpPr>
+        <p:cNvPr id="258" name="Shape 258"/>
+        <p:cNvGrpSpPr/>
+        <p:nvPr/>
+      </p:nvGrpSpPr>
+      <p:grpSpPr>
+        <a:xfrm>
+          <a:off x="0" y="0"/>
+          <a:ext cx="0" cy="0"/>
+          <a:chOff x="0" y="0"/>
+          <a:chExt cx="0" cy="0"/>
+        </a:xfrm>
+      </p:grpSpPr>
+      <p:sp>
+        <p:nvSpPr>
+          <p:cNvPr id="259" name="Google Shape;259;g2d5917501d2_0_73:notes"/>
+          <p:cNvSpPr/>
+          <p:nvPr>
+            <p:ph type="sldImg" idx="2"/>
+          </p:nvPr>
+        </p:nvSpPr>
+        <p:spPr>
+          <a:xfrm>
+            <a:off x="381300" y="685800"/>
+            <a:ext cx="6096000" cy="3429000"/>
+          </a:xfrm>
+          <a:custGeom>
+            <a:avLst/>
+            <a:gdLst/>
+            <a:ahLst/>
+            <a:cxnLst/>
+            <a:rect l="l" t="t" r="r" b="b"/>
+            <a:pathLst>
+              <a:path w="120000" h="120000" extrusionOk="0">
+                <a:moveTo>
+                  <a:pt x="0" y="0"/>
+                </a:moveTo>
+                <a:lnTo>
+                  <a:pt x="120000" y="0"/>
+                </a:lnTo>
+                <a:lnTo>
+                  <a:pt x="120000" y="120000"/>
+                </a:lnTo>
+                <a:lnTo>
+                  <a:pt x="0" y="120000"/>
+                </a:lnTo>
+                <a:close/>
+              </a:path>
+            </a:pathLst>
+          </a:custGeom>
+        </p:spPr>
+      </p:sp>
+      <p:sp>
+        <p:nvSpPr>
+          <p:cNvPr id="260" name="Google Shape;260;g2d5917501d2_0_73:notes"/>
+          <p:cNvSpPr txBox="1"/>
+          <p:nvPr>
+            <p:ph type="body" idx="1"/>
+          </p:nvPr>
+        </p:nvSpPr>
+        <p:spPr>
+          <a:xfrm>
+            <a:off x="685800" y="4343400"/>
+            <a:ext cx="5486400" cy="4114800"/>
+          </a:xfrm>
+          <a:prstGeom prst="rect">
+            <a:avLst/>
+          </a:prstGeom>
+        </p:spPr>
+        <p:txBody>
+          <a:bodyPr spcFirstLastPara="1" wrap="square" lIns="91425" tIns="91425" rIns="91425" bIns="91425" anchor="t" anchorCtr="0">
+            <a:noAutofit/>
+          </a:bodyPr>
+          <a:lstStyle/>
+          <a:p>
+            <a:pPr marL="0" lvl="0" indent="0" algn="l" rtl="0">
+              <a:spcBef>
+                <a:spcPts val="0"/>
+              </a:spcBef>
+              <a:spcAft>
+                <a:spcPts val="0"/>
+              </a:spcAft>
+              <a:buNone/>
+            </a:pPr>
+          </a:p>
+        </p:txBody>
+      </p:sp>
+    </p:spTree>
+  </p:cSld>
+  <p:clrMapOvr>
+    <a:masterClrMapping/>
+  </p:clrMapOvr>
+</p:notes>
+</file>
+
+<file path=ppt/notesSlides/notesSlide5.xml><?xml version="1.0" encoding="utf-8"?>
+<p:notes xmlns:a="http://schemas.openxmlformats.org/drawingml/2006/main" xmlns:r="http://schemas.openxmlformats.org/officeDocument/2006/relationships" xmlns:p="http://schemas.openxmlformats.org/presentationml/2006/main" showMasterPhAnim="0" showMasterSp="0">
+  <p:cSld>
+    <p:spTree>
+      <p:nvGrpSpPr>
+        <p:cNvPr id="237" name="Shape 237"/>
+        <p:cNvGrpSpPr/>
+        <p:nvPr/>
+      </p:nvGrpSpPr>
+      <p:grpSpPr>
+        <a:xfrm>
+          <a:off x="0" y="0"/>
+          <a:ext cx="0" cy="0"/>
+          <a:chOff x="0" y="0"/>
+          <a:chExt cx="0" cy="0"/>
+        </a:xfrm>
+      </p:grpSpPr>
+      <p:sp>
+        <p:nvSpPr>
+          <p:cNvPr id="238" name="Google Shape;238;g2d5917501d2_0_47:notes"/>
+          <p:cNvSpPr/>
+          <p:nvPr>
+            <p:ph type="sldImg" idx="2"/>
+          </p:nvPr>
+        </p:nvSpPr>
+        <p:spPr>
+          <a:xfrm>
+            <a:off x="381300" y="685800"/>
+            <a:ext cx="6096000" cy="3429000"/>
+          </a:xfrm>
+          <a:custGeom>
+            <a:avLst/>
+            <a:gdLst/>
+            <a:ahLst/>
+            <a:cxnLst/>
+            <a:rect l="l" t="t" r="r" b="b"/>
+            <a:pathLst>
+              <a:path w="120000" h="120000" extrusionOk="0">
+                <a:moveTo>
+                  <a:pt x="0" y="0"/>
+                </a:moveTo>
+                <a:lnTo>
+                  <a:pt x="120000" y="0"/>
+                </a:lnTo>
+                <a:lnTo>
+                  <a:pt x="120000" y="120000"/>
+                </a:lnTo>
+                <a:lnTo>
+                  <a:pt x="0" y="120000"/>
+                </a:lnTo>
+                <a:close/>
+              </a:path>
+            </a:pathLst>
+          </a:custGeom>
+        </p:spPr>
+      </p:sp>
+      <p:sp>
+        <p:nvSpPr>
+          <p:cNvPr id="239" name="Google Shape;239;g2d5917501d2_0_47:notes"/>
+          <p:cNvSpPr txBox="1"/>
+          <p:nvPr>
+            <p:ph type="body" idx="1"/>
+          </p:nvPr>
+        </p:nvSpPr>
+        <p:spPr>
+          <a:xfrm>
+            <a:off x="685800" y="4343400"/>
+            <a:ext cx="5486400" cy="4114800"/>
+          </a:xfrm>
+          <a:prstGeom prst="rect">
+            <a:avLst/>
+          </a:prstGeom>
+        </p:spPr>
+        <p:txBody>
+          <a:bodyPr spcFirstLastPara="1" wrap="square" lIns="91425" tIns="91425" rIns="91425" bIns="91425" anchor="t" anchorCtr="0">
+            <a:noAutofit/>
+          </a:bodyPr>
+          <a:lstStyle/>
+          <a:p>
+            <a:pPr marL="0" lvl="0" indent="0" algn="l" rtl="0">
+              <a:spcBef>
+                <a:spcPts val="0"/>
+              </a:spcBef>
+              <a:spcAft>
+                <a:spcPts val="0"/>
+              </a:spcAft>
+              <a:buNone/>
+            </a:pPr>
+          </a:p>
+        </p:txBody>
+      </p:sp>
+    </p:spTree>
+  </p:cSld>
+  <p:clrMapOvr>
+    <a:masterClrMapping/>
+  </p:clrMapOvr>
+</p:notes>
+</file>
+
+<file path=ppt/notesSlides/notesSlide6.xml><?xml version="1.0" encoding="utf-8"?>
+<p:notes xmlns:a="http://schemas.openxmlformats.org/drawingml/2006/main" xmlns:r="http://schemas.openxmlformats.org/officeDocument/2006/relationships" xmlns:p="http://schemas.openxmlformats.org/presentationml/2006/main" showMasterPhAnim="0" showMasterSp="0">
+  <p:cSld>
+    <p:spTree>
+      <p:nvGrpSpPr>
+        <p:cNvPr id="246" name="Shape 246"/>
+        <p:cNvGrpSpPr/>
+        <p:nvPr/>
+      </p:nvGrpSpPr>
+      <p:grpSpPr>
+        <a:xfrm>
+          <a:off x="0" y="0"/>
+          <a:ext cx="0" cy="0"/>
+          <a:chOff x="0" y="0"/>
+          <a:chExt cx="0" cy="0"/>
+        </a:xfrm>
+      </p:grpSpPr>
+      <p:sp>
+        <p:nvSpPr>
+          <p:cNvPr id="247" name="Google Shape;247;g2d5917501d2_0_64:notes"/>
+          <p:cNvSpPr/>
+          <p:nvPr>
+            <p:ph type="sldImg" idx="2"/>
+          </p:nvPr>
+        </p:nvSpPr>
+        <p:spPr>
+          <a:xfrm>
+            <a:off x="381300" y="685800"/>
+            <a:ext cx="6096000" cy="3429000"/>
+          </a:xfrm>
+          <a:custGeom>
+            <a:avLst/>
+            <a:gdLst/>
+            <a:ahLst/>
+            <a:cxnLst/>
+            <a:rect l="l" t="t" r="r" b="b"/>
+            <a:pathLst>
+              <a:path w="120000" h="120000" extrusionOk="0">
+                <a:moveTo>
+                  <a:pt x="0" y="0"/>
+                </a:moveTo>
+                <a:lnTo>
+                  <a:pt x="120000" y="0"/>
+                </a:lnTo>
+                <a:lnTo>
+                  <a:pt x="120000" y="120000"/>
+                </a:lnTo>
+                <a:lnTo>
+                  <a:pt x="0" y="120000"/>
+                </a:lnTo>
+                <a:close/>
+              </a:path>
+            </a:pathLst>
+          </a:custGeom>
+        </p:spPr>
+      </p:sp>
+      <p:sp>
+        <p:nvSpPr>
+          <p:cNvPr id="248" name="Google Shape;248;g2d5917501d2_0_64:notes"/>
+          <p:cNvSpPr txBox="1"/>
+          <p:nvPr>
+            <p:ph type="body" idx="1"/>
+          </p:nvPr>
+        </p:nvSpPr>
+        <p:spPr>
+          <a:xfrm>
+            <a:off x="685800" y="4343400"/>
+            <a:ext cx="5486400" cy="4114800"/>
+          </a:xfrm>
+          <a:prstGeom prst="rect">
+            <a:avLst/>
+          </a:prstGeom>
+        </p:spPr>
+        <p:txBody>
+          <a:bodyPr spcFirstLastPara="1" wrap="square" lIns="91425" tIns="91425" rIns="91425" bIns="91425" anchor="t" anchorCtr="0">
+            <a:noAutofit/>
+          </a:bodyPr>
+          <a:lstStyle/>
+          <a:p>
+            <a:pPr marL="0" lvl="0" indent="0" algn="l" rtl="0">
+              <a:spcBef>
+                <a:spcPts val="0"/>
+              </a:spcBef>
+              <a:spcAft>
+                <a:spcPts val="0"/>
+              </a:spcAft>
+              <a:buNone/>
+            </a:pPr>
+          </a:p>
+        </p:txBody>
+      </p:sp>
+    </p:spTree>
+  </p:cSld>
+  <p:clrMapOvr>
+    <a:masterClrMapping/>
+  </p:clrMapOvr>
+</p:notes>
+</file>
+
+<file path=ppt/notesSlides/notesSlide7.xml><?xml version="1.0" encoding="utf-8"?>
+<p:notes xmlns:a="http://schemas.openxmlformats.org/drawingml/2006/main" xmlns:r="http://schemas.openxmlformats.org/officeDocument/2006/relationships" xmlns:p="http://schemas.openxmlformats.org/presentationml/2006/main" showMasterPhAnim="0" showMasterSp="0">
+  <p:cSld>
+    <p:spTree>
+      <p:nvGrpSpPr>
+        <p:cNvPr id="252" name="Shape 252"/>
+        <p:cNvGrpSpPr/>
+        <p:nvPr/>
+      </p:nvGrpSpPr>
+      <p:grpSpPr>
+        <a:xfrm>
+          <a:off x="0" y="0"/>
+          <a:ext cx="0" cy="0"/>
+          <a:chOff x="0" y="0"/>
+          <a:chExt cx="0" cy="0"/>
+        </a:xfrm>
+      </p:grpSpPr>
+      <p:sp>
+        <p:nvSpPr>
+          <p:cNvPr id="253" name="Google Shape;253;g2d5917501d2_0_26:notes"/>
+          <p:cNvSpPr/>
+          <p:nvPr>
+            <p:ph type="sldImg" idx="2"/>
+          </p:nvPr>
+        </p:nvSpPr>
+        <p:spPr>
+          <a:xfrm>
+            <a:off x="381300" y="685800"/>
+            <a:ext cx="6096000" cy="3429000"/>
+          </a:xfrm>
+          <a:custGeom>
+            <a:avLst/>
+            <a:gdLst/>
+            <a:ahLst/>
+            <a:cxnLst/>
+            <a:rect l="l" t="t" r="r" b="b"/>
+            <a:pathLst>
+              <a:path w="120000" h="120000" extrusionOk="0">
+                <a:moveTo>
+                  <a:pt x="0" y="0"/>
+                </a:moveTo>
+                <a:lnTo>
+                  <a:pt x="120000" y="0"/>
+                </a:lnTo>
+                <a:lnTo>
+                  <a:pt x="120000" y="120000"/>
+                </a:lnTo>
+                <a:lnTo>
+                  <a:pt x="0" y="120000"/>
+                </a:lnTo>
+                <a:close/>
+              </a:path>
+            </a:pathLst>
+          </a:custGeom>
+        </p:spPr>
+      </p:sp>
+      <p:sp>
+        <p:nvSpPr>
+          <p:cNvPr id="254" name="Google Shape;254;g2d5917501d2_0_26:notes"/>
+          <p:cNvSpPr txBox="1"/>
+          <p:nvPr>
+            <p:ph type="body" idx="1"/>
+          </p:nvPr>
+        </p:nvSpPr>
+        <p:spPr>
+          <a:xfrm>
+            <a:off x="685800" y="4343400"/>
+            <a:ext cx="5486400" cy="4114800"/>
+          </a:xfrm>
+          <a:prstGeom prst="rect">
+            <a:avLst/>
+          </a:prstGeom>
+        </p:spPr>
+        <p:txBody>
+          <a:bodyPr spcFirstLastPara="1" wrap="square" lIns="91425" tIns="91425" rIns="91425" bIns="91425" anchor="t" anchorCtr="0">
+            <a:noAutofit/>
+          </a:bodyPr>
+          <a:lstStyle/>
+          <a:p>
+            <a:pPr marL="0" lvl="0" indent="0" algn="l" rtl="0">
+              <a:spcBef>
+                <a:spcPts val="0"/>
+              </a:spcBef>
+              <a:spcAft>
+                <a:spcPts val="0"/>
+              </a:spcAft>
+              <a:buNone/>
+            </a:pPr>
+          </a:p>
+        </p:txBody>
+      </p:sp>
+    </p:spTree>
+  </p:cSld>
+  <p:clrMapOvr>
+    <a:masterClrMapping/>
+  </p:clrMapOvr>
+</p:notes>
 </file>
 
 <file path=ppt/slideLayouts/slideLayout1.xml><?xml version="1.0" encoding="utf-8"?>
@@ -794,6 +1844,357 @@
 </p:sldLayout>
 </file>
 
+<file path=ppt/slideLayouts/slideLayout12.xml><?xml version="1.0" encoding="utf-8"?>
+<p:sldLayout xmlns:a="http://schemas.openxmlformats.org/drawingml/2006/main" xmlns:r="http://schemas.openxmlformats.org/officeDocument/2006/relationships" xmlns:p="http://schemas.openxmlformats.org/presentationml/2006/main" type="tx" matchingName="Title and body">
+  <p:cSld name="TITLE_AND_BODY">
+    <p:spTree>
+      <p:nvGrpSpPr>
+        <p:cNvPr id="16" name="Shape 16"/>
+        <p:cNvGrpSpPr/>
+        <p:nvPr/>
+      </p:nvGrpSpPr>
+      <p:grpSpPr>
+        <a:xfrm>
+          <a:off x="0" y="0"/>
+          <a:ext cx="0" cy="0"/>
+          <a:chOff x="0" y="0"/>
+          <a:chExt cx="0" cy="0"/>
+        </a:xfrm>
+      </p:grpSpPr>
+      <p:sp>
+        <p:nvSpPr>
+          <p:cNvPr id="17" name="Google Shape;17;p4"/>
+          <p:cNvSpPr txBox="1"/>
+          <p:nvPr>
+            <p:ph type="title"/>
+          </p:nvPr>
+        </p:nvSpPr>
+        <p:spPr>
+          <a:xfrm>
+            <a:off x="311700" y="593367"/>
+            <a:ext cx="8520600" cy="763600"/>
+          </a:xfrm>
+          <a:prstGeom prst="rect">
+            <a:avLst/>
+          </a:prstGeom>
+        </p:spPr>
+        <p:txBody>
+          <a:bodyPr spcFirstLastPara="1" wrap="square" lIns="91425" tIns="91425" rIns="91425" bIns="91425" anchor="t" anchorCtr="0">
+            <a:normAutofit/>
+          </a:bodyPr>
+          <a:lstStyle>
+            <a:lvl1pPr lvl="0">
+              <a:spcBef>
+                <a:spcPts val="0"/>
+              </a:spcBef>
+              <a:spcAft>
+                <a:spcPts val="0"/>
+              </a:spcAft>
+              <a:buSzPts val="2800"/>
+              <a:buNone/>
+              <a:defRPr/>
+            </a:lvl1pPr>
+            <a:lvl2pPr lvl="1">
+              <a:spcBef>
+                <a:spcPts val="0"/>
+              </a:spcBef>
+              <a:spcAft>
+                <a:spcPts val="0"/>
+              </a:spcAft>
+              <a:buSzPts val="2800"/>
+              <a:buNone/>
+              <a:defRPr/>
+            </a:lvl2pPr>
+            <a:lvl3pPr lvl="2">
+              <a:spcBef>
+                <a:spcPts val="0"/>
+              </a:spcBef>
+              <a:spcAft>
+                <a:spcPts val="0"/>
+              </a:spcAft>
+              <a:buSzPts val="2800"/>
+              <a:buNone/>
+              <a:defRPr/>
+            </a:lvl3pPr>
+            <a:lvl4pPr lvl="3">
+              <a:spcBef>
+                <a:spcPts val="0"/>
+              </a:spcBef>
+              <a:spcAft>
+                <a:spcPts val="0"/>
+              </a:spcAft>
+              <a:buSzPts val="2800"/>
+              <a:buNone/>
+              <a:defRPr/>
+            </a:lvl4pPr>
+            <a:lvl5pPr lvl="4">
+              <a:spcBef>
+                <a:spcPts val="0"/>
+              </a:spcBef>
+              <a:spcAft>
+                <a:spcPts val="0"/>
+              </a:spcAft>
+              <a:buSzPts val="2800"/>
+              <a:buNone/>
+              <a:defRPr/>
+            </a:lvl5pPr>
+            <a:lvl6pPr lvl="5">
+              <a:spcBef>
+                <a:spcPts val="0"/>
+              </a:spcBef>
+              <a:spcAft>
+                <a:spcPts val="0"/>
+              </a:spcAft>
+              <a:buSzPts val="2800"/>
+              <a:buNone/>
+              <a:defRPr/>
+            </a:lvl6pPr>
+            <a:lvl7pPr lvl="6">
+              <a:spcBef>
+                <a:spcPts val="0"/>
+              </a:spcBef>
+              <a:spcAft>
+                <a:spcPts val="0"/>
+              </a:spcAft>
+              <a:buSzPts val="2800"/>
+              <a:buNone/>
+              <a:defRPr/>
+            </a:lvl7pPr>
+            <a:lvl8pPr lvl="7">
+              <a:spcBef>
+                <a:spcPts val="0"/>
+              </a:spcBef>
+              <a:spcAft>
+                <a:spcPts val="0"/>
+              </a:spcAft>
+              <a:buSzPts val="2800"/>
+              <a:buNone/>
+              <a:defRPr/>
+            </a:lvl8pPr>
+            <a:lvl9pPr lvl="8">
+              <a:spcBef>
+                <a:spcPts val="0"/>
+              </a:spcBef>
+              <a:spcAft>
+                <a:spcPts val="0"/>
+              </a:spcAft>
+              <a:buSzPts val="2800"/>
+              <a:buNone/>
+              <a:defRPr/>
+            </a:lvl9pPr>
+          </a:lstStyle>
+          <a:p/>
+        </p:txBody>
+      </p:sp>
+      <p:sp>
+        <p:nvSpPr>
+          <p:cNvPr id="18" name="Google Shape;18;p4"/>
+          <p:cNvSpPr txBox="1"/>
+          <p:nvPr>
+            <p:ph type="body" idx="1"/>
+          </p:nvPr>
+        </p:nvSpPr>
+        <p:spPr>
+          <a:xfrm>
+            <a:off x="311700" y="1536633"/>
+            <a:ext cx="8520600" cy="4555200"/>
+          </a:xfrm>
+          <a:prstGeom prst="rect">
+            <a:avLst/>
+          </a:prstGeom>
+        </p:spPr>
+        <p:txBody>
+          <a:bodyPr spcFirstLastPara="1" wrap="square" lIns="91425" tIns="91425" rIns="91425" bIns="91425" anchor="t" anchorCtr="0">
+            <a:normAutofit/>
+          </a:bodyPr>
+          <a:lstStyle>
+            <a:lvl1pPr marL="457200" lvl="0" indent="-342900">
+              <a:spcBef>
+                <a:spcPts val="0"/>
+              </a:spcBef>
+              <a:spcAft>
+                <a:spcPts val="0"/>
+              </a:spcAft>
+              <a:buSzPts val="1800"/>
+              <a:buChar char="●"/>
+              <a:defRPr/>
+            </a:lvl1pPr>
+            <a:lvl2pPr marL="914400" lvl="1" indent="-317500">
+              <a:spcBef>
+                <a:spcPts val="0"/>
+              </a:spcBef>
+              <a:spcAft>
+                <a:spcPts val="0"/>
+              </a:spcAft>
+              <a:buSzPts val="1400"/>
+              <a:buChar char="○"/>
+              <a:defRPr/>
+            </a:lvl2pPr>
+            <a:lvl3pPr marL="1371600" lvl="2" indent="-317500">
+              <a:spcBef>
+                <a:spcPts val="0"/>
+              </a:spcBef>
+              <a:spcAft>
+                <a:spcPts val="0"/>
+              </a:spcAft>
+              <a:buSzPts val="1400"/>
+              <a:buChar char="■"/>
+              <a:defRPr/>
+            </a:lvl3pPr>
+            <a:lvl4pPr marL="1828800" lvl="3" indent="-317500">
+              <a:spcBef>
+                <a:spcPts val="0"/>
+              </a:spcBef>
+              <a:spcAft>
+                <a:spcPts val="0"/>
+              </a:spcAft>
+              <a:buSzPts val="1400"/>
+              <a:buChar char="●"/>
+              <a:defRPr/>
+            </a:lvl4pPr>
+            <a:lvl5pPr marL="2286000" lvl="4" indent="-317500">
+              <a:spcBef>
+                <a:spcPts val="0"/>
+              </a:spcBef>
+              <a:spcAft>
+                <a:spcPts val="0"/>
+              </a:spcAft>
+              <a:buSzPts val="1400"/>
+              <a:buChar char="○"/>
+              <a:defRPr/>
+            </a:lvl5pPr>
+            <a:lvl6pPr marL="2743200" lvl="5" indent="-317500">
+              <a:spcBef>
+                <a:spcPts val="0"/>
+              </a:spcBef>
+              <a:spcAft>
+                <a:spcPts val="0"/>
+              </a:spcAft>
+              <a:buSzPts val="1400"/>
+              <a:buChar char="■"/>
+              <a:defRPr/>
+            </a:lvl6pPr>
+            <a:lvl7pPr marL="3200400" lvl="6" indent="-317500">
+              <a:spcBef>
+                <a:spcPts val="0"/>
+              </a:spcBef>
+              <a:spcAft>
+                <a:spcPts val="0"/>
+              </a:spcAft>
+              <a:buSzPts val="1400"/>
+              <a:buChar char="●"/>
+              <a:defRPr/>
+            </a:lvl7pPr>
+            <a:lvl8pPr marL="3657600" lvl="7" indent="-317500">
+              <a:spcBef>
+                <a:spcPts val="0"/>
+              </a:spcBef>
+              <a:spcAft>
+                <a:spcPts val="0"/>
+              </a:spcAft>
+              <a:buSzPts val="1400"/>
+              <a:buChar char="○"/>
+              <a:defRPr/>
+            </a:lvl8pPr>
+            <a:lvl9pPr marL="4114800" lvl="8" indent="-317500">
+              <a:spcBef>
+                <a:spcPts val="0"/>
+              </a:spcBef>
+              <a:spcAft>
+                <a:spcPts val="0"/>
+              </a:spcAft>
+              <a:buSzPts val="1400"/>
+              <a:buChar char="■"/>
+              <a:defRPr/>
+            </a:lvl9pPr>
+          </a:lstStyle>
+          <a:p/>
+        </p:txBody>
+      </p:sp>
+      <p:sp>
+        <p:nvSpPr>
+          <p:cNvPr id="19" name="Google Shape;19;p4"/>
+          <p:cNvSpPr txBox="1"/>
+          <p:nvPr>
+            <p:ph type="sldNum" idx="12"/>
+          </p:nvPr>
+        </p:nvSpPr>
+        <p:spPr>
+          <a:xfrm>
+            <a:off x="8472458" y="6217623"/>
+            <a:ext cx="548700" cy="524800"/>
+          </a:xfrm>
+          <a:prstGeom prst="rect">
+            <a:avLst/>
+          </a:prstGeom>
+        </p:spPr>
+        <p:txBody>
+          <a:bodyPr spcFirstLastPara="1" wrap="square" lIns="91425" tIns="91425" rIns="91425" bIns="91425" anchor="ctr" anchorCtr="0">
+            <a:normAutofit/>
+          </a:bodyPr>
+          <a:lstStyle>
+            <a:lvl1pPr lvl="0">
+              <a:buNone/>
+              <a:defRPr/>
+            </a:lvl1pPr>
+            <a:lvl2pPr lvl="1">
+              <a:buNone/>
+              <a:defRPr/>
+            </a:lvl2pPr>
+            <a:lvl3pPr lvl="2">
+              <a:buNone/>
+              <a:defRPr/>
+            </a:lvl3pPr>
+            <a:lvl4pPr lvl="3">
+              <a:buNone/>
+              <a:defRPr/>
+            </a:lvl4pPr>
+            <a:lvl5pPr lvl="4">
+              <a:buNone/>
+              <a:defRPr/>
+            </a:lvl5pPr>
+            <a:lvl6pPr lvl="5">
+              <a:buNone/>
+              <a:defRPr/>
+            </a:lvl6pPr>
+            <a:lvl7pPr lvl="6">
+              <a:buNone/>
+              <a:defRPr/>
+            </a:lvl7pPr>
+            <a:lvl8pPr lvl="7">
+              <a:buNone/>
+              <a:defRPr/>
+            </a:lvl8pPr>
+            <a:lvl9pPr lvl="8">
+              <a:buNone/>
+              <a:defRPr/>
+            </a:lvl9pPr>
+          </a:lstStyle>
+          <a:p>
+            <a:pPr marL="0" lvl="0" indent="0" algn="r" rtl="0">
+              <a:spcBef>
+                <a:spcPts val="0"/>
+              </a:spcBef>
+              <a:spcAft>
+                <a:spcPts val="0"/>
+              </a:spcAft>
+              <a:buNone/>
+            </a:pPr>
+            <a:fld id="{00000000-1234-1234-1234-123412341234}" type="slidenum">
+              <a:rPr lang="en-GB"/>
+            </a:fld>
+            <a:endParaRPr lang="en-GB"/>
+          </a:p>
+        </p:txBody>
+      </p:sp>
+    </p:spTree>
+  </p:cSld>
+  <p:clrMapOvr>
+    <a:masterClrMapping/>
+  </p:clrMapOvr>
+</p:sldLayout>
+</file>
+
 <file path=ppt/slideLayouts/slideLayout2.xml><?xml version="1.0" encoding="utf-8"?>
 <p:sldLayout xmlns:a="http://schemas.openxmlformats.org/drawingml/2006/main" xmlns:r="http://schemas.openxmlformats.org/officeDocument/2006/relationships" xmlns:p="http://schemas.openxmlformats.org/presentationml/2006/main" type="obj" preserve="1">
   <p:cSld name="Title and Content">
@@ -2511,7 +3912,7 @@
           <p:nvPr/>
         </p:nvPicPr>
         <p:blipFill>
-          <a:blip r:embed="rId12"/>
+          <a:blip r:embed="rId13"/>
           <a:stretch>
             <a:fillRect/>
           </a:stretch>
@@ -2845,6 +4246,7 @@
     <p:sldLayoutId id="2147483657" r:id="rId9"/>
     <p:sldLayoutId id="2147483658" r:id="rId10"/>
     <p:sldLayoutId id="2147483659" r:id="rId11"/>
+    <p:sldLayoutId id="2147483660" r:id="rId12"/>
   </p:sldLayoutIdLst>
   <p:hf sldNum="0" hdr="0" ftr="0" dt="0"/>
   <p:txStyles>
@@ -3304,6 +4706,3058 @@
 </p:sld>
 </file>
 
+<file path=ppt/slides/slide10.xml><?xml version="1.0" encoding="utf-8"?>
+<p:sld xmlns:a="http://schemas.openxmlformats.org/drawingml/2006/main" xmlns:r="http://schemas.openxmlformats.org/officeDocument/2006/relationships" xmlns:p="http://schemas.openxmlformats.org/presentationml/2006/main">
+  <p:cSld>
+    <p:spTree>
+      <p:nvGrpSpPr>
+        <p:cNvPr id="240" name="Shape 240"/>
+        <p:cNvGrpSpPr/>
+        <p:nvPr/>
+      </p:nvGrpSpPr>
+      <p:grpSpPr>
+        <a:xfrm>
+          <a:off x="0" y="0"/>
+          <a:ext cx="0" cy="0"/>
+          <a:chOff x="0" y="0"/>
+          <a:chExt cx="0" cy="0"/>
+        </a:xfrm>
+      </p:grpSpPr>
+      <p:sp>
+        <p:nvSpPr>
+          <p:cNvPr id="241" name="Google Shape;241;p41"/>
+          <p:cNvSpPr txBox="1"/>
+          <p:nvPr>
+            <p:ph type="title"/>
+          </p:nvPr>
+        </p:nvSpPr>
+        <p:spPr>
+          <a:xfrm>
+            <a:off x="311700" y="1302275"/>
+            <a:ext cx="8520600" cy="572700"/>
+          </a:xfrm>
+          <a:prstGeom prst="rect">
+            <a:avLst/>
+          </a:prstGeom>
+        </p:spPr>
+        <p:txBody>
+          <a:bodyPr spcFirstLastPara="1" wrap="square" lIns="91425" tIns="91425" rIns="91425" bIns="91425" anchor="t" anchorCtr="0">
+            <a:normAutofit fontScale="90000"/>
+          </a:bodyPr>
+          <a:lstStyle/>
+          <a:p>
+            <a:pPr marL="0" lvl="0" indent="0" algn="l" rtl="0">
+              <a:lnSpc>
+                <a:spcPct val="115000"/>
+              </a:lnSpc>
+              <a:spcBef>
+                <a:spcPts val="800"/>
+              </a:spcBef>
+              <a:spcAft>
+                <a:spcPts val="0"/>
+              </a:spcAft>
+              <a:buNone/>
+            </a:pPr>
+            <a:r>
+              <a:rPr lang="en-GB" sz="2400" b="1">
+                <a:highlight>
+                  <a:srgbClr val="FFFFFF"/>
+                </a:highlight>
+              </a:rPr>
+              <a:t>Variáveis x Objetos ​​JavaScript</a:t>
+            </a:r>
+            <a:endParaRPr sz="2400" b="1">
+              <a:highlight>
+                <a:srgbClr val="FFFFFF"/>
+              </a:highlight>
+            </a:endParaRPr>
+          </a:p>
+          <a:p>
+            <a:pPr marL="0" lvl="0" indent="0" algn="l" rtl="0">
+              <a:lnSpc>
+                <a:spcPct val="115000"/>
+              </a:lnSpc>
+              <a:spcBef>
+                <a:spcPts val="800"/>
+              </a:spcBef>
+              <a:spcAft>
+                <a:spcPts val="0"/>
+              </a:spcAft>
+              <a:buNone/>
+            </a:pPr>
+            <a:endParaRPr sz="1100" b="1"/>
+          </a:p>
+          <a:p>
+            <a:pPr marL="0" lvl="0" indent="0" algn="l" rtl="0">
+              <a:lnSpc>
+                <a:spcPct val="115000"/>
+              </a:lnSpc>
+              <a:spcBef>
+                <a:spcPts val="800"/>
+              </a:spcBef>
+              <a:spcAft>
+                <a:spcPts val="800"/>
+              </a:spcAft>
+              <a:buNone/>
+            </a:pPr>
+            <a:endParaRPr sz="2400" b="1">
+              <a:highlight>
+                <a:srgbClr val="FFFFFF"/>
+              </a:highlight>
+            </a:endParaRPr>
+          </a:p>
+        </p:txBody>
+      </p:sp>
+      <p:sp>
+        <p:nvSpPr>
+          <p:cNvPr id="242" name="Google Shape;242;p41"/>
+          <p:cNvSpPr txBox="1"/>
+          <p:nvPr>
+            <p:ph type="body" idx="1"/>
+          </p:nvPr>
+        </p:nvSpPr>
+        <p:spPr>
+          <a:xfrm>
+            <a:off x="409200" y="2005200"/>
+            <a:ext cx="8734800" cy="1423800"/>
+          </a:xfrm>
+          <a:prstGeom prst="rect">
+            <a:avLst/>
+          </a:prstGeom>
+        </p:spPr>
+        <p:txBody>
+          <a:bodyPr spcFirstLastPara="1" wrap="square" lIns="91425" tIns="91425" rIns="91425" bIns="91425" anchor="t" anchorCtr="0">
+            <a:noAutofit/>
+          </a:bodyPr>
+          <a:lstStyle/>
+          <a:p>
+            <a:pPr marL="114300" marR="114300" lvl="0" indent="0" algn="l" rtl="0">
+              <a:spcBef>
+                <a:spcPts val="3000"/>
+              </a:spcBef>
+              <a:spcAft>
+                <a:spcPts val="0"/>
+              </a:spcAft>
+              <a:buNone/>
+            </a:pPr>
+            <a:r>
+              <a:rPr lang="en-GB" sz="2000">
+                <a:solidFill>
+                  <a:srgbClr val="0000CD"/>
+                </a:solidFill>
+                <a:highlight>
+                  <a:srgbClr val="FFFFFF"/>
+                </a:highlight>
+                <a:latin typeface="Courier New" panose="02070309020205020404"/>
+                <a:ea typeface="Courier New" panose="02070309020205020404"/>
+                <a:cs typeface="Courier New" panose="02070309020205020404"/>
+                <a:sym typeface="Courier New" panose="02070309020205020404"/>
+              </a:rPr>
+              <a:t>let</a:t>
+            </a:r>
+            <a:r>
+              <a:rPr lang="en-GB" sz="2000">
+                <a:solidFill>
+                  <a:schemeClr val="dk1"/>
+                </a:solidFill>
+                <a:highlight>
+                  <a:srgbClr val="FFFFFF"/>
+                </a:highlight>
+                <a:latin typeface="Courier New" panose="02070309020205020404"/>
+                <a:ea typeface="Courier New" panose="02070309020205020404"/>
+                <a:cs typeface="Courier New" panose="02070309020205020404"/>
+                <a:sym typeface="Courier New" panose="02070309020205020404"/>
+              </a:rPr>
+              <a:t> nome = </a:t>
+            </a:r>
+            <a:r>
+              <a:rPr lang="en-GB" sz="2000">
+                <a:solidFill>
+                  <a:srgbClr val="A52A2A"/>
+                </a:solidFill>
+                <a:highlight>
+                  <a:srgbClr val="FFFFFF"/>
+                </a:highlight>
+                <a:latin typeface="Courier New" panose="02070309020205020404"/>
+                <a:ea typeface="Courier New" panose="02070309020205020404"/>
+                <a:cs typeface="Courier New" panose="02070309020205020404"/>
+                <a:sym typeface="Courier New" panose="02070309020205020404"/>
+              </a:rPr>
+              <a:t>"Jean"</a:t>
+            </a:r>
+            <a:r>
+              <a:rPr lang="en-GB" sz="2000">
+                <a:solidFill>
+                  <a:schemeClr val="dk1"/>
+                </a:solidFill>
+                <a:highlight>
+                  <a:srgbClr val="FFFFFF"/>
+                </a:highlight>
+                <a:latin typeface="Courier New" panose="02070309020205020404"/>
+                <a:ea typeface="Courier New" panose="02070309020205020404"/>
+                <a:cs typeface="Courier New" panose="02070309020205020404"/>
+                <a:sym typeface="Courier New" panose="02070309020205020404"/>
+              </a:rPr>
+              <a:t>;</a:t>
+            </a:r>
+            <a:endParaRPr sz="2000">
+              <a:solidFill>
+                <a:schemeClr val="dk1"/>
+              </a:solidFill>
+              <a:highlight>
+                <a:srgbClr val="FFFFFF"/>
+              </a:highlight>
+              <a:latin typeface="Courier New" panose="02070309020205020404"/>
+              <a:ea typeface="Courier New" panose="02070309020205020404"/>
+              <a:cs typeface="Courier New" panose="02070309020205020404"/>
+              <a:sym typeface="Courier New" panose="02070309020205020404"/>
+            </a:endParaRPr>
+          </a:p>
+          <a:p>
+            <a:pPr marL="114300" marR="114300" lvl="0" indent="0" algn="l" rtl="0">
+              <a:spcBef>
+                <a:spcPts val="3000"/>
+              </a:spcBef>
+              <a:spcAft>
+                <a:spcPts val="0"/>
+              </a:spcAft>
+              <a:buNone/>
+            </a:pPr>
+            <a:r>
+              <a:rPr lang="en-GB" sz="2000">
+                <a:solidFill>
+                  <a:srgbClr val="0000CD"/>
+                </a:solidFill>
+                <a:highlight>
+                  <a:srgbClr val="FFFFFF"/>
+                </a:highlight>
+                <a:latin typeface="Courier New" panose="02070309020205020404"/>
+                <a:ea typeface="Courier New" panose="02070309020205020404"/>
+                <a:cs typeface="Courier New" panose="02070309020205020404"/>
+                <a:sym typeface="Courier New" panose="02070309020205020404"/>
+              </a:rPr>
+              <a:t>const</a:t>
+            </a:r>
+            <a:r>
+              <a:rPr lang="en-GB" sz="2000">
+                <a:solidFill>
+                  <a:schemeClr val="dk1"/>
+                </a:solidFill>
+                <a:highlight>
+                  <a:srgbClr val="FFFFFF"/>
+                </a:highlight>
+                <a:latin typeface="Courier New" panose="02070309020205020404"/>
+                <a:ea typeface="Courier New" panose="02070309020205020404"/>
+                <a:cs typeface="Courier New" panose="02070309020205020404"/>
+                <a:sym typeface="Courier New" panose="02070309020205020404"/>
+              </a:rPr>
+              <a:t> </a:t>
+            </a:r>
+            <a:r>
+              <a:rPr lang="en-GB" sz="2000">
+                <a:solidFill>
+                  <a:schemeClr val="dk1"/>
+                </a:solidFill>
+                <a:highlight>
+                  <a:srgbClr val="FFFFFF"/>
+                </a:highlight>
+                <a:latin typeface="Courier New" panose="02070309020205020404"/>
+                <a:ea typeface="Courier New" panose="02070309020205020404"/>
+                <a:cs typeface="Courier New" panose="02070309020205020404"/>
+                <a:sym typeface="Courier New" panose="02070309020205020404"/>
+              </a:rPr>
+              <a:t>pessoa </a:t>
+            </a:r>
+            <a:r>
+              <a:rPr lang="en-GB" sz="2000">
+                <a:solidFill>
+                  <a:schemeClr val="dk1"/>
+                </a:solidFill>
+                <a:highlight>
+                  <a:srgbClr val="FFFFFF"/>
+                </a:highlight>
+                <a:latin typeface="Courier New" panose="02070309020205020404"/>
+                <a:ea typeface="Courier New" panose="02070309020205020404"/>
+                <a:cs typeface="Courier New" panose="02070309020205020404"/>
+                <a:sym typeface="Courier New" panose="02070309020205020404"/>
+              </a:rPr>
+              <a:t>= {</a:t>
+            </a:r>
+            <a:r>
+              <a:rPr lang="en-GB" sz="2000">
+                <a:solidFill>
+                  <a:schemeClr val="dk1"/>
+                </a:solidFill>
+                <a:highlight>
+                  <a:srgbClr val="FFFFFF"/>
+                </a:highlight>
+                <a:latin typeface="Courier New" panose="02070309020205020404"/>
+                <a:ea typeface="Courier New" panose="02070309020205020404"/>
+                <a:cs typeface="Courier New" panose="02070309020205020404"/>
+                <a:sym typeface="Courier New" panose="02070309020205020404"/>
+              </a:rPr>
+              <a:t>primeiroNome</a:t>
+            </a:r>
+            <a:r>
+              <a:rPr lang="en-GB" sz="2000">
+                <a:solidFill>
+                  <a:schemeClr val="dk1"/>
+                </a:solidFill>
+                <a:highlight>
+                  <a:srgbClr val="FFFFFF"/>
+                </a:highlight>
+                <a:latin typeface="Courier New" panose="02070309020205020404"/>
+                <a:ea typeface="Courier New" panose="02070309020205020404"/>
+                <a:cs typeface="Courier New" panose="02070309020205020404"/>
+                <a:sym typeface="Courier New" panose="02070309020205020404"/>
+              </a:rPr>
+              <a:t>:</a:t>
+            </a:r>
+            <a:r>
+              <a:rPr lang="en-GB" sz="2000">
+                <a:solidFill>
+                  <a:srgbClr val="A52A2A"/>
+                </a:solidFill>
+                <a:highlight>
+                  <a:srgbClr val="FFFFFF"/>
+                </a:highlight>
+                <a:latin typeface="Courier New" panose="02070309020205020404"/>
+                <a:ea typeface="Courier New" panose="02070309020205020404"/>
+                <a:cs typeface="Courier New" panose="02070309020205020404"/>
+                <a:sym typeface="Courier New" panose="02070309020205020404"/>
+              </a:rPr>
+              <a:t>"</a:t>
+            </a:r>
+            <a:r>
+              <a:rPr lang="en-GB" sz="2000">
+                <a:solidFill>
+                  <a:srgbClr val="A52A2A"/>
+                </a:solidFill>
+                <a:highlight>
+                  <a:srgbClr val="FFFFFF"/>
+                </a:highlight>
+                <a:latin typeface="Courier New" panose="02070309020205020404"/>
+                <a:ea typeface="Courier New" panose="02070309020205020404"/>
+                <a:cs typeface="Courier New" panose="02070309020205020404"/>
+                <a:sym typeface="Courier New" panose="02070309020205020404"/>
+              </a:rPr>
+              <a:t>Jean</a:t>
+            </a:r>
+            <a:r>
+              <a:rPr lang="en-GB" sz="2000">
+                <a:solidFill>
+                  <a:srgbClr val="A52A2A"/>
+                </a:solidFill>
+                <a:highlight>
+                  <a:srgbClr val="FFFFFF"/>
+                </a:highlight>
+                <a:latin typeface="Courier New" panose="02070309020205020404"/>
+                <a:ea typeface="Courier New" panose="02070309020205020404"/>
+                <a:cs typeface="Courier New" panose="02070309020205020404"/>
+                <a:sym typeface="Courier New" panose="02070309020205020404"/>
+              </a:rPr>
+              <a:t>"</a:t>
+            </a:r>
+            <a:r>
+              <a:rPr lang="en-GB" sz="2000">
+                <a:solidFill>
+                  <a:schemeClr val="dk1"/>
+                </a:solidFill>
+                <a:highlight>
+                  <a:srgbClr val="FFFFFF"/>
+                </a:highlight>
+                <a:latin typeface="Courier New" panose="02070309020205020404"/>
+                <a:ea typeface="Courier New" panose="02070309020205020404"/>
+                <a:cs typeface="Courier New" panose="02070309020205020404"/>
+                <a:sym typeface="Courier New" panose="02070309020205020404"/>
+              </a:rPr>
+              <a:t>, </a:t>
+            </a:r>
+            <a:r>
+              <a:rPr lang="en-GB" sz="2000">
+                <a:solidFill>
+                  <a:schemeClr val="dk1"/>
+                </a:solidFill>
+                <a:highlight>
+                  <a:srgbClr val="FFFFFF"/>
+                </a:highlight>
+                <a:latin typeface="Courier New" panose="02070309020205020404"/>
+                <a:ea typeface="Courier New" panose="02070309020205020404"/>
+                <a:cs typeface="Courier New" panose="02070309020205020404"/>
+                <a:sym typeface="Courier New" panose="02070309020205020404"/>
+              </a:rPr>
+              <a:t>ultimoNome</a:t>
+            </a:r>
+            <a:r>
+              <a:rPr lang="en-GB" sz="2000">
+                <a:solidFill>
+                  <a:schemeClr val="dk1"/>
+                </a:solidFill>
+                <a:highlight>
+                  <a:srgbClr val="FFFFFF"/>
+                </a:highlight>
+                <a:latin typeface="Courier New" panose="02070309020205020404"/>
+                <a:ea typeface="Courier New" panose="02070309020205020404"/>
+                <a:cs typeface="Courier New" panose="02070309020205020404"/>
+                <a:sym typeface="Courier New" panose="02070309020205020404"/>
+              </a:rPr>
+              <a:t>:</a:t>
+            </a:r>
+            <a:r>
+              <a:rPr lang="en-GB" sz="2000">
+                <a:solidFill>
+                  <a:srgbClr val="A52A2A"/>
+                </a:solidFill>
+                <a:highlight>
+                  <a:srgbClr val="FFFFFF"/>
+                </a:highlight>
+                <a:latin typeface="Courier New" panose="02070309020205020404"/>
+                <a:ea typeface="Courier New" panose="02070309020205020404"/>
+                <a:cs typeface="Courier New" panose="02070309020205020404"/>
+                <a:sym typeface="Courier New" panose="02070309020205020404"/>
+              </a:rPr>
+              <a:t>"</a:t>
+            </a:r>
+            <a:r>
+              <a:rPr lang="en-GB" sz="2000">
+                <a:solidFill>
+                  <a:srgbClr val="A52A2A"/>
+                </a:solidFill>
+                <a:highlight>
+                  <a:srgbClr val="FFFFFF"/>
+                </a:highlight>
+                <a:latin typeface="Courier New" panose="02070309020205020404"/>
+                <a:ea typeface="Courier New" panose="02070309020205020404"/>
+                <a:cs typeface="Courier New" panose="02070309020205020404"/>
+                <a:sym typeface="Courier New" panose="02070309020205020404"/>
+              </a:rPr>
+              <a:t>Krebs</a:t>
+            </a:r>
+            <a:r>
+              <a:rPr lang="en-GB" sz="2000">
+                <a:solidFill>
+                  <a:srgbClr val="A52A2A"/>
+                </a:solidFill>
+                <a:highlight>
+                  <a:srgbClr val="FFFFFF"/>
+                </a:highlight>
+                <a:latin typeface="Courier New" panose="02070309020205020404"/>
+                <a:ea typeface="Courier New" panose="02070309020205020404"/>
+                <a:cs typeface="Courier New" panose="02070309020205020404"/>
+                <a:sym typeface="Courier New" panose="02070309020205020404"/>
+              </a:rPr>
+              <a:t>"</a:t>
+            </a:r>
+            <a:r>
+              <a:rPr lang="en-GB" sz="2000">
+                <a:solidFill>
+                  <a:schemeClr val="dk1"/>
+                </a:solidFill>
+                <a:highlight>
+                  <a:srgbClr val="FFFFFF"/>
+                </a:highlight>
+                <a:latin typeface="Courier New" panose="02070309020205020404"/>
+                <a:ea typeface="Courier New" panose="02070309020205020404"/>
+                <a:cs typeface="Courier New" panose="02070309020205020404"/>
+                <a:sym typeface="Courier New" panose="02070309020205020404"/>
+              </a:rPr>
+              <a:t>, </a:t>
+            </a:r>
+            <a:r>
+              <a:rPr lang="en-GB" sz="2000">
+                <a:solidFill>
+                  <a:schemeClr val="dk1"/>
+                </a:solidFill>
+                <a:highlight>
+                  <a:srgbClr val="FFFFFF"/>
+                </a:highlight>
+                <a:latin typeface="Courier New" panose="02070309020205020404"/>
+                <a:ea typeface="Courier New" panose="02070309020205020404"/>
+                <a:cs typeface="Courier New" panose="02070309020205020404"/>
+                <a:sym typeface="Courier New" panose="02070309020205020404"/>
+              </a:rPr>
+              <a:t>idade</a:t>
+            </a:r>
+            <a:r>
+              <a:rPr lang="en-GB" sz="2000">
+                <a:solidFill>
+                  <a:schemeClr val="dk1"/>
+                </a:solidFill>
+                <a:highlight>
+                  <a:srgbClr val="FFFFFF"/>
+                </a:highlight>
+                <a:latin typeface="Courier New" panose="02070309020205020404"/>
+                <a:ea typeface="Courier New" panose="02070309020205020404"/>
+                <a:cs typeface="Courier New" panose="02070309020205020404"/>
+                <a:sym typeface="Courier New" panose="02070309020205020404"/>
+              </a:rPr>
+              <a:t>:</a:t>
+            </a:r>
+            <a:r>
+              <a:rPr lang="en-GB" sz="2000">
+                <a:solidFill>
+                  <a:srgbClr val="A52A2A"/>
+                </a:solidFill>
+                <a:highlight>
+                  <a:srgbClr val="FFFFFF"/>
+                </a:highlight>
+                <a:latin typeface="Courier New" panose="02070309020205020404"/>
+                <a:ea typeface="Courier New" panose="02070309020205020404"/>
+                <a:cs typeface="Courier New" panose="02070309020205020404"/>
+                <a:sym typeface="Courier New" panose="02070309020205020404"/>
+              </a:rPr>
+              <a:t>50</a:t>
+            </a:r>
+            <a:r>
+              <a:rPr lang="en-GB" sz="2000">
+                <a:solidFill>
+                  <a:schemeClr val="dk1"/>
+                </a:solidFill>
+                <a:highlight>
+                  <a:srgbClr val="FFFFFF"/>
+                </a:highlight>
+                <a:latin typeface="Courier New" panose="02070309020205020404"/>
+                <a:ea typeface="Courier New" panose="02070309020205020404"/>
+                <a:cs typeface="Courier New" panose="02070309020205020404"/>
+                <a:sym typeface="Courier New" panose="02070309020205020404"/>
+              </a:rPr>
+              <a:t>, corDosOlhos: </a:t>
+            </a:r>
+            <a:r>
+              <a:rPr lang="en-GB" sz="2000">
+                <a:solidFill>
+                  <a:srgbClr val="A52A2A"/>
+                </a:solidFill>
+                <a:highlight>
+                  <a:srgbClr val="FFFFFF"/>
+                </a:highlight>
+                <a:latin typeface="Courier New" panose="02070309020205020404"/>
+                <a:ea typeface="Courier New" panose="02070309020205020404"/>
+                <a:cs typeface="Courier New" panose="02070309020205020404"/>
+                <a:sym typeface="Courier New" panose="02070309020205020404"/>
+              </a:rPr>
+              <a:t>"Azul"</a:t>
+            </a:r>
+            <a:endParaRPr sz="2000">
+              <a:solidFill>
+                <a:srgbClr val="A52A2A"/>
+              </a:solidFill>
+              <a:highlight>
+                <a:srgbClr val="FFFFFF"/>
+              </a:highlight>
+              <a:latin typeface="Courier New" panose="02070309020205020404"/>
+              <a:ea typeface="Courier New" panose="02070309020205020404"/>
+              <a:cs typeface="Courier New" panose="02070309020205020404"/>
+              <a:sym typeface="Courier New" panose="02070309020205020404"/>
+            </a:endParaRPr>
+          </a:p>
+          <a:p>
+            <a:pPr marL="114300" marR="114300" lvl="0" indent="0" algn="l" rtl="0">
+              <a:spcBef>
+                <a:spcPts val="3000"/>
+              </a:spcBef>
+              <a:spcAft>
+                <a:spcPts val="3000"/>
+              </a:spcAft>
+              <a:buNone/>
+            </a:pPr>
+            <a:r>
+              <a:rPr lang="en-GB" sz="2000">
+                <a:solidFill>
+                  <a:schemeClr val="dk1"/>
+                </a:solidFill>
+                <a:highlight>
+                  <a:srgbClr val="FFFFFF"/>
+                </a:highlight>
+                <a:latin typeface="Courier New" panose="02070309020205020404"/>
+                <a:ea typeface="Courier New" panose="02070309020205020404"/>
+                <a:cs typeface="Courier New" panose="02070309020205020404"/>
+                <a:sym typeface="Courier New" panose="02070309020205020404"/>
+              </a:rPr>
+              <a:t>};</a:t>
+            </a:r>
+            <a:endParaRPr sz="2000">
+              <a:solidFill>
+                <a:schemeClr val="dk1"/>
+              </a:solidFill>
+              <a:highlight>
+                <a:srgbClr val="FFFFFF"/>
+              </a:highlight>
+              <a:latin typeface="Courier New" panose="02070309020205020404"/>
+              <a:ea typeface="Courier New" panose="02070309020205020404"/>
+              <a:cs typeface="Courier New" panose="02070309020205020404"/>
+              <a:sym typeface="Courier New" panose="02070309020205020404"/>
+            </a:endParaRPr>
+          </a:p>
+        </p:txBody>
+      </p:sp>
+      <p:sp>
+        <p:nvSpPr>
+          <p:cNvPr id="243" name="Google Shape;243;p41"/>
+          <p:cNvSpPr/>
+          <p:nvPr/>
+        </p:nvSpPr>
+        <p:spPr>
+          <a:xfrm>
+            <a:off x="7215600" y="1401000"/>
+            <a:ext cx="1928400" cy="1351800"/>
+          </a:xfrm>
+          <a:prstGeom prst="wedgeRectCallout">
+            <a:avLst>
+              <a:gd name="adj1" fmla="val -149069"/>
+              <a:gd name="adj2" fmla="val 62847"/>
+            </a:avLst>
+          </a:prstGeom>
+          <a:solidFill>
+            <a:schemeClr val="accent6"/>
+          </a:solidFill>
+          <a:ln w="9525" cap="flat" cmpd="sng">
+            <a:solidFill>
+              <a:schemeClr val="accent6"/>
+            </a:solidFill>
+            <a:prstDash val="solid"/>
+            <a:round/>
+            <a:headEnd type="none" w="sm" len="sm"/>
+            <a:tailEnd type="none" w="sm" len="sm"/>
+          </a:ln>
+        </p:spPr>
+        <p:txBody>
+          <a:bodyPr spcFirstLastPara="1" wrap="square" lIns="91425" tIns="91425" rIns="91425" bIns="91425" anchor="ctr" anchorCtr="0">
+            <a:noAutofit/>
+          </a:bodyPr>
+          <a:lstStyle/>
+          <a:p>
+            <a:pPr marL="0" lvl="0" indent="0" algn="l" rtl="0">
+              <a:lnSpc>
+                <a:spcPct val="115000"/>
+              </a:lnSpc>
+              <a:spcBef>
+                <a:spcPts val="1100"/>
+              </a:spcBef>
+              <a:spcAft>
+                <a:spcPts val="1100"/>
+              </a:spcAft>
+              <a:buNone/>
+            </a:pPr>
+            <a:r>
+              <a:rPr lang="en-GB" sz="1250">
+                <a:solidFill>
+                  <a:schemeClr val="dk1"/>
+                </a:solidFill>
+                <a:latin typeface="Verdana" panose="020B0604030504040204"/>
+                <a:ea typeface="Verdana" panose="020B0604030504040204"/>
+                <a:cs typeface="Verdana" panose="020B0604030504040204"/>
+                <a:sym typeface="Verdana" panose="020B0604030504040204"/>
+              </a:rPr>
+              <a:t>É uma prática comum declarar objetos com a palavra-chave </a:t>
+            </a:r>
+            <a:r>
+              <a:rPr lang="en-GB" sz="1300">
+                <a:solidFill>
+                  <a:srgbClr val="DC143C"/>
+                </a:solidFill>
+                <a:latin typeface="Courier New" panose="02070309020205020404"/>
+                <a:ea typeface="Courier New" panose="02070309020205020404"/>
+                <a:cs typeface="Courier New" panose="02070309020205020404"/>
+                <a:sym typeface="Courier New" panose="02070309020205020404"/>
+              </a:rPr>
+              <a:t>const</a:t>
+            </a:r>
+            <a:r>
+              <a:rPr lang="en-GB" sz="1250">
+                <a:solidFill>
+                  <a:schemeClr val="dk1"/>
+                </a:solidFill>
+                <a:latin typeface="Verdana" panose="020B0604030504040204"/>
+                <a:ea typeface="Verdana" panose="020B0604030504040204"/>
+                <a:cs typeface="Verdana" panose="020B0604030504040204"/>
+                <a:sym typeface="Verdana" panose="020B0604030504040204"/>
+              </a:rPr>
+              <a:t>.</a:t>
+            </a:r>
+            <a:endParaRPr sz="1250">
+              <a:solidFill>
+                <a:schemeClr val="dk1"/>
+              </a:solidFill>
+              <a:highlight>
+                <a:schemeClr val="accent6"/>
+              </a:highlight>
+              <a:latin typeface="Verdana" panose="020B0604030504040204"/>
+              <a:ea typeface="Verdana" panose="020B0604030504040204"/>
+              <a:cs typeface="Verdana" panose="020B0604030504040204"/>
+              <a:sym typeface="Verdana" panose="020B0604030504040204"/>
+            </a:endParaRPr>
+          </a:p>
+        </p:txBody>
+      </p:sp>
+      <p:sp>
+        <p:nvSpPr>
+          <p:cNvPr id="244" name="Google Shape;244;p41"/>
+          <p:cNvSpPr/>
+          <p:nvPr/>
+        </p:nvSpPr>
+        <p:spPr>
+          <a:xfrm>
+            <a:off x="7294500" y="3875325"/>
+            <a:ext cx="1928400" cy="1351800"/>
+          </a:xfrm>
+          <a:prstGeom prst="wedgeRectCallout">
+            <a:avLst>
+              <a:gd name="adj1" fmla="val -127251"/>
+              <a:gd name="adj2" fmla="val 13737"/>
+            </a:avLst>
+          </a:prstGeom>
+          <a:solidFill>
+            <a:schemeClr val="accent6"/>
+          </a:solidFill>
+          <a:ln w="9525" cap="flat" cmpd="sng">
+            <a:solidFill>
+              <a:schemeClr val="accent6"/>
+            </a:solidFill>
+            <a:prstDash val="solid"/>
+            <a:round/>
+            <a:headEnd type="none" w="sm" len="sm"/>
+            <a:tailEnd type="none" w="sm" len="sm"/>
+          </a:ln>
+        </p:spPr>
+        <p:txBody>
+          <a:bodyPr spcFirstLastPara="1" wrap="square" lIns="91425" tIns="91425" rIns="91425" bIns="91425" anchor="ctr" anchorCtr="0">
+            <a:noAutofit/>
+          </a:bodyPr>
+          <a:lstStyle/>
+          <a:p>
+            <a:pPr marL="0" lvl="0" indent="0" algn="l" rtl="0">
+              <a:lnSpc>
+                <a:spcPct val="115000"/>
+              </a:lnSpc>
+              <a:spcBef>
+                <a:spcPts val="1100"/>
+              </a:spcBef>
+              <a:spcAft>
+                <a:spcPts val="1100"/>
+              </a:spcAft>
+              <a:buNone/>
+            </a:pPr>
+            <a:r>
+              <a:rPr lang="en-GB" sz="1150">
+                <a:solidFill>
+                  <a:schemeClr val="dk1"/>
+                </a:solidFill>
+                <a:latin typeface="Verdana" panose="020B0604030504040204"/>
+                <a:ea typeface="Verdana" panose="020B0604030504040204"/>
+                <a:cs typeface="Verdana" panose="020B0604030504040204"/>
+                <a:sym typeface="Verdana" panose="020B0604030504040204"/>
+              </a:rPr>
+              <a:t>Espaços e quebras de linha não são importantes. Um inicializador de objeto pode abranger várias linhas:</a:t>
+            </a:r>
+            <a:endParaRPr sz="1250">
+              <a:solidFill>
+                <a:schemeClr val="dk1"/>
+              </a:solidFill>
+              <a:latin typeface="Verdana" panose="020B0604030504040204"/>
+              <a:ea typeface="Verdana" panose="020B0604030504040204"/>
+              <a:cs typeface="Verdana" panose="020B0604030504040204"/>
+              <a:sym typeface="Verdana" panose="020B0604030504040204"/>
+            </a:endParaRPr>
+          </a:p>
+        </p:txBody>
+      </p:sp>
+      <p:sp>
+        <p:nvSpPr>
+          <p:cNvPr id="245" name="Google Shape;245;p41"/>
+          <p:cNvSpPr txBox="1"/>
+          <p:nvPr/>
+        </p:nvSpPr>
+        <p:spPr>
+          <a:xfrm>
+            <a:off x="532125" y="3650775"/>
+            <a:ext cx="5963400" cy="2028190"/>
+          </a:xfrm>
+          <a:prstGeom prst="rect">
+            <a:avLst/>
+          </a:prstGeom>
+          <a:noFill/>
+          <a:ln>
+            <a:noFill/>
+          </a:ln>
+        </p:spPr>
+        <p:txBody>
+          <a:bodyPr spcFirstLastPara="1" wrap="square" lIns="91425" tIns="91425" rIns="91425" bIns="91425" anchor="t" anchorCtr="0">
+            <a:spAutoFit/>
+          </a:bodyPr>
+          <a:lstStyle/>
+          <a:p>
+            <a:pPr marL="0" lvl="0" indent="0" algn="l" rtl="0">
+              <a:spcBef>
+                <a:spcPts val="0"/>
+              </a:spcBef>
+              <a:spcAft>
+                <a:spcPts val="0"/>
+              </a:spcAft>
+              <a:buNone/>
+            </a:pPr>
+            <a:r>
+              <a:rPr lang="en-GB" sz="2000">
+                <a:solidFill>
+                  <a:srgbClr val="0000CD"/>
+                </a:solidFill>
+                <a:highlight>
+                  <a:srgbClr val="FFFFFF"/>
+                </a:highlight>
+                <a:latin typeface="Courier New" panose="02070309020205020404"/>
+                <a:ea typeface="Courier New" panose="02070309020205020404"/>
+                <a:cs typeface="Courier New" panose="02070309020205020404"/>
+                <a:sym typeface="Courier New" panose="02070309020205020404"/>
+              </a:rPr>
+              <a:t>const</a:t>
+            </a:r>
+            <a:r>
+              <a:rPr lang="en-GB" sz="2000">
+                <a:solidFill>
+                  <a:schemeClr val="dk1"/>
+                </a:solidFill>
+                <a:highlight>
+                  <a:srgbClr val="FFFFFF"/>
+                </a:highlight>
+                <a:latin typeface="Courier New" panose="02070309020205020404"/>
+                <a:ea typeface="Courier New" panose="02070309020205020404"/>
+                <a:cs typeface="Courier New" panose="02070309020205020404"/>
+                <a:sym typeface="Courier New" panose="02070309020205020404"/>
+              </a:rPr>
+              <a:t> pessoa = {</a:t>
+            </a:r>
+            <a:endParaRPr sz="2000">
+              <a:solidFill>
+                <a:schemeClr val="dk1"/>
+              </a:solidFill>
+              <a:highlight>
+                <a:srgbClr val="FFFFFF"/>
+              </a:highlight>
+              <a:latin typeface="Courier New" panose="02070309020205020404"/>
+              <a:ea typeface="Courier New" panose="02070309020205020404"/>
+              <a:cs typeface="Courier New" panose="02070309020205020404"/>
+              <a:sym typeface="Courier New" panose="02070309020205020404"/>
+            </a:endParaRPr>
+          </a:p>
+          <a:p>
+            <a:pPr marL="0" lvl="0" indent="0" algn="l" rtl="0">
+              <a:spcBef>
+                <a:spcPts val="0"/>
+              </a:spcBef>
+              <a:spcAft>
+                <a:spcPts val="0"/>
+              </a:spcAft>
+              <a:buNone/>
+            </a:pPr>
+            <a:r>
+              <a:rPr lang="en-GB" sz="2000">
+                <a:solidFill>
+                  <a:schemeClr val="dk1"/>
+                </a:solidFill>
+                <a:highlight>
+                  <a:srgbClr val="FFFFFF"/>
+                </a:highlight>
+                <a:latin typeface="Courier New" panose="02070309020205020404"/>
+                <a:ea typeface="Courier New" panose="02070309020205020404"/>
+                <a:cs typeface="Courier New" panose="02070309020205020404"/>
+                <a:sym typeface="Courier New" panose="02070309020205020404"/>
+              </a:rPr>
+              <a:t>  primeiroNome: </a:t>
+            </a:r>
+            <a:r>
+              <a:rPr lang="en-GB" sz="2000">
+                <a:solidFill>
+                  <a:srgbClr val="A52A2A"/>
+                </a:solidFill>
+                <a:highlight>
+                  <a:srgbClr val="FFFFFF"/>
+                </a:highlight>
+                <a:latin typeface="Courier New" panose="02070309020205020404"/>
+                <a:ea typeface="Courier New" panose="02070309020205020404"/>
+                <a:cs typeface="Courier New" panose="02070309020205020404"/>
+                <a:sym typeface="Courier New" panose="02070309020205020404"/>
+              </a:rPr>
+              <a:t>"Jean"</a:t>
+            </a:r>
+            <a:r>
+              <a:rPr lang="en-GB" sz="2000">
+                <a:solidFill>
+                  <a:schemeClr val="dk1"/>
+                </a:solidFill>
+                <a:highlight>
+                  <a:srgbClr val="FFFFFF"/>
+                </a:highlight>
+                <a:latin typeface="Courier New" panose="02070309020205020404"/>
+                <a:ea typeface="Courier New" panose="02070309020205020404"/>
+                <a:cs typeface="Courier New" panose="02070309020205020404"/>
+                <a:sym typeface="Courier New" panose="02070309020205020404"/>
+              </a:rPr>
+              <a:t>,</a:t>
+            </a:r>
+            <a:endParaRPr sz="2000">
+              <a:solidFill>
+                <a:schemeClr val="dk1"/>
+              </a:solidFill>
+              <a:highlight>
+                <a:srgbClr val="FFFFFF"/>
+              </a:highlight>
+              <a:latin typeface="Courier New" panose="02070309020205020404"/>
+              <a:ea typeface="Courier New" panose="02070309020205020404"/>
+              <a:cs typeface="Courier New" panose="02070309020205020404"/>
+              <a:sym typeface="Courier New" panose="02070309020205020404"/>
+            </a:endParaRPr>
+          </a:p>
+          <a:p>
+            <a:pPr marL="0" lvl="0" indent="0" algn="l" rtl="0">
+              <a:spcBef>
+                <a:spcPts val="0"/>
+              </a:spcBef>
+              <a:spcAft>
+                <a:spcPts val="0"/>
+              </a:spcAft>
+              <a:buNone/>
+            </a:pPr>
+            <a:r>
+              <a:rPr lang="en-GB" sz="2000">
+                <a:solidFill>
+                  <a:schemeClr val="dk1"/>
+                </a:solidFill>
+                <a:highlight>
+                  <a:srgbClr val="FFFFFF"/>
+                </a:highlight>
+                <a:latin typeface="Courier New" panose="02070309020205020404"/>
+                <a:ea typeface="Courier New" panose="02070309020205020404"/>
+                <a:cs typeface="Courier New" panose="02070309020205020404"/>
+                <a:sym typeface="Courier New" panose="02070309020205020404"/>
+              </a:rPr>
+              <a:t>  ultimoNome: </a:t>
+            </a:r>
+            <a:r>
+              <a:rPr lang="en-GB" sz="2000">
+                <a:solidFill>
+                  <a:srgbClr val="A52A2A"/>
+                </a:solidFill>
+                <a:highlight>
+                  <a:srgbClr val="FFFFFF"/>
+                </a:highlight>
+                <a:latin typeface="Courier New" panose="02070309020205020404"/>
+                <a:ea typeface="Courier New" panose="02070309020205020404"/>
+                <a:cs typeface="Courier New" panose="02070309020205020404"/>
+                <a:sym typeface="Courier New" panose="02070309020205020404"/>
+              </a:rPr>
+              <a:t>"Krebs"</a:t>
+            </a:r>
+            <a:r>
+              <a:rPr lang="en-GB" sz="2000">
+                <a:solidFill>
+                  <a:schemeClr val="dk1"/>
+                </a:solidFill>
+                <a:highlight>
+                  <a:srgbClr val="FFFFFF"/>
+                </a:highlight>
+                <a:latin typeface="Courier New" panose="02070309020205020404"/>
+                <a:ea typeface="Courier New" panose="02070309020205020404"/>
+                <a:cs typeface="Courier New" panose="02070309020205020404"/>
+                <a:sym typeface="Courier New" panose="02070309020205020404"/>
+              </a:rPr>
+              <a:t>,</a:t>
+            </a:r>
+            <a:endParaRPr sz="2000">
+              <a:solidFill>
+                <a:schemeClr val="dk1"/>
+              </a:solidFill>
+              <a:highlight>
+                <a:srgbClr val="FFFFFF"/>
+              </a:highlight>
+              <a:latin typeface="Courier New" panose="02070309020205020404"/>
+              <a:ea typeface="Courier New" panose="02070309020205020404"/>
+              <a:cs typeface="Courier New" panose="02070309020205020404"/>
+              <a:sym typeface="Courier New" panose="02070309020205020404"/>
+            </a:endParaRPr>
+          </a:p>
+          <a:p>
+            <a:pPr marL="0" lvl="0" indent="0" algn="l" rtl="0">
+              <a:spcBef>
+                <a:spcPts val="0"/>
+              </a:spcBef>
+              <a:spcAft>
+                <a:spcPts val="0"/>
+              </a:spcAft>
+              <a:buNone/>
+            </a:pPr>
+            <a:r>
+              <a:rPr lang="en-GB" sz="2000">
+                <a:solidFill>
+                  <a:schemeClr val="dk1"/>
+                </a:solidFill>
+                <a:highlight>
+                  <a:srgbClr val="FFFFFF"/>
+                </a:highlight>
+                <a:latin typeface="Courier New" panose="02070309020205020404"/>
+                <a:ea typeface="Courier New" panose="02070309020205020404"/>
+                <a:cs typeface="Courier New" panose="02070309020205020404"/>
+                <a:sym typeface="Courier New" panose="02070309020205020404"/>
+              </a:rPr>
+              <a:t>  idade: </a:t>
+            </a:r>
+            <a:r>
+              <a:rPr lang="en-GB" sz="2000">
+                <a:solidFill>
+                  <a:srgbClr val="FF0000"/>
+                </a:solidFill>
+                <a:highlight>
+                  <a:srgbClr val="FFFFFF"/>
+                </a:highlight>
+                <a:latin typeface="Courier New" panose="02070309020205020404"/>
+                <a:ea typeface="Courier New" panose="02070309020205020404"/>
+                <a:cs typeface="Courier New" panose="02070309020205020404"/>
+                <a:sym typeface="Courier New" panose="02070309020205020404"/>
+              </a:rPr>
+              <a:t>50</a:t>
+            </a:r>
+            <a:r>
+              <a:rPr lang="en-GB" sz="2000">
+                <a:solidFill>
+                  <a:schemeClr val="dk1"/>
+                </a:solidFill>
+                <a:highlight>
+                  <a:srgbClr val="FFFFFF"/>
+                </a:highlight>
+                <a:latin typeface="Courier New" panose="02070309020205020404"/>
+                <a:ea typeface="Courier New" panose="02070309020205020404"/>
+                <a:cs typeface="Courier New" panose="02070309020205020404"/>
+                <a:sym typeface="Courier New" panose="02070309020205020404"/>
+              </a:rPr>
+              <a:t>,</a:t>
+            </a:r>
+            <a:endParaRPr sz="2000">
+              <a:solidFill>
+                <a:schemeClr val="dk1"/>
+              </a:solidFill>
+              <a:highlight>
+                <a:srgbClr val="FFFFFF"/>
+              </a:highlight>
+              <a:latin typeface="Courier New" panose="02070309020205020404"/>
+              <a:ea typeface="Courier New" panose="02070309020205020404"/>
+              <a:cs typeface="Courier New" panose="02070309020205020404"/>
+              <a:sym typeface="Courier New" panose="02070309020205020404"/>
+            </a:endParaRPr>
+          </a:p>
+          <a:p>
+            <a:pPr marL="0" lvl="0" indent="0" algn="l" rtl="0">
+              <a:spcBef>
+                <a:spcPts val="0"/>
+              </a:spcBef>
+              <a:spcAft>
+                <a:spcPts val="0"/>
+              </a:spcAft>
+              <a:buNone/>
+            </a:pPr>
+            <a:r>
+              <a:rPr lang="en-GB" sz="2000">
+                <a:solidFill>
+                  <a:schemeClr val="dk1"/>
+                </a:solidFill>
+                <a:highlight>
+                  <a:srgbClr val="FFFFFF"/>
+                </a:highlight>
+                <a:latin typeface="Courier New" panose="02070309020205020404"/>
+                <a:ea typeface="Courier New" panose="02070309020205020404"/>
+                <a:cs typeface="Courier New" panose="02070309020205020404"/>
+                <a:sym typeface="Courier New" panose="02070309020205020404"/>
+              </a:rPr>
+              <a:t>  corDosOlhos: </a:t>
+            </a:r>
+            <a:r>
+              <a:rPr lang="en-GB" sz="2000">
+                <a:solidFill>
+                  <a:srgbClr val="A52A2A"/>
+                </a:solidFill>
+                <a:highlight>
+                  <a:srgbClr val="FFFFFF"/>
+                </a:highlight>
+                <a:latin typeface="Courier New" panose="02070309020205020404"/>
+                <a:ea typeface="Courier New" panose="02070309020205020404"/>
+                <a:cs typeface="Courier New" panose="02070309020205020404"/>
+                <a:sym typeface="Courier New" panose="02070309020205020404"/>
+              </a:rPr>
+              <a:t>"Azul"</a:t>
+            </a:r>
+            <a:endParaRPr sz="2000">
+              <a:solidFill>
+                <a:srgbClr val="A52A2A"/>
+              </a:solidFill>
+              <a:highlight>
+                <a:srgbClr val="FFFFFF"/>
+              </a:highlight>
+              <a:latin typeface="Courier New" panose="02070309020205020404"/>
+              <a:ea typeface="Courier New" panose="02070309020205020404"/>
+              <a:cs typeface="Courier New" panose="02070309020205020404"/>
+              <a:sym typeface="Courier New" panose="02070309020205020404"/>
+            </a:endParaRPr>
+          </a:p>
+          <a:p>
+            <a:pPr marL="0" lvl="0" indent="0" algn="l" rtl="0">
+              <a:spcBef>
+                <a:spcPts val="0"/>
+              </a:spcBef>
+              <a:spcAft>
+                <a:spcPts val="0"/>
+              </a:spcAft>
+              <a:buNone/>
+            </a:pPr>
+            <a:r>
+              <a:rPr lang="en-GB" sz="2000">
+                <a:solidFill>
+                  <a:schemeClr val="dk1"/>
+                </a:solidFill>
+                <a:highlight>
+                  <a:srgbClr val="FFFFFF"/>
+                </a:highlight>
+                <a:latin typeface="Courier New" panose="02070309020205020404"/>
+                <a:ea typeface="Courier New" panose="02070309020205020404"/>
+                <a:cs typeface="Courier New" panose="02070309020205020404"/>
+                <a:sym typeface="Courier New" panose="02070309020205020404"/>
+              </a:rPr>
+              <a:t>};</a:t>
+            </a:r>
+            <a:endParaRPr sz="2000"/>
+          </a:p>
+        </p:txBody>
+      </p:sp>
+    </p:spTree>
+  </p:cSld>
+  <p:clrMapOvr>
+    <a:masterClrMapping/>
+  </p:clrMapOvr>
+</p:sld>
+</file>
+
+<file path=ppt/slides/slide11.xml><?xml version="1.0" encoding="utf-8"?>
+<p:sld xmlns:a="http://schemas.openxmlformats.org/drawingml/2006/main" xmlns:r="http://schemas.openxmlformats.org/officeDocument/2006/relationships" xmlns:p="http://schemas.openxmlformats.org/presentationml/2006/main">
+  <p:cSld>
+    <p:spTree>
+      <p:nvGrpSpPr>
+        <p:cNvPr id="249" name="Shape 249"/>
+        <p:cNvGrpSpPr/>
+        <p:nvPr/>
+      </p:nvGrpSpPr>
+      <p:grpSpPr>
+        <a:xfrm>
+          <a:off x="0" y="0"/>
+          <a:ext cx="0" cy="0"/>
+          <a:chOff x="0" y="0"/>
+          <a:chExt cx="0" cy="0"/>
+        </a:xfrm>
+      </p:grpSpPr>
+      <p:sp>
+        <p:nvSpPr>
+          <p:cNvPr id="250" name="Google Shape;250;p42"/>
+          <p:cNvSpPr txBox="1"/>
+          <p:nvPr>
+            <p:ph type="title"/>
+          </p:nvPr>
+        </p:nvSpPr>
+        <p:spPr>
+          <a:xfrm>
+            <a:off x="311700" y="1302275"/>
+            <a:ext cx="8520600" cy="572700"/>
+          </a:xfrm>
+          <a:prstGeom prst="rect">
+            <a:avLst/>
+          </a:prstGeom>
+        </p:spPr>
+        <p:txBody>
+          <a:bodyPr spcFirstLastPara="1" wrap="square" lIns="91425" tIns="91425" rIns="91425" bIns="91425" anchor="t" anchorCtr="0">
+            <a:normAutofit fontScale="90000"/>
+          </a:bodyPr>
+          <a:lstStyle/>
+          <a:p>
+            <a:pPr marL="0" lvl="0" indent="0" algn="l" rtl="0">
+              <a:lnSpc>
+                <a:spcPct val="115000"/>
+              </a:lnSpc>
+              <a:spcBef>
+                <a:spcPts val="800"/>
+              </a:spcBef>
+              <a:spcAft>
+                <a:spcPts val="0"/>
+              </a:spcAft>
+              <a:buNone/>
+            </a:pPr>
+            <a:r>
+              <a:rPr lang="en-GB" sz="2400" b="1">
+                <a:highlight>
+                  <a:srgbClr val="FFFFFF"/>
+                </a:highlight>
+              </a:rPr>
+              <a:t>Outra forma de inicializar um objeto</a:t>
+            </a:r>
+            <a:endParaRPr sz="2400" b="1">
+              <a:highlight>
+                <a:srgbClr val="FFFFFF"/>
+              </a:highlight>
+            </a:endParaRPr>
+          </a:p>
+          <a:p>
+            <a:pPr marL="0" lvl="0" indent="0" algn="l" rtl="0">
+              <a:lnSpc>
+                <a:spcPct val="115000"/>
+              </a:lnSpc>
+              <a:spcBef>
+                <a:spcPts val="800"/>
+              </a:spcBef>
+              <a:spcAft>
+                <a:spcPts val="0"/>
+              </a:spcAft>
+              <a:buNone/>
+            </a:pPr>
+            <a:endParaRPr sz="1100" b="1"/>
+          </a:p>
+          <a:p>
+            <a:pPr marL="0" lvl="0" indent="0" algn="l" rtl="0">
+              <a:lnSpc>
+                <a:spcPct val="115000"/>
+              </a:lnSpc>
+              <a:spcBef>
+                <a:spcPts val="800"/>
+              </a:spcBef>
+              <a:spcAft>
+                <a:spcPts val="800"/>
+              </a:spcAft>
+              <a:buNone/>
+            </a:pPr>
+            <a:endParaRPr sz="2400" b="1">
+              <a:highlight>
+                <a:srgbClr val="FFFFFF"/>
+              </a:highlight>
+            </a:endParaRPr>
+          </a:p>
+        </p:txBody>
+      </p:sp>
+      <p:sp>
+        <p:nvSpPr>
+          <p:cNvPr id="251" name="Google Shape;251;p42"/>
+          <p:cNvSpPr txBox="1"/>
+          <p:nvPr/>
+        </p:nvSpPr>
+        <p:spPr>
+          <a:xfrm>
+            <a:off x="429275" y="2139900"/>
+            <a:ext cx="5963400" cy="2312670"/>
+          </a:xfrm>
+          <a:prstGeom prst="rect">
+            <a:avLst/>
+          </a:prstGeom>
+          <a:noFill/>
+          <a:ln>
+            <a:noFill/>
+          </a:ln>
+        </p:spPr>
+        <p:txBody>
+          <a:bodyPr spcFirstLastPara="1" wrap="square" lIns="91425" tIns="91425" rIns="91425" bIns="91425" anchor="t" anchorCtr="0">
+            <a:spAutoFit/>
+          </a:bodyPr>
+          <a:lstStyle/>
+          <a:p>
+            <a:pPr marL="0" lvl="0" indent="0" algn="l" rtl="0">
+              <a:spcBef>
+                <a:spcPts val="0"/>
+              </a:spcBef>
+              <a:spcAft>
+                <a:spcPts val="0"/>
+              </a:spcAft>
+              <a:buClr>
+                <a:schemeClr val="dk1"/>
+              </a:buClr>
+              <a:buSzPts val="1100"/>
+              <a:buFont typeface="Arial" panose="020B0604020202020204"/>
+              <a:buNone/>
+            </a:pPr>
+            <a:r>
+              <a:rPr lang="en-GB" sz="1950">
+                <a:solidFill>
+                  <a:srgbClr val="0000CD"/>
+                </a:solidFill>
+                <a:highlight>
+                  <a:srgbClr val="FFFFFF"/>
+                </a:highlight>
+                <a:latin typeface="Courier New" panose="02070309020205020404"/>
+                <a:ea typeface="Courier New" panose="02070309020205020404"/>
+                <a:cs typeface="Courier New" panose="02070309020205020404"/>
+                <a:sym typeface="Courier New" panose="02070309020205020404"/>
+              </a:rPr>
+              <a:t>const</a:t>
+            </a:r>
+            <a:r>
+              <a:rPr lang="en-GB" sz="1950">
+                <a:solidFill>
+                  <a:schemeClr val="dk1"/>
+                </a:solidFill>
+                <a:highlight>
+                  <a:srgbClr val="FFFFFF"/>
+                </a:highlight>
+                <a:latin typeface="Courier New" panose="02070309020205020404"/>
+                <a:ea typeface="Courier New" panose="02070309020205020404"/>
+                <a:cs typeface="Courier New" panose="02070309020205020404"/>
+                <a:sym typeface="Courier New" panose="02070309020205020404"/>
+              </a:rPr>
+              <a:t> </a:t>
+            </a:r>
+            <a:r>
+              <a:rPr lang="en-GB" sz="2000">
+                <a:solidFill>
+                  <a:schemeClr val="dk1"/>
+                </a:solidFill>
+                <a:highlight>
+                  <a:srgbClr val="FFFFFF"/>
+                </a:highlight>
+                <a:latin typeface="Courier New" panose="02070309020205020404"/>
+                <a:ea typeface="Courier New" panose="02070309020205020404"/>
+                <a:cs typeface="Courier New" panose="02070309020205020404"/>
+                <a:sym typeface="Courier New" panose="02070309020205020404"/>
+              </a:rPr>
+              <a:t>pessoa </a:t>
+            </a:r>
+            <a:r>
+              <a:rPr lang="en-GB" sz="1950">
+                <a:solidFill>
+                  <a:schemeClr val="dk1"/>
+                </a:solidFill>
+                <a:highlight>
+                  <a:srgbClr val="FFFFFF"/>
+                </a:highlight>
+                <a:latin typeface="Courier New" panose="02070309020205020404"/>
+                <a:ea typeface="Courier New" panose="02070309020205020404"/>
+                <a:cs typeface="Courier New" panose="02070309020205020404"/>
+                <a:sym typeface="Courier New" panose="02070309020205020404"/>
+              </a:rPr>
+              <a:t>= {};</a:t>
+            </a:r>
+            <a:endParaRPr sz="1950">
+              <a:solidFill>
+                <a:schemeClr val="dk1"/>
+              </a:solidFill>
+              <a:highlight>
+                <a:srgbClr val="FFFFFF"/>
+              </a:highlight>
+              <a:latin typeface="Courier New" panose="02070309020205020404"/>
+              <a:ea typeface="Courier New" panose="02070309020205020404"/>
+              <a:cs typeface="Courier New" panose="02070309020205020404"/>
+              <a:sym typeface="Courier New" panose="02070309020205020404"/>
+            </a:endParaRPr>
+          </a:p>
+          <a:p>
+            <a:pPr marL="0" lvl="0" indent="0" algn="l" rtl="0">
+              <a:spcBef>
+                <a:spcPts val="0"/>
+              </a:spcBef>
+              <a:spcAft>
+                <a:spcPts val="0"/>
+              </a:spcAft>
+              <a:buClr>
+                <a:schemeClr val="dk1"/>
+              </a:buClr>
+              <a:buSzPts val="1100"/>
+              <a:buFont typeface="Arial" panose="020B0604020202020204"/>
+              <a:buNone/>
+            </a:pPr>
+            <a:endParaRPr sz="1900">
+              <a:solidFill>
+                <a:schemeClr val="dk1"/>
+              </a:solidFill>
+            </a:endParaRPr>
+          </a:p>
+          <a:p>
+            <a:pPr marL="0" lvl="0" indent="0" algn="l" rtl="0">
+              <a:spcBef>
+                <a:spcPts val="0"/>
+              </a:spcBef>
+              <a:spcAft>
+                <a:spcPts val="0"/>
+              </a:spcAft>
+              <a:buClr>
+                <a:schemeClr val="dk1"/>
+              </a:buClr>
+              <a:buSzPts val="1100"/>
+              <a:buFont typeface="Arial" panose="020B0604020202020204"/>
+              <a:buNone/>
+            </a:pPr>
+            <a:r>
+              <a:rPr lang="en-GB" sz="1950">
+                <a:solidFill>
+                  <a:srgbClr val="008000"/>
+                </a:solidFill>
+                <a:highlight>
+                  <a:srgbClr val="FFFFFF"/>
+                </a:highlight>
+                <a:latin typeface="Courier New" panose="02070309020205020404"/>
+                <a:ea typeface="Courier New" panose="02070309020205020404"/>
+                <a:cs typeface="Courier New" panose="02070309020205020404"/>
+                <a:sym typeface="Courier New" panose="02070309020205020404"/>
+              </a:rPr>
+              <a:t>// Add Properties</a:t>
+            </a:r>
+            <a:endParaRPr sz="1950">
+              <a:solidFill>
+                <a:srgbClr val="008000"/>
+              </a:solidFill>
+              <a:highlight>
+                <a:srgbClr val="FFFFFF"/>
+              </a:highlight>
+              <a:latin typeface="Courier New" panose="02070309020205020404"/>
+              <a:ea typeface="Courier New" panose="02070309020205020404"/>
+              <a:cs typeface="Courier New" panose="02070309020205020404"/>
+              <a:sym typeface="Courier New" panose="02070309020205020404"/>
+            </a:endParaRPr>
+          </a:p>
+          <a:p>
+            <a:pPr marL="0" lvl="0" indent="0" algn="l" rtl="0">
+              <a:spcBef>
+                <a:spcPts val="0"/>
+              </a:spcBef>
+              <a:spcAft>
+                <a:spcPts val="0"/>
+              </a:spcAft>
+              <a:buClr>
+                <a:schemeClr val="dk1"/>
+              </a:buClr>
+              <a:buSzPts val="1100"/>
+              <a:buFont typeface="Arial" panose="020B0604020202020204"/>
+              <a:buNone/>
+            </a:pPr>
+            <a:r>
+              <a:rPr lang="en-GB" sz="2000">
+                <a:solidFill>
+                  <a:schemeClr val="dk1"/>
+                </a:solidFill>
+                <a:highlight>
+                  <a:srgbClr val="FFFFFF"/>
+                </a:highlight>
+                <a:latin typeface="Courier New" panose="02070309020205020404"/>
+                <a:ea typeface="Courier New" panose="02070309020205020404"/>
+                <a:cs typeface="Courier New" panose="02070309020205020404"/>
+                <a:sym typeface="Courier New" panose="02070309020205020404"/>
+              </a:rPr>
+              <a:t>pessoa</a:t>
+            </a:r>
+            <a:r>
+              <a:rPr lang="en-GB" sz="1950">
+                <a:solidFill>
+                  <a:schemeClr val="dk1"/>
+                </a:solidFill>
+                <a:highlight>
+                  <a:srgbClr val="FFFFFF"/>
+                </a:highlight>
+                <a:latin typeface="Courier New" panose="02070309020205020404"/>
+                <a:ea typeface="Courier New" panose="02070309020205020404"/>
+                <a:cs typeface="Courier New" panose="02070309020205020404"/>
+                <a:sym typeface="Courier New" panose="02070309020205020404"/>
+              </a:rPr>
+              <a:t>.</a:t>
+            </a:r>
+            <a:r>
+              <a:rPr lang="en-GB" sz="2000">
+                <a:solidFill>
+                  <a:schemeClr val="dk1"/>
+                </a:solidFill>
+                <a:highlight>
+                  <a:srgbClr val="FFFFFF"/>
+                </a:highlight>
+                <a:latin typeface="Courier New" panose="02070309020205020404"/>
+                <a:ea typeface="Courier New" panose="02070309020205020404"/>
+                <a:cs typeface="Courier New" panose="02070309020205020404"/>
+                <a:sym typeface="Courier New" panose="02070309020205020404"/>
+              </a:rPr>
+              <a:t>primeiroNome</a:t>
+            </a:r>
+            <a:r>
+              <a:rPr lang="en-GB" sz="1950">
+                <a:solidFill>
+                  <a:schemeClr val="dk1"/>
+                </a:solidFill>
+                <a:highlight>
+                  <a:srgbClr val="FFFFFF"/>
+                </a:highlight>
+                <a:latin typeface="Courier New" panose="02070309020205020404"/>
+                <a:ea typeface="Courier New" panose="02070309020205020404"/>
+                <a:cs typeface="Courier New" panose="02070309020205020404"/>
+                <a:sym typeface="Courier New" panose="02070309020205020404"/>
+              </a:rPr>
+              <a:t> = </a:t>
+            </a:r>
+            <a:r>
+              <a:rPr lang="en-GB" sz="1950">
+                <a:solidFill>
+                  <a:srgbClr val="A52A2A"/>
+                </a:solidFill>
+                <a:highlight>
+                  <a:srgbClr val="FFFFFF"/>
+                </a:highlight>
+                <a:latin typeface="Courier New" panose="02070309020205020404"/>
+                <a:ea typeface="Courier New" panose="02070309020205020404"/>
+                <a:cs typeface="Courier New" panose="02070309020205020404"/>
+                <a:sym typeface="Courier New" panose="02070309020205020404"/>
+              </a:rPr>
+              <a:t>"Jean"</a:t>
+            </a:r>
+            <a:r>
+              <a:rPr lang="en-GB" sz="1950">
+                <a:solidFill>
+                  <a:schemeClr val="dk1"/>
+                </a:solidFill>
+                <a:highlight>
+                  <a:srgbClr val="FFFFFF"/>
+                </a:highlight>
+                <a:latin typeface="Courier New" panose="02070309020205020404"/>
+                <a:ea typeface="Courier New" panose="02070309020205020404"/>
+                <a:cs typeface="Courier New" panose="02070309020205020404"/>
+                <a:sym typeface="Courier New" panose="02070309020205020404"/>
+              </a:rPr>
+              <a:t>;</a:t>
+            </a:r>
+            <a:endParaRPr sz="1950">
+              <a:solidFill>
+                <a:schemeClr val="dk1"/>
+              </a:solidFill>
+              <a:highlight>
+                <a:srgbClr val="FFFFFF"/>
+              </a:highlight>
+              <a:latin typeface="Courier New" panose="02070309020205020404"/>
+              <a:ea typeface="Courier New" panose="02070309020205020404"/>
+              <a:cs typeface="Courier New" panose="02070309020205020404"/>
+              <a:sym typeface="Courier New" panose="02070309020205020404"/>
+            </a:endParaRPr>
+          </a:p>
+          <a:p>
+            <a:pPr marL="0" lvl="0" indent="0" algn="l" rtl="0">
+              <a:spcBef>
+                <a:spcPts val="0"/>
+              </a:spcBef>
+              <a:spcAft>
+                <a:spcPts val="0"/>
+              </a:spcAft>
+              <a:buClr>
+                <a:schemeClr val="dk1"/>
+              </a:buClr>
+              <a:buSzPts val="1100"/>
+              <a:buFont typeface="Arial" panose="020B0604020202020204"/>
+              <a:buNone/>
+            </a:pPr>
+            <a:r>
+              <a:rPr lang="en-GB" sz="2000">
+                <a:solidFill>
+                  <a:schemeClr val="dk1"/>
+                </a:solidFill>
+                <a:highlight>
+                  <a:srgbClr val="FFFFFF"/>
+                </a:highlight>
+                <a:latin typeface="Courier New" panose="02070309020205020404"/>
+                <a:ea typeface="Courier New" panose="02070309020205020404"/>
+                <a:cs typeface="Courier New" panose="02070309020205020404"/>
+                <a:sym typeface="Courier New" panose="02070309020205020404"/>
+              </a:rPr>
+              <a:t>pessoa</a:t>
+            </a:r>
+            <a:r>
+              <a:rPr lang="en-GB" sz="1950">
+                <a:solidFill>
+                  <a:schemeClr val="dk1"/>
+                </a:solidFill>
+                <a:highlight>
+                  <a:srgbClr val="FFFFFF"/>
+                </a:highlight>
+                <a:latin typeface="Courier New" panose="02070309020205020404"/>
+                <a:ea typeface="Courier New" panose="02070309020205020404"/>
+                <a:cs typeface="Courier New" panose="02070309020205020404"/>
+                <a:sym typeface="Courier New" panose="02070309020205020404"/>
+              </a:rPr>
+              <a:t>.</a:t>
+            </a:r>
+            <a:r>
+              <a:rPr lang="en-GB" sz="2000">
+                <a:solidFill>
+                  <a:schemeClr val="dk1"/>
+                </a:solidFill>
+                <a:highlight>
+                  <a:srgbClr val="FFFFFF"/>
+                </a:highlight>
+                <a:latin typeface="Courier New" panose="02070309020205020404"/>
+                <a:ea typeface="Courier New" panose="02070309020205020404"/>
+                <a:cs typeface="Courier New" panose="02070309020205020404"/>
+                <a:sym typeface="Courier New" panose="02070309020205020404"/>
+              </a:rPr>
+              <a:t>ultimoNome</a:t>
+            </a:r>
+            <a:r>
+              <a:rPr lang="en-GB" sz="1950">
+                <a:solidFill>
+                  <a:schemeClr val="dk1"/>
+                </a:solidFill>
+                <a:highlight>
+                  <a:srgbClr val="FFFFFF"/>
+                </a:highlight>
+                <a:latin typeface="Courier New" panose="02070309020205020404"/>
+                <a:ea typeface="Courier New" panose="02070309020205020404"/>
+                <a:cs typeface="Courier New" panose="02070309020205020404"/>
+                <a:sym typeface="Courier New" panose="02070309020205020404"/>
+              </a:rPr>
+              <a:t> = </a:t>
+            </a:r>
+            <a:r>
+              <a:rPr lang="en-GB" sz="1950">
+                <a:solidFill>
+                  <a:srgbClr val="A52A2A"/>
+                </a:solidFill>
+                <a:highlight>
+                  <a:srgbClr val="FFFFFF"/>
+                </a:highlight>
+                <a:latin typeface="Courier New" panose="02070309020205020404"/>
+                <a:ea typeface="Courier New" panose="02070309020205020404"/>
+                <a:cs typeface="Courier New" panose="02070309020205020404"/>
+                <a:sym typeface="Courier New" panose="02070309020205020404"/>
+              </a:rPr>
+              <a:t>"Krebs"</a:t>
+            </a:r>
+            <a:r>
+              <a:rPr lang="en-GB" sz="1950">
+                <a:solidFill>
+                  <a:schemeClr val="dk1"/>
+                </a:solidFill>
+                <a:highlight>
+                  <a:srgbClr val="FFFFFF"/>
+                </a:highlight>
+                <a:latin typeface="Courier New" panose="02070309020205020404"/>
+                <a:ea typeface="Courier New" panose="02070309020205020404"/>
+                <a:cs typeface="Courier New" panose="02070309020205020404"/>
+                <a:sym typeface="Courier New" panose="02070309020205020404"/>
+              </a:rPr>
+              <a:t>;</a:t>
+            </a:r>
+            <a:endParaRPr sz="1950">
+              <a:solidFill>
+                <a:schemeClr val="dk1"/>
+              </a:solidFill>
+              <a:highlight>
+                <a:srgbClr val="FFFFFF"/>
+              </a:highlight>
+              <a:latin typeface="Courier New" panose="02070309020205020404"/>
+              <a:ea typeface="Courier New" panose="02070309020205020404"/>
+              <a:cs typeface="Courier New" panose="02070309020205020404"/>
+              <a:sym typeface="Courier New" panose="02070309020205020404"/>
+            </a:endParaRPr>
+          </a:p>
+          <a:p>
+            <a:pPr marL="0" lvl="0" indent="0" algn="l" rtl="0">
+              <a:spcBef>
+                <a:spcPts val="0"/>
+              </a:spcBef>
+              <a:spcAft>
+                <a:spcPts val="0"/>
+              </a:spcAft>
+              <a:buClr>
+                <a:schemeClr val="dk1"/>
+              </a:buClr>
+              <a:buSzPts val="1100"/>
+              <a:buFont typeface="Arial" panose="020B0604020202020204"/>
+              <a:buNone/>
+            </a:pPr>
+            <a:r>
+              <a:rPr lang="en-GB" sz="2000">
+                <a:solidFill>
+                  <a:schemeClr val="dk1"/>
+                </a:solidFill>
+                <a:highlight>
+                  <a:srgbClr val="FFFFFF"/>
+                </a:highlight>
+                <a:latin typeface="Courier New" panose="02070309020205020404"/>
+                <a:ea typeface="Courier New" panose="02070309020205020404"/>
+                <a:cs typeface="Courier New" panose="02070309020205020404"/>
+                <a:sym typeface="Courier New" panose="02070309020205020404"/>
+              </a:rPr>
+              <a:t>pessoa</a:t>
+            </a:r>
+            <a:r>
+              <a:rPr lang="en-GB" sz="1950">
+                <a:solidFill>
+                  <a:schemeClr val="dk1"/>
+                </a:solidFill>
+                <a:highlight>
+                  <a:srgbClr val="FFFFFF"/>
+                </a:highlight>
+                <a:latin typeface="Courier New" panose="02070309020205020404"/>
+                <a:ea typeface="Courier New" panose="02070309020205020404"/>
+                <a:cs typeface="Courier New" panose="02070309020205020404"/>
+                <a:sym typeface="Courier New" panose="02070309020205020404"/>
+              </a:rPr>
+              <a:t>.</a:t>
+            </a:r>
+            <a:r>
+              <a:rPr lang="en-GB" sz="2000">
+                <a:solidFill>
+                  <a:schemeClr val="dk1"/>
+                </a:solidFill>
+                <a:highlight>
+                  <a:srgbClr val="FFFFFF"/>
+                </a:highlight>
+                <a:latin typeface="Courier New" panose="02070309020205020404"/>
+                <a:ea typeface="Courier New" panose="02070309020205020404"/>
+                <a:cs typeface="Courier New" panose="02070309020205020404"/>
+                <a:sym typeface="Courier New" panose="02070309020205020404"/>
+              </a:rPr>
+              <a:t>idade</a:t>
+            </a:r>
+            <a:r>
+              <a:rPr lang="en-GB" sz="1950">
+                <a:solidFill>
+                  <a:schemeClr val="dk1"/>
+                </a:solidFill>
+                <a:highlight>
+                  <a:srgbClr val="FFFFFF"/>
+                </a:highlight>
+                <a:latin typeface="Courier New" panose="02070309020205020404"/>
+                <a:ea typeface="Courier New" panose="02070309020205020404"/>
+                <a:cs typeface="Courier New" panose="02070309020205020404"/>
+                <a:sym typeface="Courier New" panose="02070309020205020404"/>
+              </a:rPr>
+              <a:t> = </a:t>
+            </a:r>
+            <a:r>
+              <a:rPr lang="en-GB" sz="1950">
+                <a:solidFill>
+                  <a:srgbClr val="FF0000"/>
+                </a:solidFill>
+                <a:highlight>
+                  <a:srgbClr val="FFFFFF"/>
+                </a:highlight>
+                <a:latin typeface="Courier New" panose="02070309020205020404"/>
+                <a:ea typeface="Courier New" panose="02070309020205020404"/>
+                <a:cs typeface="Courier New" panose="02070309020205020404"/>
+                <a:sym typeface="Courier New" panose="02070309020205020404"/>
+              </a:rPr>
+              <a:t>50</a:t>
+            </a:r>
+            <a:r>
+              <a:rPr lang="en-GB" sz="1950">
+                <a:solidFill>
+                  <a:schemeClr val="dk1"/>
+                </a:solidFill>
+                <a:highlight>
+                  <a:srgbClr val="FFFFFF"/>
+                </a:highlight>
+                <a:latin typeface="Courier New" panose="02070309020205020404"/>
+                <a:ea typeface="Courier New" panose="02070309020205020404"/>
+                <a:cs typeface="Courier New" panose="02070309020205020404"/>
+                <a:sym typeface="Courier New" panose="02070309020205020404"/>
+              </a:rPr>
+              <a:t>;</a:t>
+            </a:r>
+            <a:endParaRPr sz="1950">
+              <a:solidFill>
+                <a:schemeClr val="dk1"/>
+              </a:solidFill>
+              <a:highlight>
+                <a:srgbClr val="FFFFFF"/>
+              </a:highlight>
+              <a:latin typeface="Courier New" panose="02070309020205020404"/>
+              <a:ea typeface="Courier New" panose="02070309020205020404"/>
+              <a:cs typeface="Courier New" panose="02070309020205020404"/>
+              <a:sym typeface="Courier New" panose="02070309020205020404"/>
+            </a:endParaRPr>
+          </a:p>
+          <a:p>
+            <a:pPr marL="0" lvl="0" indent="0" algn="l" rtl="0">
+              <a:spcBef>
+                <a:spcPts val="0"/>
+              </a:spcBef>
+              <a:spcAft>
+                <a:spcPts val="0"/>
+              </a:spcAft>
+              <a:buNone/>
+            </a:pPr>
+            <a:r>
+              <a:rPr lang="en-GB" sz="2000">
+                <a:solidFill>
+                  <a:schemeClr val="dk1"/>
+                </a:solidFill>
+                <a:highlight>
+                  <a:srgbClr val="FFFFFF"/>
+                </a:highlight>
+                <a:latin typeface="Courier New" panose="02070309020205020404"/>
+                <a:ea typeface="Courier New" panose="02070309020205020404"/>
+                <a:cs typeface="Courier New" panose="02070309020205020404"/>
+                <a:sym typeface="Courier New" panose="02070309020205020404"/>
+              </a:rPr>
+              <a:t>pessoa</a:t>
+            </a:r>
+            <a:r>
+              <a:rPr lang="en-GB" sz="1950">
+                <a:solidFill>
+                  <a:schemeClr val="dk1"/>
+                </a:solidFill>
+                <a:highlight>
+                  <a:srgbClr val="FFFFFF"/>
+                </a:highlight>
+                <a:latin typeface="Courier New" panose="02070309020205020404"/>
+                <a:ea typeface="Courier New" panose="02070309020205020404"/>
+                <a:cs typeface="Courier New" panose="02070309020205020404"/>
+                <a:sym typeface="Courier New" panose="02070309020205020404"/>
+              </a:rPr>
+              <a:t>.</a:t>
+            </a:r>
+            <a:r>
+              <a:rPr lang="en-GB" sz="2000">
+                <a:solidFill>
+                  <a:schemeClr val="dk1"/>
+                </a:solidFill>
+                <a:highlight>
+                  <a:srgbClr val="FFFFFF"/>
+                </a:highlight>
+                <a:latin typeface="Courier New" panose="02070309020205020404"/>
+                <a:ea typeface="Courier New" panose="02070309020205020404"/>
+                <a:cs typeface="Courier New" panose="02070309020205020404"/>
+                <a:sym typeface="Courier New" panose="02070309020205020404"/>
+              </a:rPr>
+              <a:t>corDosOlhos</a:t>
+            </a:r>
+            <a:r>
+              <a:rPr lang="en-GB" sz="1950">
+                <a:solidFill>
+                  <a:schemeClr val="dk1"/>
+                </a:solidFill>
+                <a:highlight>
+                  <a:srgbClr val="FFFFFF"/>
+                </a:highlight>
+                <a:latin typeface="Courier New" panose="02070309020205020404"/>
+                <a:ea typeface="Courier New" panose="02070309020205020404"/>
+                <a:cs typeface="Courier New" panose="02070309020205020404"/>
+                <a:sym typeface="Courier New" panose="02070309020205020404"/>
+              </a:rPr>
+              <a:t> = </a:t>
+            </a:r>
+            <a:r>
+              <a:rPr lang="en-GB" sz="1950">
+                <a:solidFill>
+                  <a:srgbClr val="A52A2A"/>
+                </a:solidFill>
+                <a:highlight>
+                  <a:srgbClr val="FFFFFF"/>
+                </a:highlight>
+                <a:latin typeface="Courier New" panose="02070309020205020404"/>
+                <a:ea typeface="Courier New" panose="02070309020205020404"/>
+                <a:cs typeface="Courier New" panose="02070309020205020404"/>
+                <a:sym typeface="Courier New" panose="02070309020205020404"/>
+              </a:rPr>
+              <a:t>"Azul"</a:t>
+            </a:r>
+            <a:r>
+              <a:rPr lang="en-GB" sz="1950">
+                <a:solidFill>
+                  <a:schemeClr val="dk1"/>
+                </a:solidFill>
+                <a:highlight>
+                  <a:srgbClr val="FFFFFF"/>
+                </a:highlight>
+                <a:latin typeface="Courier New" panose="02070309020205020404"/>
+                <a:ea typeface="Courier New" panose="02070309020205020404"/>
+                <a:cs typeface="Courier New" panose="02070309020205020404"/>
+                <a:sym typeface="Courier New" panose="02070309020205020404"/>
+              </a:rPr>
+              <a:t>;</a:t>
+            </a:r>
+            <a:endParaRPr sz="2800">
+              <a:solidFill>
+                <a:srgbClr val="0000CD"/>
+              </a:solidFill>
+              <a:highlight>
+                <a:srgbClr val="FFFFFF"/>
+              </a:highlight>
+              <a:latin typeface="Courier New" panose="02070309020205020404"/>
+              <a:ea typeface="Courier New" panose="02070309020205020404"/>
+              <a:cs typeface="Courier New" panose="02070309020205020404"/>
+              <a:sym typeface="Courier New" panose="02070309020205020404"/>
+            </a:endParaRPr>
+          </a:p>
+        </p:txBody>
+      </p:sp>
+    </p:spTree>
+  </p:cSld>
+  <p:clrMapOvr>
+    <a:masterClrMapping/>
+  </p:clrMapOvr>
+</p:sld>
+</file>
+
+<file path=ppt/slides/slide12.xml><?xml version="1.0" encoding="utf-8"?>
+<p:sld xmlns:a="http://schemas.openxmlformats.org/drawingml/2006/main" xmlns:r="http://schemas.openxmlformats.org/officeDocument/2006/relationships" xmlns:p="http://schemas.openxmlformats.org/presentationml/2006/main">
+  <p:cSld>
+    <p:spTree>
+      <p:nvGrpSpPr>
+        <p:cNvPr id="255" name="Shape 255"/>
+        <p:cNvGrpSpPr/>
+        <p:nvPr/>
+      </p:nvGrpSpPr>
+      <p:grpSpPr>
+        <a:xfrm>
+          <a:off x="0" y="0"/>
+          <a:ext cx="0" cy="0"/>
+          <a:chOff x="0" y="0"/>
+          <a:chExt cx="0" cy="0"/>
+        </a:xfrm>
+      </p:grpSpPr>
+      <p:sp>
+        <p:nvSpPr>
+          <p:cNvPr id="256" name="Google Shape;256;p43"/>
+          <p:cNvSpPr txBox="1"/>
+          <p:nvPr>
+            <p:ph type="title"/>
+          </p:nvPr>
+        </p:nvSpPr>
+        <p:spPr>
+          <a:xfrm>
+            <a:off x="311700" y="1302275"/>
+            <a:ext cx="8520600" cy="572700"/>
+          </a:xfrm>
+          <a:prstGeom prst="rect">
+            <a:avLst/>
+          </a:prstGeom>
+        </p:spPr>
+        <p:txBody>
+          <a:bodyPr spcFirstLastPara="1" wrap="square" lIns="91425" tIns="91425" rIns="91425" bIns="91425" anchor="t" anchorCtr="0">
+            <a:normAutofit fontScale="90000"/>
+          </a:bodyPr>
+          <a:lstStyle/>
+          <a:p>
+            <a:pPr marL="0" lvl="0" indent="0" algn="l" rtl="0">
+              <a:spcBef>
+                <a:spcPts val="0"/>
+              </a:spcBef>
+              <a:spcAft>
+                <a:spcPts val="0"/>
+              </a:spcAft>
+              <a:buNone/>
+            </a:pPr>
+            <a:r>
+              <a:rPr lang="en-GB" b="1"/>
+              <a:t>Propriedades</a:t>
+            </a:r>
+            <a:endParaRPr b="1"/>
+          </a:p>
+        </p:txBody>
+      </p:sp>
+      <p:sp>
+        <p:nvSpPr>
+          <p:cNvPr id="257" name="Google Shape;257;p43"/>
+          <p:cNvSpPr txBox="1"/>
+          <p:nvPr>
+            <p:ph type="body" idx="1"/>
+          </p:nvPr>
+        </p:nvSpPr>
+        <p:spPr>
+          <a:xfrm>
+            <a:off x="311700" y="2009725"/>
+            <a:ext cx="8520600" cy="3416400"/>
+          </a:xfrm>
+          <a:prstGeom prst="rect">
+            <a:avLst/>
+          </a:prstGeom>
+        </p:spPr>
+        <p:txBody>
+          <a:bodyPr spcFirstLastPara="1" wrap="square" lIns="91425" tIns="91425" rIns="91425" bIns="91425" anchor="t" anchorCtr="0">
+            <a:normAutofit/>
+          </a:bodyPr>
+          <a:lstStyle/>
+          <a:p>
+            <a:pPr marL="114300" marR="114300" lvl="0" indent="0" algn="l" rtl="0">
+              <a:spcBef>
+                <a:spcPts val="1200"/>
+              </a:spcBef>
+              <a:spcAft>
+                <a:spcPts val="0"/>
+              </a:spcAft>
+              <a:buNone/>
+            </a:pPr>
+            <a:r>
+              <a:rPr lang="en-GB" sz="1950">
+                <a:solidFill>
+                  <a:srgbClr val="008000"/>
+                </a:solidFill>
+                <a:highlight>
+                  <a:srgbClr val="FFFFFF"/>
+                </a:highlight>
+                <a:latin typeface="Courier New" panose="02070309020205020404"/>
+                <a:ea typeface="Courier New" panose="02070309020205020404"/>
+                <a:cs typeface="Courier New" panose="02070309020205020404"/>
+                <a:sym typeface="Courier New" panose="02070309020205020404"/>
+              </a:rPr>
+              <a:t>// </a:t>
+            </a:r>
+            <a:r>
+              <a:rPr lang="en-GB" sz="1950" i="1">
+                <a:solidFill>
+                  <a:srgbClr val="008000"/>
+                </a:solidFill>
+                <a:highlight>
+                  <a:srgbClr val="FFFFFF"/>
+                </a:highlight>
+                <a:latin typeface="Courier New" panose="02070309020205020404"/>
+                <a:ea typeface="Courier New" panose="02070309020205020404"/>
+                <a:cs typeface="Courier New" panose="02070309020205020404"/>
+                <a:sym typeface="Courier New" panose="02070309020205020404"/>
+              </a:rPr>
+              <a:t>objectName.property</a:t>
+            </a:r>
+            <a:endParaRPr sz="1950">
+              <a:solidFill>
+                <a:srgbClr val="0000CD"/>
+              </a:solidFill>
+              <a:highlight>
+                <a:srgbClr val="FFFFFF"/>
+              </a:highlight>
+              <a:latin typeface="Courier New" panose="02070309020205020404"/>
+              <a:ea typeface="Courier New" panose="02070309020205020404"/>
+              <a:cs typeface="Courier New" panose="02070309020205020404"/>
+              <a:sym typeface="Courier New" panose="02070309020205020404"/>
+            </a:endParaRPr>
+          </a:p>
+          <a:p>
+            <a:pPr marL="114300" marR="114300" lvl="0" indent="0" algn="l" rtl="0">
+              <a:spcBef>
+                <a:spcPts val="1200"/>
+              </a:spcBef>
+              <a:spcAft>
+                <a:spcPts val="0"/>
+              </a:spcAft>
+              <a:buNone/>
+            </a:pPr>
+            <a:r>
+              <a:rPr lang="en-GB" sz="1950">
+                <a:solidFill>
+                  <a:srgbClr val="0000CD"/>
+                </a:solidFill>
+                <a:highlight>
+                  <a:srgbClr val="FFFFFF"/>
+                </a:highlight>
+                <a:latin typeface="Courier New" panose="02070309020205020404"/>
+                <a:ea typeface="Courier New" panose="02070309020205020404"/>
+                <a:cs typeface="Courier New" panose="02070309020205020404"/>
+                <a:sym typeface="Courier New" panose="02070309020205020404"/>
+              </a:rPr>
+              <a:t>let</a:t>
+            </a:r>
+            <a:r>
+              <a:rPr lang="en-GB" sz="1950">
+                <a:solidFill>
+                  <a:schemeClr val="dk1"/>
+                </a:solidFill>
+                <a:highlight>
+                  <a:srgbClr val="FFFFFF"/>
+                </a:highlight>
+                <a:latin typeface="Courier New" panose="02070309020205020404"/>
+                <a:ea typeface="Courier New" panose="02070309020205020404"/>
+                <a:cs typeface="Courier New" panose="02070309020205020404"/>
+                <a:sym typeface="Courier New" panose="02070309020205020404"/>
+              </a:rPr>
+              <a:t> idade = pessoa.idade;</a:t>
+            </a:r>
+            <a:endParaRPr sz="1950">
+              <a:solidFill>
+                <a:schemeClr val="dk1"/>
+              </a:solidFill>
+              <a:highlight>
+                <a:srgbClr val="FFFFFF"/>
+              </a:highlight>
+              <a:latin typeface="Courier New" panose="02070309020205020404"/>
+              <a:ea typeface="Courier New" panose="02070309020205020404"/>
+              <a:cs typeface="Courier New" panose="02070309020205020404"/>
+              <a:sym typeface="Courier New" panose="02070309020205020404"/>
+            </a:endParaRPr>
+          </a:p>
+          <a:p>
+            <a:pPr marL="114300" marR="114300" lvl="0" indent="0" algn="l" rtl="0">
+              <a:spcBef>
+                <a:spcPts val="1200"/>
+              </a:spcBef>
+              <a:spcAft>
+                <a:spcPts val="0"/>
+              </a:spcAft>
+              <a:buNone/>
+            </a:pPr>
+            <a:r>
+              <a:rPr lang="en-GB" sz="1950">
+                <a:solidFill>
+                  <a:srgbClr val="008000"/>
+                </a:solidFill>
+                <a:highlight>
+                  <a:srgbClr val="FFFFFF"/>
+                </a:highlight>
+                <a:latin typeface="Courier New" panose="02070309020205020404"/>
+                <a:ea typeface="Courier New" panose="02070309020205020404"/>
+                <a:cs typeface="Courier New" panose="02070309020205020404"/>
+                <a:sym typeface="Courier New" panose="02070309020205020404"/>
+              </a:rPr>
+              <a:t>//</a:t>
+            </a:r>
+            <a:r>
+              <a:rPr lang="en-GB" sz="1950" i="1">
+                <a:solidFill>
+                  <a:srgbClr val="008000"/>
+                </a:solidFill>
+                <a:highlight>
+                  <a:srgbClr val="FFFFFF"/>
+                </a:highlight>
+                <a:latin typeface="Courier New" panose="02070309020205020404"/>
+                <a:ea typeface="Courier New" panose="02070309020205020404"/>
+                <a:cs typeface="Courier New" panose="02070309020205020404"/>
+                <a:sym typeface="Courier New" panose="02070309020205020404"/>
+              </a:rPr>
+              <a:t>objectName</a:t>
+            </a:r>
+            <a:r>
+              <a:rPr lang="en-GB" sz="1950">
+                <a:solidFill>
+                  <a:srgbClr val="008000"/>
+                </a:solidFill>
+                <a:highlight>
+                  <a:srgbClr val="FFFFFF"/>
+                </a:highlight>
+                <a:latin typeface="Courier New" panose="02070309020205020404"/>
+                <a:ea typeface="Courier New" panose="02070309020205020404"/>
+                <a:cs typeface="Courier New" panose="02070309020205020404"/>
+                <a:sym typeface="Courier New" panose="02070309020205020404"/>
+              </a:rPr>
+              <a:t>["</a:t>
+            </a:r>
+            <a:r>
+              <a:rPr lang="en-GB" sz="1950" i="1">
+                <a:solidFill>
+                  <a:srgbClr val="008000"/>
+                </a:solidFill>
+                <a:highlight>
+                  <a:srgbClr val="FFFFFF"/>
+                </a:highlight>
+                <a:latin typeface="Courier New" panose="02070309020205020404"/>
+                <a:ea typeface="Courier New" panose="02070309020205020404"/>
+                <a:cs typeface="Courier New" panose="02070309020205020404"/>
+                <a:sym typeface="Courier New" panose="02070309020205020404"/>
+              </a:rPr>
+              <a:t>property</a:t>
+            </a:r>
+            <a:r>
+              <a:rPr lang="en-GB" sz="1950">
+                <a:solidFill>
+                  <a:srgbClr val="008000"/>
+                </a:solidFill>
+                <a:highlight>
+                  <a:srgbClr val="FFFFFF"/>
+                </a:highlight>
+                <a:latin typeface="Courier New" panose="02070309020205020404"/>
+                <a:ea typeface="Courier New" panose="02070309020205020404"/>
+                <a:cs typeface="Courier New" panose="02070309020205020404"/>
+                <a:sym typeface="Courier New" panose="02070309020205020404"/>
+              </a:rPr>
+              <a:t>"]</a:t>
+            </a:r>
+            <a:endParaRPr sz="1950">
+              <a:solidFill>
+                <a:srgbClr val="008000"/>
+              </a:solidFill>
+              <a:highlight>
+                <a:srgbClr val="FFFFFF"/>
+              </a:highlight>
+              <a:latin typeface="Courier New" panose="02070309020205020404"/>
+              <a:ea typeface="Courier New" panose="02070309020205020404"/>
+              <a:cs typeface="Courier New" panose="02070309020205020404"/>
+              <a:sym typeface="Courier New" panose="02070309020205020404"/>
+            </a:endParaRPr>
+          </a:p>
+          <a:p>
+            <a:pPr marL="114300" marR="114300" lvl="0" indent="0" algn="l" rtl="0">
+              <a:spcBef>
+                <a:spcPts val="1200"/>
+              </a:spcBef>
+              <a:spcAft>
+                <a:spcPts val="0"/>
+              </a:spcAft>
+              <a:buNone/>
+            </a:pPr>
+            <a:r>
+              <a:rPr lang="en-GB" sz="1950">
+                <a:solidFill>
+                  <a:srgbClr val="0000CD"/>
+                </a:solidFill>
+                <a:highlight>
+                  <a:srgbClr val="FFFFFF"/>
+                </a:highlight>
+                <a:latin typeface="Courier New" panose="02070309020205020404"/>
+                <a:ea typeface="Courier New" panose="02070309020205020404"/>
+                <a:cs typeface="Courier New" panose="02070309020205020404"/>
+                <a:sym typeface="Courier New" panose="02070309020205020404"/>
+              </a:rPr>
+              <a:t>let</a:t>
+            </a:r>
+            <a:r>
+              <a:rPr lang="en-GB" sz="1950">
+                <a:solidFill>
+                  <a:schemeClr val="dk1"/>
+                </a:solidFill>
+                <a:highlight>
+                  <a:srgbClr val="FFFFFF"/>
+                </a:highlight>
+                <a:latin typeface="Courier New" panose="02070309020205020404"/>
+                <a:ea typeface="Courier New" panose="02070309020205020404"/>
+                <a:cs typeface="Courier New" panose="02070309020205020404"/>
+                <a:sym typeface="Courier New" panose="02070309020205020404"/>
+              </a:rPr>
+              <a:t> </a:t>
+            </a:r>
+            <a:r>
+              <a:rPr lang="en-GB" sz="1950">
+                <a:solidFill>
+                  <a:schemeClr val="dk1"/>
+                </a:solidFill>
+                <a:highlight>
+                  <a:srgbClr val="FFFFFF"/>
+                </a:highlight>
+                <a:latin typeface="Courier New" panose="02070309020205020404"/>
+                <a:ea typeface="Courier New" panose="02070309020205020404"/>
+                <a:cs typeface="Courier New" panose="02070309020205020404"/>
+                <a:sym typeface="Courier New" panose="02070309020205020404"/>
+              </a:rPr>
+              <a:t>idade </a:t>
+            </a:r>
+            <a:r>
+              <a:rPr lang="en-GB" sz="1950">
+                <a:solidFill>
+                  <a:schemeClr val="dk1"/>
+                </a:solidFill>
+                <a:highlight>
+                  <a:srgbClr val="FFFFFF"/>
+                </a:highlight>
+                <a:latin typeface="Courier New" panose="02070309020205020404"/>
+                <a:ea typeface="Courier New" panose="02070309020205020404"/>
+                <a:cs typeface="Courier New" panose="02070309020205020404"/>
+                <a:sym typeface="Courier New" panose="02070309020205020404"/>
+              </a:rPr>
+              <a:t>= </a:t>
+            </a:r>
+            <a:r>
+              <a:rPr lang="en-GB" sz="1950">
+                <a:solidFill>
+                  <a:schemeClr val="dk1"/>
+                </a:solidFill>
+                <a:highlight>
+                  <a:srgbClr val="FFFFFF"/>
+                </a:highlight>
+                <a:latin typeface="Courier New" panose="02070309020205020404"/>
+                <a:ea typeface="Courier New" panose="02070309020205020404"/>
+                <a:cs typeface="Courier New" panose="02070309020205020404"/>
+                <a:sym typeface="Courier New" panose="02070309020205020404"/>
+              </a:rPr>
+              <a:t>pessoa</a:t>
+            </a:r>
+            <a:r>
+              <a:rPr lang="en-GB" sz="1950">
+                <a:solidFill>
+                  <a:schemeClr val="dk1"/>
+                </a:solidFill>
+                <a:highlight>
+                  <a:srgbClr val="FFFFFF"/>
+                </a:highlight>
+                <a:latin typeface="Courier New" panose="02070309020205020404"/>
+                <a:ea typeface="Courier New" panose="02070309020205020404"/>
+                <a:cs typeface="Courier New" panose="02070309020205020404"/>
+                <a:sym typeface="Courier New" panose="02070309020205020404"/>
+              </a:rPr>
+              <a:t>[</a:t>
+            </a:r>
+            <a:r>
+              <a:rPr lang="en-GB" sz="1950">
+                <a:solidFill>
+                  <a:srgbClr val="A52A2A"/>
+                </a:solidFill>
+                <a:highlight>
+                  <a:srgbClr val="FFFFFF"/>
+                </a:highlight>
+                <a:latin typeface="Courier New" panose="02070309020205020404"/>
+                <a:ea typeface="Courier New" panose="02070309020205020404"/>
+                <a:cs typeface="Courier New" panose="02070309020205020404"/>
+                <a:sym typeface="Courier New" panose="02070309020205020404"/>
+              </a:rPr>
+              <a:t>"</a:t>
+            </a:r>
+            <a:r>
+              <a:rPr lang="en-GB" sz="1950">
+                <a:solidFill>
+                  <a:schemeClr val="dk1"/>
+                </a:solidFill>
+                <a:highlight>
+                  <a:srgbClr val="FFFFFF"/>
+                </a:highlight>
+                <a:latin typeface="Courier New" panose="02070309020205020404"/>
+                <a:ea typeface="Courier New" panose="02070309020205020404"/>
+                <a:cs typeface="Courier New" panose="02070309020205020404"/>
+                <a:sym typeface="Courier New" panose="02070309020205020404"/>
+              </a:rPr>
+              <a:t>idade</a:t>
+            </a:r>
+            <a:r>
+              <a:rPr lang="en-GB" sz="1950">
+                <a:solidFill>
+                  <a:srgbClr val="A52A2A"/>
+                </a:solidFill>
+                <a:highlight>
+                  <a:srgbClr val="FFFFFF"/>
+                </a:highlight>
+                <a:latin typeface="Courier New" panose="02070309020205020404"/>
+                <a:ea typeface="Courier New" panose="02070309020205020404"/>
+                <a:cs typeface="Courier New" panose="02070309020205020404"/>
+                <a:sym typeface="Courier New" panose="02070309020205020404"/>
+              </a:rPr>
+              <a:t>"</a:t>
+            </a:r>
+            <a:r>
+              <a:rPr lang="en-GB" sz="1950">
+                <a:solidFill>
+                  <a:schemeClr val="dk1"/>
+                </a:solidFill>
+                <a:highlight>
+                  <a:srgbClr val="FFFFFF"/>
+                </a:highlight>
+                <a:latin typeface="Courier New" panose="02070309020205020404"/>
+                <a:ea typeface="Courier New" panose="02070309020205020404"/>
+                <a:cs typeface="Courier New" panose="02070309020205020404"/>
+                <a:sym typeface="Courier New" panose="02070309020205020404"/>
+              </a:rPr>
+              <a:t>];</a:t>
+            </a:r>
+            <a:endParaRPr sz="1950">
+              <a:solidFill>
+                <a:schemeClr val="dk1"/>
+              </a:solidFill>
+              <a:highlight>
+                <a:srgbClr val="FFFFFF"/>
+              </a:highlight>
+              <a:latin typeface="Verdana" panose="020B0604030504040204"/>
+              <a:ea typeface="Verdana" panose="020B0604030504040204"/>
+              <a:cs typeface="Verdana" panose="020B0604030504040204"/>
+              <a:sym typeface="Verdana" panose="020B0604030504040204"/>
+            </a:endParaRPr>
+          </a:p>
+          <a:p>
+            <a:pPr marL="114300" marR="114300" lvl="0" indent="0" algn="l" rtl="0">
+              <a:spcBef>
+                <a:spcPts val="1200"/>
+              </a:spcBef>
+              <a:spcAft>
+                <a:spcPts val="0"/>
+              </a:spcAft>
+              <a:buNone/>
+            </a:pPr>
+            <a:r>
+              <a:rPr lang="en-GB" sz="1950">
+                <a:solidFill>
+                  <a:srgbClr val="008000"/>
+                </a:solidFill>
+                <a:highlight>
+                  <a:srgbClr val="FFFFFF"/>
+                </a:highlight>
+                <a:latin typeface="Courier New" panose="02070309020205020404"/>
+                <a:ea typeface="Courier New" panose="02070309020205020404"/>
+                <a:cs typeface="Courier New" panose="02070309020205020404"/>
+                <a:sym typeface="Courier New" panose="02070309020205020404"/>
+              </a:rPr>
+              <a:t>//</a:t>
+            </a:r>
+            <a:r>
+              <a:rPr lang="en-GB" sz="1950" i="1">
+                <a:solidFill>
+                  <a:srgbClr val="008000"/>
+                </a:solidFill>
+                <a:highlight>
+                  <a:srgbClr val="FFFFFF"/>
+                </a:highlight>
+                <a:latin typeface="Courier New" panose="02070309020205020404"/>
+                <a:ea typeface="Courier New" panose="02070309020205020404"/>
+                <a:cs typeface="Courier New" panose="02070309020205020404"/>
+                <a:sym typeface="Courier New" panose="02070309020205020404"/>
+              </a:rPr>
+              <a:t>objectName</a:t>
+            </a:r>
+            <a:r>
+              <a:rPr lang="en-GB" sz="1950">
+                <a:solidFill>
+                  <a:srgbClr val="008000"/>
+                </a:solidFill>
+                <a:highlight>
+                  <a:srgbClr val="FFFFFF"/>
+                </a:highlight>
+                <a:latin typeface="Courier New" panose="02070309020205020404"/>
+                <a:ea typeface="Courier New" panose="02070309020205020404"/>
+                <a:cs typeface="Courier New" panose="02070309020205020404"/>
+                <a:sym typeface="Courier New" panose="02070309020205020404"/>
+              </a:rPr>
+              <a:t>[</a:t>
+            </a:r>
+            <a:r>
+              <a:rPr lang="en-GB" sz="1950" i="1">
+                <a:solidFill>
+                  <a:srgbClr val="008000"/>
+                </a:solidFill>
+                <a:highlight>
+                  <a:srgbClr val="FFFFFF"/>
+                </a:highlight>
+                <a:latin typeface="Courier New" panose="02070309020205020404"/>
+                <a:ea typeface="Courier New" panose="02070309020205020404"/>
+                <a:cs typeface="Courier New" panose="02070309020205020404"/>
+                <a:sym typeface="Courier New" panose="02070309020205020404"/>
+              </a:rPr>
+              <a:t>expression</a:t>
+            </a:r>
+            <a:r>
+              <a:rPr lang="en-GB" sz="1950">
+                <a:solidFill>
+                  <a:srgbClr val="008000"/>
+                </a:solidFill>
+                <a:highlight>
+                  <a:srgbClr val="FFFFFF"/>
+                </a:highlight>
+                <a:latin typeface="Courier New" panose="02070309020205020404"/>
+                <a:ea typeface="Courier New" panose="02070309020205020404"/>
+                <a:cs typeface="Courier New" panose="02070309020205020404"/>
+                <a:sym typeface="Courier New" panose="02070309020205020404"/>
+              </a:rPr>
+              <a:t>]</a:t>
+            </a:r>
+            <a:endParaRPr sz="1950">
+              <a:solidFill>
+                <a:srgbClr val="008000"/>
+              </a:solidFill>
+              <a:highlight>
+                <a:srgbClr val="FFFFFF"/>
+              </a:highlight>
+              <a:latin typeface="Courier New" panose="02070309020205020404"/>
+              <a:ea typeface="Courier New" panose="02070309020205020404"/>
+              <a:cs typeface="Courier New" panose="02070309020205020404"/>
+              <a:sym typeface="Courier New" panose="02070309020205020404"/>
+            </a:endParaRPr>
+          </a:p>
+          <a:p>
+            <a:pPr marL="114300" marR="114300" lvl="0" indent="0" algn="l" rtl="0">
+              <a:spcBef>
+                <a:spcPts val="1200"/>
+              </a:spcBef>
+              <a:spcAft>
+                <a:spcPts val="1200"/>
+              </a:spcAft>
+              <a:buNone/>
+            </a:pPr>
+            <a:r>
+              <a:rPr lang="en-GB" sz="1950">
+                <a:solidFill>
+                  <a:srgbClr val="0000CD"/>
+                </a:solidFill>
+                <a:highlight>
+                  <a:srgbClr val="FFFFFF"/>
+                </a:highlight>
+                <a:latin typeface="Courier New" panose="02070309020205020404"/>
+                <a:ea typeface="Courier New" panose="02070309020205020404"/>
+                <a:cs typeface="Courier New" panose="02070309020205020404"/>
+                <a:sym typeface="Courier New" panose="02070309020205020404"/>
+              </a:rPr>
+              <a:t>let</a:t>
+            </a:r>
+            <a:r>
+              <a:rPr lang="en-GB" sz="1950">
+                <a:solidFill>
+                  <a:schemeClr val="dk1"/>
+                </a:solidFill>
+                <a:highlight>
+                  <a:srgbClr val="FFFFFF"/>
+                </a:highlight>
+                <a:latin typeface="Courier New" panose="02070309020205020404"/>
+                <a:ea typeface="Courier New" panose="02070309020205020404"/>
+                <a:cs typeface="Courier New" panose="02070309020205020404"/>
+                <a:sym typeface="Courier New" panose="02070309020205020404"/>
+              </a:rPr>
+              <a:t> </a:t>
+            </a:r>
+            <a:r>
+              <a:rPr lang="en-GB" sz="1950">
+                <a:solidFill>
+                  <a:schemeClr val="dk1"/>
+                </a:solidFill>
+                <a:highlight>
+                  <a:srgbClr val="FFFFFF"/>
+                </a:highlight>
+                <a:latin typeface="Courier New" panose="02070309020205020404"/>
+                <a:ea typeface="Courier New" panose="02070309020205020404"/>
+                <a:cs typeface="Courier New" panose="02070309020205020404"/>
+                <a:sym typeface="Courier New" panose="02070309020205020404"/>
+              </a:rPr>
+              <a:t>idade</a:t>
+            </a:r>
+            <a:r>
+              <a:rPr lang="en-GB" sz="1950">
+                <a:solidFill>
+                  <a:schemeClr val="dk1"/>
+                </a:solidFill>
+                <a:highlight>
+                  <a:srgbClr val="FFFFFF"/>
+                </a:highlight>
+                <a:latin typeface="Courier New" panose="02070309020205020404"/>
+                <a:ea typeface="Courier New" panose="02070309020205020404"/>
+                <a:cs typeface="Courier New" panose="02070309020205020404"/>
+                <a:sym typeface="Courier New" panose="02070309020205020404"/>
+              </a:rPr>
+              <a:t>= person[x];</a:t>
+            </a:r>
+            <a:endParaRPr sz="2600"/>
+          </a:p>
+        </p:txBody>
+      </p:sp>
+    </p:spTree>
+  </p:cSld>
+  <p:clrMapOvr>
+    <a:masterClrMapping/>
+  </p:clrMapOvr>
+</p:sld>
+</file>
+
+<file path=ppt/slides/slide13.xml><?xml version="1.0" encoding="utf-8"?>
+<p:sld xmlns:a="http://schemas.openxmlformats.org/drawingml/2006/main" xmlns:r="http://schemas.openxmlformats.org/officeDocument/2006/relationships" xmlns:p="http://schemas.openxmlformats.org/presentationml/2006/main">
+  <p:cSld>
+    <p:spTree>
+      <p:nvGrpSpPr>
+        <p:cNvPr id="1" name=""/>
+        <p:cNvGrpSpPr/>
+        <p:nvPr/>
+      </p:nvGrpSpPr>
+      <p:grpSpPr/>
+      <p:sp>
+        <p:nvSpPr>
+          <p:cNvPr id="2" name="Title 1"/>
+          <p:cNvSpPr>
+            <a:spLocks noGrp="1"/>
+          </p:cNvSpPr>
+          <p:nvPr>
+            <p:ph type="title"/>
+          </p:nvPr>
+        </p:nvSpPr>
+        <p:spPr/>
+        <p:txBody>
+          <a:bodyPr/>
+          <a:lstStyle/>
+          <a:p>
+            <a:r>
+              <a:t>Trabalhando com Objetos Aninhados</a:t>
+            </a:r>
+          </a:p>
+        </p:txBody>
+      </p:sp>
+      <p:sp>
+        <p:nvSpPr>
+          <p:cNvPr id="3" name="Content Placeholder 2"/>
+          <p:cNvSpPr>
+            <a:spLocks noGrp="1"/>
+          </p:cNvSpPr>
+          <p:nvPr>
+            <p:ph idx="1"/>
+          </p:nvPr>
+        </p:nvSpPr>
+        <p:spPr>
+          <a:xfrm>
+            <a:off x="457200" y="1174750"/>
+            <a:ext cx="8220075" cy="5330825"/>
+          </a:xfrm>
+        </p:spPr>
+        <p:txBody>
+          <a:bodyPr/>
+          <a:lstStyle/>
+          <a:p>
+            <a:pPr marL="0" indent="0">
+              <a:buNone/>
+            </a:pPr>
+            <a:r>
+              <a:rPr sz="2800"/>
+              <a:t>Objetos podem conter outros objetos ou arrays como valores:</a:t>
+            </a:r>
+            <a:endParaRPr sz="2800"/>
+          </a:p>
+          <a:p>
+            <a:pPr marL="0" indent="0">
+              <a:buNone/>
+            </a:pPr>
+            <a:r>
+              <a:rPr sz="2400"/>
+              <a:t>const aluno = {</a:t>
+            </a:r>
+            <a:endParaRPr sz="2400"/>
+          </a:p>
+          <a:p>
+            <a:pPr marL="0" indent="0">
+              <a:buNone/>
+            </a:pPr>
+            <a:r>
+              <a:rPr sz="2400"/>
+              <a:t>  nome: 'João',</a:t>
+            </a:r>
+            <a:endParaRPr sz="2400"/>
+          </a:p>
+          <a:p>
+            <a:pPr marL="0" indent="0">
+              <a:buNone/>
+            </a:pPr>
+            <a:r>
+              <a:rPr sz="2400"/>
+              <a:t>  notas: { matematica: 8, portugues: 7 },</a:t>
+            </a:r>
+            <a:endParaRPr sz="2400"/>
+          </a:p>
+          <a:p>
+            <a:pPr marL="0" indent="0">
+              <a:buNone/>
+            </a:pPr>
+            <a:r>
+              <a:rPr sz="2400"/>
+              <a:t>  atividades: ['Futebol', 'Xadrez']</a:t>
+            </a:r>
+            <a:endParaRPr sz="2400"/>
+          </a:p>
+          <a:p>
+            <a:pPr marL="0" indent="0">
+              <a:buNone/>
+            </a:pPr>
+            <a:r>
+              <a:rPr sz="2400"/>
+              <a:t>};</a:t>
+            </a:r>
+            <a:endParaRPr sz="2400"/>
+          </a:p>
+          <a:p>
+            <a:pPr marL="0" indent="0">
+              <a:buNone/>
+            </a:pPr>
+            <a:endParaRPr sz="2400"/>
+          </a:p>
+          <a:p>
+            <a:pPr marL="0" indent="0">
+              <a:buNone/>
+            </a:pPr>
+            <a:r>
+              <a:rPr sz="2800"/>
+              <a:t>Para acessar dados aninhados:</a:t>
+            </a:r>
+            <a:endParaRPr sz="2800"/>
+          </a:p>
+          <a:p>
+            <a:r>
+              <a:rPr sz="2400"/>
+              <a:t>aluno.notas.matematica</a:t>
+            </a:r>
+            <a:r>
+              <a:rPr lang="pt-BR" sz="2400"/>
+              <a:t> irá </a:t>
+            </a:r>
+            <a:r>
+              <a:rPr sz="2400"/>
+              <a:t>retorna</a:t>
+            </a:r>
+            <a:r>
+              <a:rPr lang="pt-BR" sz="2400"/>
+              <a:t>r</a:t>
+            </a:r>
+            <a:r>
+              <a:rPr sz="2400"/>
+              <a:t> 8.</a:t>
+            </a:r>
+            <a:endParaRPr sz="2400"/>
+          </a:p>
+          <a:p>
+            <a:r>
+              <a:rPr sz="2400"/>
+              <a:t>aluno.atividades[0]</a:t>
+            </a:r>
+            <a:r>
+              <a:rPr lang="pt-BR" sz="2400"/>
+              <a:t> irá </a:t>
+            </a:r>
+            <a:r>
+              <a:rPr sz="2400"/>
+              <a:t>retorna</a:t>
+            </a:r>
+            <a:r>
+              <a:rPr lang="pt-BR" sz="2400"/>
+              <a:t>r </a:t>
+            </a:r>
+            <a:r>
+              <a:rPr sz="2400"/>
+              <a:t> 'Futebol'.</a:t>
+            </a:r>
+            <a:endParaRPr sz="2400"/>
+          </a:p>
+        </p:txBody>
+      </p:sp>
+    </p:spTree>
+  </p:cSld>
+  <p:clrMapOvr>
+    <a:masterClrMapping/>
+  </p:clrMapOvr>
+</p:sld>
+</file>
+
+<file path=ppt/slides/slide14.xml><?xml version="1.0" encoding="utf-8"?>
+<p:sld xmlns:a="http://schemas.openxmlformats.org/drawingml/2006/main" xmlns:r="http://schemas.openxmlformats.org/officeDocument/2006/relationships" xmlns:p="http://schemas.openxmlformats.org/presentationml/2006/main">
+  <p:cSld>
+    <p:spTree>
+      <p:nvGrpSpPr>
+        <p:cNvPr id="1" name=""/>
+        <p:cNvGrpSpPr/>
+        <p:nvPr/>
+      </p:nvGrpSpPr>
+      <p:grpSpPr/>
+      <p:sp>
+        <p:nvSpPr>
+          <p:cNvPr id="2" name="Title 1"/>
+          <p:cNvSpPr>
+            <a:spLocks noGrp="1"/>
+          </p:cNvSpPr>
+          <p:nvPr>
+            <p:ph type="title"/>
+          </p:nvPr>
+        </p:nvSpPr>
+        <p:spPr/>
+        <p:txBody>
+          <a:bodyPr/>
+          <a:lstStyle/>
+          <a:p>
+            <a:r>
+              <a:t>Exercício: Sistema de Notas</a:t>
+            </a:r>
+          </a:p>
+        </p:txBody>
+      </p:sp>
+      <p:sp>
+        <p:nvSpPr>
+          <p:cNvPr id="3" name="Content Placeholder 2"/>
+          <p:cNvSpPr>
+            <a:spLocks noGrp="1"/>
+          </p:cNvSpPr>
+          <p:nvPr>
+            <p:ph idx="1"/>
+          </p:nvPr>
+        </p:nvSpPr>
+        <p:spPr/>
+        <p:txBody>
+          <a:bodyPr/>
+          <a:lstStyle/>
+          <a:p>
+            <a:pPr marL="0" indent="0">
+              <a:buNone/>
+            </a:pPr>
+            <a:r>
+              <a:rPr sz="2400"/>
+              <a:t>Objetivo: Criar um sistema que gerencie notas de alunos.</a:t>
+            </a:r>
+            <a:endParaRPr sz="2400"/>
+          </a:p>
+          <a:p>
+            <a:pPr marL="0" indent="0">
+              <a:buNone/>
+            </a:pPr>
+            <a:endParaRPr sz="2400"/>
+          </a:p>
+          <a:p>
+            <a:pPr marL="0" indent="0">
+              <a:buNone/>
+            </a:pPr>
+            <a:r>
+              <a:rPr sz="2400"/>
+              <a:t>1. Crie um array de objetos, onde cada objeto represente um aluno:</a:t>
+            </a:r>
+            <a:endParaRPr sz="2400"/>
+          </a:p>
+          <a:p>
+            <a:pPr marL="0" indent="0">
+              <a:buNone/>
+            </a:pPr>
+            <a:r>
+              <a:rPr sz="2400"/>
+              <a:t>  const alunos = [</a:t>
+            </a:r>
+            <a:endParaRPr sz="2400"/>
+          </a:p>
+          <a:p>
+            <a:pPr marL="0" indent="0">
+              <a:buNone/>
+            </a:pPr>
+            <a:r>
+              <a:rPr sz="2400"/>
+              <a:t>    { nome: 'Ana', notas: [8, 9, 7] },</a:t>
+            </a:r>
+            <a:endParaRPr sz="2400"/>
+          </a:p>
+          <a:p>
+            <a:pPr marL="0" indent="0">
+              <a:buNone/>
+            </a:pPr>
+            <a:r>
+              <a:rPr sz="2400"/>
+              <a:t>    { nome: 'João', notas: [6, 8, 5] }</a:t>
+            </a:r>
+            <a:endParaRPr sz="2400"/>
+          </a:p>
+          <a:p>
+            <a:pPr marL="0" indent="0">
+              <a:buNone/>
+            </a:pPr>
+            <a:r>
+              <a:rPr sz="2400"/>
+              <a:t>  ];</a:t>
+            </a:r>
+            <a:endParaRPr sz="2400"/>
+          </a:p>
+          <a:p>
+            <a:pPr marL="0" indent="0">
+              <a:buNone/>
+            </a:pPr>
+            <a:endParaRPr sz="2400"/>
+          </a:p>
+          <a:p>
+            <a:pPr marL="0" indent="0">
+              <a:buNone/>
+            </a:pPr>
+            <a:r>
+              <a:rPr sz="2400"/>
+              <a:t>2. Calcule a média das notas de cada aluno usando `map` e `reduce`.</a:t>
+            </a:r>
+            <a:endParaRPr sz="2400"/>
+          </a:p>
+          <a:p>
+            <a:pPr marL="0" indent="0">
+              <a:buNone/>
+            </a:pPr>
+            <a:r>
+              <a:rPr sz="2400"/>
+              <a:t>3. Filtre os alunos aprovados (média &gt;= 7) usando `filter`.</a:t>
+            </a:r>
+            <a:endParaRPr sz="2400"/>
+          </a:p>
+          <a:p>
+            <a:pPr marL="0" indent="0">
+              <a:buNone/>
+            </a:pPr>
+            <a:r>
+              <a:rPr sz="2400"/>
+              <a:t>4. Exiba os resultados no console.</a:t>
+            </a:r>
+            <a:endParaRPr sz="2400"/>
+          </a:p>
+        </p:txBody>
+      </p:sp>
+    </p:spTree>
+  </p:cSld>
+  <p:clrMapOvr>
+    <a:masterClrMapping/>
+  </p:clrMapOvr>
+</p:sld>
+</file>
+
+<file path=ppt/slides/slide15.xml><?xml version="1.0" encoding="utf-8"?>
+<p:sld xmlns:a="http://schemas.openxmlformats.org/drawingml/2006/main" xmlns:r="http://schemas.openxmlformats.org/officeDocument/2006/relationships" xmlns:p="http://schemas.openxmlformats.org/presentationml/2006/main">
+  <p:cSld>
+    <p:spTree>
+      <p:nvGrpSpPr>
+        <p:cNvPr id="1" name=""/>
+        <p:cNvGrpSpPr/>
+        <p:nvPr/>
+      </p:nvGrpSpPr>
+      <p:grpSpPr/>
+      <p:sp>
+        <p:nvSpPr>
+          <p:cNvPr id="2" name="Title 1"/>
+          <p:cNvSpPr>
+            <a:spLocks noGrp="1"/>
+          </p:cNvSpPr>
+          <p:nvPr>
+            <p:ph type="title"/>
+          </p:nvPr>
+        </p:nvSpPr>
+        <p:spPr/>
+        <p:txBody>
+          <a:bodyPr/>
+          <a:lstStyle/>
+          <a:p>
+            <a:r>
+              <a:t>Solução do Exercício</a:t>
+            </a:r>
+          </a:p>
+        </p:txBody>
+      </p:sp>
+      <p:sp>
+        <p:nvSpPr>
+          <p:cNvPr id="3" name="Content Placeholder 2"/>
+          <p:cNvSpPr>
+            <a:spLocks noGrp="1"/>
+          </p:cNvSpPr>
+          <p:nvPr>
+            <p:ph idx="1"/>
+          </p:nvPr>
+        </p:nvSpPr>
+        <p:spPr/>
+        <p:txBody>
+          <a:bodyPr/>
+          <a:lstStyle/>
+          <a:p>
+            <a:pPr marL="0" indent="0">
+              <a:buNone/>
+            </a:pPr>
+            <a:r>
+              <a:rPr sz="2000"/>
+              <a:t>const alunos = [</a:t>
+            </a:r>
+            <a:endParaRPr sz="2000"/>
+          </a:p>
+          <a:p>
+            <a:pPr marL="0" indent="0">
+              <a:buNone/>
+            </a:pPr>
+            <a:r>
+              <a:rPr sz="2000"/>
+              <a:t>  { nome: 'Ana', notas: [8, 9, 7] },</a:t>
+            </a:r>
+            <a:endParaRPr sz="2000"/>
+          </a:p>
+          <a:p>
+            <a:pPr marL="0" indent="0">
+              <a:buNone/>
+            </a:pPr>
+            <a:r>
+              <a:rPr sz="2000"/>
+              <a:t>  { nome: 'João', notas: [6, 8, 5] }</a:t>
+            </a:r>
+            <a:endParaRPr sz="2000"/>
+          </a:p>
+          <a:p>
+            <a:pPr marL="0" indent="0">
+              <a:buNone/>
+            </a:pPr>
+            <a:r>
+              <a:rPr sz="2000"/>
+              <a:t>];</a:t>
+            </a:r>
+            <a:endParaRPr sz="2000"/>
+          </a:p>
+          <a:p>
+            <a:pPr marL="0" indent="0">
+              <a:buNone/>
+            </a:pPr>
+            <a:r>
+              <a:rPr sz="2000"/>
+              <a:t>// Calcula a média</a:t>
+            </a:r>
+            <a:endParaRPr sz="2000"/>
+          </a:p>
+          <a:p>
+            <a:pPr marL="0" indent="0">
+              <a:buNone/>
+            </a:pPr>
+            <a:r>
+              <a:rPr lang="en-US" altLang="pt-BR" sz="2000"/>
+              <a:t>const alunosComMedia = alunos.map(aluno =&gt; {</a:t>
+            </a:r>
+            <a:endParaRPr lang="en-US" altLang="pt-BR" sz="2000"/>
+          </a:p>
+          <a:p>
+            <a:pPr marL="0" indent="0">
+              <a:buNone/>
+            </a:pPr>
+            <a:r>
+              <a:rPr lang="en-US" altLang="pt-BR" sz="2000"/>
+              <a:t>  return {</a:t>
+            </a:r>
+            <a:endParaRPr lang="en-US" altLang="pt-BR" sz="2000"/>
+          </a:p>
+          <a:p>
+            <a:pPr marL="0" indent="0">
+              <a:buNone/>
+            </a:pPr>
+            <a:r>
+              <a:rPr lang="en-US" altLang="pt-BR" sz="2000"/>
+              <a:t>    ...aluno, // copia as propriedades existentes do aluno</a:t>
+            </a:r>
+            <a:endParaRPr lang="en-US" altLang="pt-BR" sz="2000"/>
+          </a:p>
+          <a:p>
+            <a:pPr marL="0" indent="0">
+              <a:buNone/>
+            </a:pPr>
+            <a:r>
+              <a:rPr lang="en-US" altLang="pt-BR" sz="2000"/>
+              <a:t>    media: aluno.notas.reduce((acc, nota) =&gt; acc + nota, 0) / aluno.notas.length</a:t>
+            </a:r>
+            <a:endParaRPr lang="en-US" altLang="pt-BR" sz="2000"/>
+          </a:p>
+          <a:p>
+            <a:pPr marL="0" indent="0">
+              <a:buNone/>
+            </a:pPr>
+            <a:r>
+              <a:rPr lang="en-US" altLang="pt-BR" sz="2000"/>
+              <a:t>  };</a:t>
+            </a:r>
+            <a:endParaRPr lang="en-US" altLang="pt-BR" sz="2000"/>
+          </a:p>
+          <a:p>
+            <a:pPr marL="0" indent="0">
+              <a:buNone/>
+            </a:pPr>
+            <a:r>
+              <a:rPr lang="en-US" altLang="pt-BR" sz="2000"/>
+              <a:t>});</a:t>
+            </a:r>
+            <a:endParaRPr lang="en-US" altLang="pt-BR"/>
+          </a:p>
+          <a:p>
+            <a:pPr marL="0" indent="0">
+              <a:buNone/>
+            </a:pPr>
+            <a:r>
+              <a:rPr sz="2000"/>
+              <a:t>// Filtra aprovados</a:t>
+            </a:r>
+            <a:endParaRPr sz="2000"/>
+          </a:p>
+          <a:p>
+            <a:pPr marL="0" indent="0">
+              <a:buNone/>
+            </a:pPr>
+            <a:r>
+              <a:rPr sz="2000"/>
+              <a:t>const aprovados = alunos.filter(aluno =&gt; aluno.media &gt;= 7);</a:t>
+            </a:r>
+            <a:endParaRPr sz="2000"/>
+          </a:p>
+          <a:p>
+            <a:pPr marL="0" indent="0">
+              <a:buNone/>
+            </a:pPr>
+            <a:r>
+              <a:rPr sz="2000"/>
+              <a:t>console.log(aprovados);</a:t>
+            </a:r>
+            <a:endParaRPr sz="2000"/>
+          </a:p>
+        </p:txBody>
+      </p:sp>
+    </p:spTree>
+  </p:cSld>
+  <p:clrMapOvr>
+    <a:masterClrMapping/>
+  </p:clrMapOvr>
+</p:sld>
+</file>
+
 <file path=ppt/slides/slide2.xml><?xml version="1.0" encoding="utf-8"?>
 <p:sld xmlns:a="http://schemas.openxmlformats.org/drawingml/2006/main" xmlns:r="http://schemas.openxmlformats.org/officeDocument/2006/relationships" xmlns:p="http://schemas.openxmlformats.org/presentationml/2006/main">
   <p:cSld>
@@ -3784,175 +8238,84 @@
   <p:cSld>
     <p:spTree>
       <p:nvGrpSpPr>
-        <p:cNvPr id="1" name=""/>
+        <p:cNvPr id="222" name="Shape 222"/>
         <p:cNvGrpSpPr/>
         <p:nvPr/>
       </p:nvGrpSpPr>
-      <p:grpSpPr/>
-      <p:sp>
-        <p:nvSpPr>
-          <p:cNvPr id="2" name="Title 1"/>
-          <p:cNvSpPr>
-            <a:spLocks noGrp="1"/>
-          </p:cNvSpPr>
+      <p:grpSpPr>
+        <a:xfrm>
+          <a:off x="0" y="0"/>
+          <a:ext cx="0" cy="0"/>
+          <a:chOff x="0" y="0"/>
+          <a:chExt cx="0" cy="0"/>
+        </a:xfrm>
+      </p:grpSpPr>
+      <p:sp>
+        <p:nvSpPr>
+          <p:cNvPr id="223" name="Google Shape;223;p38"/>
+          <p:cNvSpPr txBox="1"/>
           <p:nvPr>
             <p:ph type="title"/>
-          </p:nvPr>
-        </p:nvSpPr>
-        <p:spPr/>
-        <p:txBody>
-          <a:bodyPr/>
-          <a:lstStyle/>
-          <a:p>
-            <a:r>
-              <a:t>Trabalhando com Objetos Aninhados</a:t>
-            </a:r>
-          </a:p>
-        </p:txBody>
-      </p:sp>
-      <p:sp>
-        <p:nvSpPr>
-          <p:cNvPr id="3" name="Content Placeholder 2"/>
-          <p:cNvSpPr>
-            <a:spLocks noGrp="1"/>
-          </p:cNvSpPr>
-          <p:nvPr>
-            <p:ph idx="1"/>
           </p:nvPr>
         </p:nvSpPr>
         <p:spPr>
           <a:xfrm>
-            <a:off x="457200" y="1174750"/>
-            <a:ext cx="8220075" cy="5330825"/>
+            <a:off x="311700" y="1302275"/>
+            <a:ext cx="8520600" cy="572700"/>
           </a:xfrm>
+          <a:prstGeom prst="rect">
+            <a:avLst/>
+          </a:prstGeom>
         </p:spPr>
         <p:txBody>
-          <a:bodyPr/>
+          <a:bodyPr spcFirstLastPara="1" wrap="square" lIns="91425" tIns="91425" rIns="91425" bIns="91425" anchor="t" anchorCtr="0">
+            <a:normAutofit fontScale="90000"/>
+          </a:bodyPr>
           <a:lstStyle/>
           <a:p>
-            <a:pPr marL="0" indent="0">
-              <a:buNone/>
-            </a:pPr>
-            <a:r>
-              <a:rPr sz="2800"/>
-              <a:t>Objetos podem conter outros objetos ou arrays como valores:</a:t>
-            </a:r>
-            <a:endParaRPr sz="2800"/>
-          </a:p>
-          <a:p>
-            <a:pPr marL="0" indent="0">
-              <a:buNone/>
-            </a:pPr>
-            <a:r>
-              <a:rPr sz="2400"/>
-              <a:t>const aluno = {</a:t>
-            </a:r>
-            <a:endParaRPr sz="2400"/>
-          </a:p>
-          <a:p>
-            <a:pPr marL="0" indent="0">
-              <a:buNone/>
-            </a:pPr>
-            <a:r>
-              <a:rPr sz="2400"/>
-              <a:t>  nome: 'João',</a:t>
-            </a:r>
-            <a:endParaRPr sz="2400"/>
-          </a:p>
-          <a:p>
-            <a:pPr marL="0" indent="0">
-              <a:buNone/>
-            </a:pPr>
-            <a:r>
-              <a:rPr sz="2400"/>
-              <a:t>  notas: { matematica: 8, portugues: 7 },</a:t>
-            </a:r>
-            <a:endParaRPr sz="2400"/>
-          </a:p>
-          <a:p>
-            <a:pPr marL="0" indent="0">
-              <a:buNone/>
-            </a:pPr>
-            <a:r>
-              <a:rPr sz="2400"/>
-              <a:t>  atividades: ['Futebol', 'Xadrez']</a:t>
-            </a:r>
-            <a:endParaRPr sz="2400"/>
-          </a:p>
-          <a:p>
-            <a:pPr marL="0" indent="0">
-              <a:buNone/>
-            </a:pPr>
-            <a:r>
-              <a:rPr sz="2400"/>
-              <a:t>};</a:t>
-            </a:r>
-            <a:endParaRPr sz="2400"/>
-          </a:p>
-          <a:p>
-            <a:pPr marL="0" indent="0">
-              <a:buNone/>
-            </a:pPr>
-            <a:endParaRPr sz="2400"/>
-          </a:p>
-          <a:p>
-            <a:pPr marL="0" indent="0">
-              <a:buNone/>
-            </a:pPr>
-            <a:r>
-              <a:rPr sz="2800"/>
-              <a:t>Para acessar dados aninhados:</a:t>
-            </a:r>
-            <a:endParaRPr sz="2800"/>
-          </a:p>
-          <a:p>
-            <a:r>
-              <a:rPr sz="2400"/>
-              <a:t>aluno.notas.matematica</a:t>
-            </a:r>
-            <a:r>
-              <a:rPr lang="pt-BR" sz="2400"/>
-              <a:t> irá </a:t>
-            </a:r>
-            <a:r>
-              <a:rPr sz="2400"/>
-              <a:t>retorna</a:t>
-            </a:r>
-            <a:r>
-              <a:rPr lang="pt-BR" sz="2400"/>
-              <a:t>r</a:t>
-            </a:r>
-            <a:r>
-              <a:rPr sz="2400"/>
-              <a:t> 8.</a:t>
-            </a:r>
-            <a:endParaRPr sz="2400"/>
-          </a:p>
-          <a:p>
-            <a:r>
-              <a:rPr sz="2400"/>
-              <a:t>aluno.atividades[0]</a:t>
-            </a:r>
-            <a:r>
-              <a:rPr lang="pt-BR" sz="2400"/>
-              <a:t> irá </a:t>
-            </a:r>
-            <a:r>
-              <a:rPr sz="2400"/>
-              <a:t>retorna</a:t>
-            </a:r>
-            <a:r>
-              <a:rPr lang="pt-BR" sz="2400"/>
-              <a:t>r </a:t>
-            </a:r>
-            <a:r>
-              <a:rPr sz="2400"/>
-              <a:t> 'Futebol'.</a:t>
-            </a:r>
-            <a:endParaRPr sz="2400"/>
-          </a:p>
-        </p:txBody>
-      </p:sp>
+            <a:pPr marL="0" lvl="0" indent="0" algn="l" rtl="0">
+              <a:spcBef>
+                <a:spcPts val="0"/>
+              </a:spcBef>
+              <a:spcAft>
+                <a:spcPts val="0"/>
+              </a:spcAft>
+              <a:buNone/>
+            </a:pPr>
+            <a:r>
+              <a:rPr lang="en-GB" b="1"/>
+              <a:t>Objetos</a:t>
+            </a:r>
+            <a:endParaRPr b="1"/>
+          </a:p>
+        </p:txBody>
+      </p:sp>
+      <p:pic>
+        <p:nvPicPr>
+          <p:cNvPr id="224" name="Google Shape;224;p38"/>
+          <p:cNvPicPr preferRelativeResize="0"/>
+          <p:nvPr/>
+        </p:nvPicPr>
+        <p:blipFill>
+          <a:blip r:embed="rId1"/>
+          <a:stretch>
+            <a:fillRect/>
+          </a:stretch>
+        </p:blipFill>
+        <p:spPr>
+          <a:xfrm>
+            <a:off x="1321663" y="1851025"/>
+            <a:ext cx="5953125" cy="3733800"/>
+          </a:xfrm>
+          <a:prstGeom prst="rect">
+            <a:avLst/>
+          </a:prstGeom>
+          <a:noFill/>
+          <a:ln>
+            <a:noFill/>
+          </a:ln>
+        </p:spPr>
+      </p:pic>
     </p:spTree>
   </p:cSld>
   <p:clrMapOvr>
@@ -3966,147 +8329,268 @@
   <p:cSld>
     <p:spTree>
       <p:nvGrpSpPr>
-        <p:cNvPr id="1" name=""/>
+        <p:cNvPr id="228" name="Shape 228"/>
         <p:cNvGrpSpPr/>
         <p:nvPr/>
       </p:nvGrpSpPr>
-      <p:grpSpPr/>
-      <p:sp>
-        <p:nvSpPr>
-          <p:cNvPr id="2" name="Title 1"/>
-          <p:cNvSpPr>
-            <a:spLocks noGrp="1"/>
-          </p:cNvSpPr>
+      <p:grpSpPr>
+        <a:xfrm>
+          <a:off x="0" y="0"/>
+          <a:ext cx="0" cy="0"/>
+          <a:chOff x="0" y="0"/>
+          <a:chExt cx="0" cy="0"/>
+        </a:xfrm>
+      </p:grpSpPr>
+      <p:sp>
+        <p:nvSpPr>
+          <p:cNvPr id="229" name="Google Shape;229;p39"/>
+          <p:cNvSpPr txBox="1"/>
           <p:nvPr>
             <p:ph type="title"/>
           </p:nvPr>
         </p:nvSpPr>
-        <p:spPr/>
-        <p:txBody>
-          <a:bodyPr/>
+        <p:spPr>
+          <a:xfrm>
+            <a:off x="311700" y="1302275"/>
+            <a:ext cx="8520600" cy="572700"/>
+          </a:xfrm>
+          <a:prstGeom prst="rect">
+            <a:avLst/>
+          </a:prstGeom>
+        </p:spPr>
+        <p:txBody>
+          <a:bodyPr spcFirstLastPara="1" wrap="square" lIns="91425" tIns="91425" rIns="91425" bIns="91425" anchor="t" anchorCtr="0">
+            <a:normAutofit fontScale="90000"/>
+          </a:bodyPr>
           <a:lstStyle/>
           <a:p>
-            <a:r>
-              <a:t>Exercício: Sistema de Notas</a:t>
-            </a:r>
-          </a:p>
-        </p:txBody>
-      </p:sp>
-      <p:sp>
-        <p:nvSpPr>
-          <p:cNvPr id="3" name="Content Placeholder 2"/>
-          <p:cNvSpPr>
-            <a:spLocks noGrp="1"/>
-          </p:cNvSpPr>
-          <p:nvPr>
-            <p:ph idx="1"/>
-          </p:nvPr>
-        </p:nvSpPr>
-        <p:spPr/>
-        <p:txBody>
-          <a:bodyPr/>
+            <a:pPr marL="0" lvl="0" indent="0" algn="l" rtl="0">
+              <a:lnSpc>
+                <a:spcPct val="115000"/>
+              </a:lnSpc>
+              <a:spcBef>
+                <a:spcPts val="800"/>
+              </a:spcBef>
+              <a:spcAft>
+                <a:spcPts val="0"/>
+              </a:spcAft>
+              <a:buClr>
+                <a:schemeClr val="dk1"/>
+              </a:buClr>
+              <a:buSzPct val="46000"/>
+              <a:buFont typeface="Arial" panose="020B0604020202020204"/>
+              <a:buNone/>
+            </a:pPr>
+            <a:r>
+              <a:rPr lang="en-GB" sz="2400" b="1">
+                <a:highlight>
+                  <a:srgbClr val="FFFFFF"/>
+                </a:highlight>
+              </a:rPr>
+              <a:t>Propriedades do objeto</a:t>
+            </a:r>
+            <a:endParaRPr sz="2400" b="1">
+              <a:highlight>
+                <a:srgbClr val="FFFFFF"/>
+              </a:highlight>
+            </a:endParaRPr>
+          </a:p>
+          <a:p>
+            <a:pPr marL="0" lvl="0" indent="0" algn="l" rtl="0">
+              <a:lnSpc>
+                <a:spcPct val="115000"/>
+              </a:lnSpc>
+              <a:spcBef>
+                <a:spcPts val="800"/>
+              </a:spcBef>
+              <a:spcAft>
+                <a:spcPts val="0"/>
+              </a:spcAft>
+              <a:buClr>
+                <a:schemeClr val="dk1"/>
+              </a:buClr>
+              <a:buSzPct val="100000"/>
+              <a:buFont typeface="Arial" panose="020B0604020202020204"/>
+              <a:buNone/>
+            </a:pPr>
+            <a:endParaRPr sz="1100" b="1"/>
+          </a:p>
+          <a:p>
+            <a:pPr marL="0" lvl="0" indent="0" algn="l" rtl="0">
+              <a:spcBef>
+                <a:spcPts val="0"/>
+              </a:spcBef>
+              <a:spcAft>
+                <a:spcPts val="0"/>
+              </a:spcAft>
+              <a:buNone/>
+            </a:pPr>
+            <a:endParaRPr b="1"/>
+          </a:p>
+        </p:txBody>
+      </p:sp>
+      <p:sp>
+        <p:nvSpPr>
+          <p:cNvPr id="230" name="Google Shape;230;p39"/>
+          <p:cNvSpPr txBox="1"/>
+          <p:nvPr>
+            <p:ph type="body" idx="1"/>
+          </p:nvPr>
+        </p:nvSpPr>
+        <p:spPr>
+          <a:xfrm>
+            <a:off x="311700" y="2009725"/>
+            <a:ext cx="8520600" cy="3416400"/>
+          </a:xfrm>
+          <a:prstGeom prst="rect">
+            <a:avLst/>
+          </a:prstGeom>
+        </p:spPr>
+        <p:txBody>
+          <a:bodyPr spcFirstLastPara="1" wrap="square" lIns="91425" tIns="91425" rIns="91425" bIns="91425" anchor="t" anchorCtr="0">
+            <a:normAutofit/>
+          </a:bodyPr>
           <a:lstStyle/>
           <a:p>
-            <a:pPr marL="0" indent="0">
-              <a:buNone/>
-            </a:pPr>
-            <a:r>
-              <a:rPr sz="2400"/>
-              <a:t>Objetivo: Criar um sistema que gerencie notas de alunos.</a:t>
-            </a:r>
-            <a:endParaRPr sz="2400"/>
-          </a:p>
-          <a:p>
-            <a:pPr marL="0" indent="0">
-              <a:buNone/>
-            </a:pPr>
-            <a:endParaRPr sz="2400"/>
-          </a:p>
-          <a:p>
-            <a:pPr marL="0" indent="0">
-              <a:buNone/>
-            </a:pPr>
-            <a:r>
-              <a:rPr sz="2400"/>
-              <a:t>1. Crie um array de objetos, onde cada objeto represente um aluno:</a:t>
-            </a:r>
-            <a:endParaRPr sz="2400"/>
-          </a:p>
-          <a:p>
-            <a:pPr marL="0" indent="0">
-              <a:buNone/>
-            </a:pPr>
-            <a:r>
-              <a:rPr sz="2400"/>
-              <a:t>  const alunos = [</a:t>
-            </a:r>
-            <a:endParaRPr sz="2400"/>
-          </a:p>
-          <a:p>
-            <a:pPr marL="0" indent="0">
-              <a:buNone/>
-            </a:pPr>
-            <a:r>
-              <a:rPr sz="2400"/>
-              <a:t>    { nome: 'Ana', notas: [8, 9, 7] },</a:t>
-            </a:r>
-            <a:endParaRPr sz="2400"/>
-          </a:p>
-          <a:p>
-            <a:pPr marL="0" indent="0">
-              <a:buNone/>
-            </a:pPr>
-            <a:r>
-              <a:rPr sz="2400"/>
-              <a:t>    { nome: 'João', notas: [6, 8, 5] }</a:t>
-            </a:r>
-            <a:endParaRPr sz="2400"/>
-          </a:p>
-          <a:p>
-            <a:pPr marL="0" indent="0">
-              <a:buNone/>
-            </a:pPr>
-            <a:r>
-              <a:rPr sz="2400"/>
-              <a:t>  ];</a:t>
-            </a:r>
-            <a:endParaRPr sz="2400"/>
-          </a:p>
-          <a:p>
-            <a:pPr marL="0" indent="0">
-              <a:buNone/>
-            </a:pPr>
-            <a:endParaRPr sz="2400"/>
-          </a:p>
-          <a:p>
-            <a:pPr marL="0" indent="0">
-              <a:buNone/>
-            </a:pPr>
-            <a:r>
-              <a:rPr sz="2400"/>
-              <a:t>2. Calcule a média das notas de cada aluno usando `map` e `reduce`.</a:t>
-            </a:r>
-            <a:endParaRPr sz="2400"/>
-          </a:p>
-          <a:p>
-            <a:pPr marL="0" indent="0">
-              <a:buNone/>
-            </a:pPr>
-            <a:r>
-              <a:rPr sz="2400"/>
-              <a:t>3. Filtre os alunos aprovados (média &gt;= 7) usando `filter`.</a:t>
-            </a:r>
-            <a:endParaRPr sz="2400"/>
-          </a:p>
-          <a:p>
-            <a:pPr marL="0" indent="0">
-              <a:buNone/>
-            </a:pPr>
-            <a:r>
-              <a:rPr sz="2400"/>
-              <a:t>4. Exiba os resultados no console.</a:t>
-            </a:r>
-            <a:endParaRPr sz="2400"/>
+            <a:pPr marL="0" lvl="0" indent="0" algn="l" rtl="0">
+              <a:spcBef>
+                <a:spcPts val="1400"/>
+              </a:spcBef>
+              <a:spcAft>
+                <a:spcPts val="0"/>
+              </a:spcAft>
+              <a:buClr>
+                <a:schemeClr val="dk1"/>
+              </a:buClr>
+              <a:buSzPts val="1100"/>
+              <a:buFont typeface="Arial" panose="020B0604020202020204"/>
+              <a:buNone/>
+            </a:pPr>
+            <a:r>
+              <a:rPr lang="en-GB" sz="1650">
+                <a:solidFill>
+                  <a:schemeClr val="dk1"/>
+                </a:solidFill>
+                <a:highlight>
+                  <a:srgbClr val="FFFFFF"/>
+                </a:highlight>
+                <a:latin typeface="Verdana" panose="020B0604030504040204"/>
+                <a:ea typeface="Verdana" panose="020B0604030504040204"/>
+                <a:cs typeface="Verdana" panose="020B0604030504040204"/>
+                <a:sym typeface="Verdana" panose="020B0604030504040204"/>
+              </a:rPr>
+              <a:t>Um carro real tem propriedades como peso e cor:</a:t>
+            </a:r>
+            <a:endParaRPr sz="1650">
+              <a:solidFill>
+                <a:schemeClr val="dk1"/>
+              </a:solidFill>
+              <a:highlight>
+                <a:srgbClr val="FFFFFF"/>
+              </a:highlight>
+              <a:latin typeface="Verdana" panose="020B0604030504040204"/>
+              <a:ea typeface="Verdana" panose="020B0604030504040204"/>
+              <a:cs typeface="Verdana" panose="020B0604030504040204"/>
+              <a:sym typeface="Verdana" panose="020B0604030504040204"/>
+            </a:endParaRPr>
+          </a:p>
+          <a:p>
+            <a:pPr marL="0" lvl="0" indent="0" algn="l" rtl="0">
+              <a:spcBef>
+                <a:spcPts val="1400"/>
+              </a:spcBef>
+              <a:spcAft>
+                <a:spcPts val="0"/>
+              </a:spcAft>
+              <a:buClr>
+                <a:schemeClr val="dk1"/>
+              </a:buClr>
+              <a:buSzPts val="1100"/>
+              <a:buFont typeface="Arial" panose="020B0604020202020204"/>
+              <a:buNone/>
+            </a:pPr>
+            <a:r>
+              <a:rPr lang="en-GB" sz="1650">
+                <a:solidFill>
+                  <a:schemeClr val="dk1"/>
+                </a:solidFill>
+                <a:highlight>
+                  <a:srgbClr val="FFFFFF"/>
+                </a:highlight>
+                <a:latin typeface="Verdana" panose="020B0604030504040204"/>
+                <a:ea typeface="Verdana" panose="020B0604030504040204"/>
+                <a:cs typeface="Verdana" panose="020B0604030504040204"/>
+                <a:sym typeface="Verdana" panose="020B0604030504040204"/>
+              </a:rPr>
+              <a:t>car.name = Fiat, car.model = 500, car.weight = 850kg, car.color = branco.</a:t>
+            </a:r>
+            <a:endParaRPr sz="1650">
+              <a:solidFill>
+                <a:schemeClr val="dk1"/>
+              </a:solidFill>
+              <a:highlight>
+                <a:srgbClr val="FFFFFF"/>
+              </a:highlight>
+              <a:latin typeface="Verdana" panose="020B0604030504040204"/>
+              <a:ea typeface="Verdana" panose="020B0604030504040204"/>
+              <a:cs typeface="Verdana" panose="020B0604030504040204"/>
+              <a:sym typeface="Verdana" panose="020B0604030504040204"/>
+            </a:endParaRPr>
+          </a:p>
+          <a:p>
+            <a:pPr marL="0" lvl="0" indent="0" algn="l" rtl="0">
+              <a:spcBef>
+                <a:spcPts val="1400"/>
+              </a:spcBef>
+              <a:spcAft>
+                <a:spcPts val="0"/>
+              </a:spcAft>
+              <a:buClr>
+                <a:schemeClr val="dk1"/>
+              </a:buClr>
+              <a:buSzPts val="1100"/>
+              <a:buFont typeface="Arial" panose="020B0604020202020204"/>
+              <a:buNone/>
+            </a:pPr>
+            <a:r>
+              <a:rPr lang="en-GB" sz="1650">
+                <a:solidFill>
+                  <a:schemeClr val="dk1"/>
+                </a:solidFill>
+                <a:highlight>
+                  <a:srgbClr val="FFFFFF"/>
+                </a:highlight>
+                <a:latin typeface="Verdana" panose="020B0604030504040204"/>
+                <a:ea typeface="Verdana" panose="020B0604030504040204"/>
+                <a:cs typeface="Verdana" panose="020B0604030504040204"/>
+                <a:sym typeface="Verdana" panose="020B0604030504040204"/>
+              </a:rPr>
+              <a:t>Objetos de carro têm as mesmas propriedades , mas os valores diferem de carro para carro.</a:t>
+            </a:r>
+            <a:endParaRPr sz="1650">
+              <a:solidFill>
+                <a:schemeClr val="dk1"/>
+              </a:solidFill>
+              <a:highlight>
+                <a:srgbClr val="FFFFFF"/>
+              </a:highlight>
+              <a:latin typeface="Verdana" panose="020B0604030504040204"/>
+              <a:ea typeface="Verdana" panose="020B0604030504040204"/>
+              <a:cs typeface="Verdana" panose="020B0604030504040204"/>
+              <a:sym typeface="Verdana" panose="020B0604030504040204"/>
+            </a:endParaRPr>
+          </a:p>
+          <a:p>
+            <a:pPr marL="0" lvl="0" indent="0" algn="l" rtl="0">
+              <a:spcBef>
+                <a:spcPts val="1400"/>
+              </a:spcBef>
+              <a:spcAft>
+                <a:spcPts val="1200"/>
+              </a:spcAft>
+              <a:buNone/>
+            </a:pPr>
+            <a:endParaRPr sz="2300"/>
           </a:p>
         </p:txBody>
       </p:sp>
@@ -4123,170 +8607,592 @@
   <p:cSld>
     <p:spTree>
       <p:nvGrpSpPr>
-        <p:cNvPr id="1" name=""/>
+        <p:cNvPr id="234" name="Shape 234"/>
         <p:cNvGrpSpPr/>
         <p:nvPr/>
       </p:nvGrpSpPr>
-      <p:grpSpPr/>
-      <p:sp>
-        <p:nvSpPr>
-          <p:cNvPr id="2" name="Title 1"/>
-          <p:cNvSpPr>
-            <a:spLocks noGrp="1"/>
-          </p:cNvSpPr>
+      <p:grpSpPr>
+        <a:xfrm>
+          <a:off x="0" y="0"/>
+          <a:ext cx="0" cy="0"/>
+          <a:chOff x="0" y="0"/>
+          <a:chExt cx="0" cy="0"/>
+        </a:xfrm>
+      </p:grpSpPr>
+      <p:sp>
+        <p:nvSpPr>
+          <p:cNvPr id="235" name="Google Shape;235;p40"/>
+          <p:cNvSpPr txBox="1"/>
           <p:nvPr>
             <p:ph type="title"/>
           </p:nvPr>
         </p:nvSpPr>
-        <p:spPr/>
-        <p:txBody>
-          <a:bodyPr/>
+        <p:spPr>
+          <a:xfrm>
+            <a:off x="311700" y="1302275"/>
+            <a:ext cx="8520600" cy="572700"/>
+          </a:xfrm>
+          <a:prstGeom prst="rect">
+            <a:avLst/>
+          </a:prstGeom>
+        </p:spPr>
+        <p:txBody>
+          <a:bodyPr spcFirstLastPara="1" wrap="square" lIns="91425" tIns="91425" rIns="91425" bIns="91425" anchor="t" anchorCtr="0">
+            <a:normAutofit fontScale="90000"/>
+          </a:bodyPr>
           <a:lstStyle/>
           <a:p>
-            <a:r>
-              <a:t>Solução do Exercício</a:t>
-            </a:r>
-          </a:p>
-        </p:txBody>
-      </p:sp>
-      <p:sp>
-        <p:nvSpPr>
-          <p:cNvPr id="3" name="Content Placeholder 2"/>
-          <p:cNvSpPr>
-            <a:spLocks noGrp="1"/>
-          </p:cNvSpPr>
-          <p:nvPr>
-            <p:ph idx="1"/>
-          </p:nvPr>
-        </p:nvSpPr>
-        <p:spPr/>
-        <p:txBody>
-          <a:bodyPr/>
+            <a:pPr marL="0" lvl="0" indent="0" algn="l" rtl="0">
+              <a:lnSpc>
+                <a:spcPct val="115000"/>
+              </a:lnSpc>
+              <a:spcBef>
+                <a:spcPts val="800"/>
+              </a:spcBef>
+              <a:spcAft>
+                <a:spcPts val="0"/>
+              </a:spcAft>
+              <a:buClr>
+                <a:schemeClr val="dk1"/>
+              </a:buClr>
+              <a:buSzPct val="46000"/>
+              <a:buFont typeface="Arial" panose="020B0604020202020204"/>
+              <a:buNone/>
+            </a:pPr>
+            <a:r>
+              <a:rPr lang="en-GB" sz="2400" b="1">
+                <a:highlight>
+                  <a:srgbClr val="FFFFFF"/>
+                </a:highlight>
+              </a:rPr>
+              <a:t>Métodos de Objetos</a:t>
+            </a:r>
+            <a:endParaRPr sz="1100" b="1"/>
+          </a:p>
+          <a:p>
+            <a:pPr marL="0" lvl="0" indent="0" algn="l" rtl="0">
+              <a:spcBef>
+                <a:spcPts val="800"/>
+              </a:spcBef>
+              <a:spcAft>
+                <a:spcPts val="0"/>
+              </a:spcAft>
+              <a:buNone/>
+            </a:pPr>
+            <a:endParaRPr b="1"/>
+          </a:p>
+        </p:txBody>
+      </p:sp>
+      <p:sp>
+        <p:nvSpPr>
+          <p:cNvPr id="236" name="Google Shape;236;p40"/>
+          <p:cNvSpPr txBox="1"/>
+          <p:nvPr>
+            <p:ph type="body" idx="1"/>
+          </p:nvPr>
+        </p:nvSpPr>
+        <p:spPr>
+          <a:xfrm>
+            <a:off x="311700" y="2009725"/>
+            <a:ext cx="8520600" cy="3416400"/>
+          </a:xfrm>
+          <a:prstGeom prst="rect">
+            <a:avLst/>
+          </a:prstGeom>
+        </p:spPr>
+        <p:txBody>
+          <a:bodyPr spcFirstLastPara="1" wrap="square" lIns="91425" tIns="91425" rIns="91425" bIns="91425" anchor="t" anchorCtr="0">
+            <a:noAutofit/>
+          </a:bodyPr>
           <a:lstStyle/>
           <a:p>
-            <a:pPr marL="0" indent="0">
-              <a:buNone/>
-            </a:pPr>
-            <a:r>
-              <a:rPr sz="2000"/>
-              <a:t>const alunos = [</a:t>
-            </a:r>
-            <a:endParaRPr sz="2000"/>
-          </a:p>
-          <a:p>
-            <a:pPr marL="0" indent="0">
-              <a:buNone/>
-            </a:pPr>
-            <a:r>
-              <a:rPr sz="2000"/>
-              <a:t>  { nome: 'Ana', notas: [8, 9, 7] },</a:t>
-            </a:r>
-            <a:endParaRPr sz="2000"/>
-          </a:p>
-          <a:p>
-            <a:pPr marL="0" indent="0">
-              <a:buNone/>
-            </a:pPr>
-            <a:r>
-              <a:rPr sz="2000"/>
-              <a:t>  { nome: 'João', notas: [6, 8, 5] }</a:t>
-            </a:r>
-            <a:endParaRPr sz="2000"/>
-          </a:p>
-          <a:p>
-            <a:pPr marL="0" indent="0">
-              <a:buNone/>
-            </a:pPr>
-            <a:r>
-              <a:rPr sz="2000"/>
-              <a:t>];</a:t>
-            </a:r>
-            <a:endParaRPr sz="2000"/>
-          </a:p>
-          <a:p>
-            <a:pPr marL="0" indent="0">
-              <a:buNone/>
-            </a:pPr>
-            <a:endParaRPr sz="2000"/>
-          </a:p>
-          <a:p>
-            <a:pPr marL="0" indent="0">
-              <a:buNone/>
-            </a:pPr>
-            <a:r>
-              <a:rPr sz="2000"/>
-              <a:t>// Calcula a média</a:t>
-            </a:r>
-            <a:endParaRPr sz="2000"/>
-          </a:p>
-          <a:p>
-            <a:pPr marL="0" indent="0">
-              <a:buNone/>
-            </a:pPr>
-            <a:r>
-              <a:rPr sz="2000"/>
-              <a:t>alunos.forEach(aluno =&gt; {</a:t>
-            </a:r>
-            <a:endParaRPr sz="2000"/>
-          </a:p>
-          <a:p>
-            <a:pPr marL="0" indent="0">
-              <a:buNone/>
-            </a:pPr>
-            <a:r>
-              <a:rPr sz="2000"/>
-              <a:t>  aluno.media = aluno.notas.reduce((acc, nota) =&gt; acc + nota, 0) / aluno.notas.length;</a:t>
-            </a:r>
-            <a:endParaRPr sz="2000"/>
-          </a:p>
-          <a:p>
-            <a:pPr marL="0" indent="0">
-              <a:buNone/>
-            </a:pPr>
-            <a:r>
-              <a:rPr sz="2000"/>
-              <a:t>});</a:t>
-            </a:r>
-            <a:endParaRPr sz="2000"/>
-          </a:p>
-          <a:p>
-            <a:pPr marL="0" indent="0">
-              <a:buNone/>
-            </a:pPr>
-            <a:endParaRPr sz="2000"/>
-          </a:p>
-          <a:p>
-            <a:pPr marL="0" indent="0">
-              <a:buNone/>
-            </a:pPr>
-            <a:r>
-              <a:rPr sz="2000"/>
-              <a:t>// Filtra aprovados</a:t>
-            </a:r>
-            <a:endParaRPr sz="2000"/>
-          </a:p>
-          <a:p>
-            <a:pPr marL="0" indent="0">
-              <a:buNone/>
-            </a:pPr>
-            <a:r>
-              <a:rPr sz="2000"/>
-              <a:t>const aprovados = alunos.filter(aluno =&gt; aluno.media &gt;= 7);</a:t>
-            </a:r>
-            <a:endParaRPr sz="2000"/>
-          </a:p>
-          <a:p>
-            <a:pPr marL="0" indent="0">
-              <a:buNone/>
-            </a:pPr>
-            <a:r>
-              <a:rPr sz="2000"/>
-              <a:t>console.log(aprovados);</a:t>
-            </a:r>
-            <a:endParaRPr sz="2000"/>
-          </a:p>
-        </p:txBody>
-      </p:sp>
+            <a:pPr marL="0" lvl="0" indent="0" algn="l" rtl="0">
+              <a:spcBef>
+                <a:spcPts val="1400"/>
+              </a:spcBef>
+              <a:spcAft>
+                <a:spcPts val="0"/>
+              </a:spcAft>
+              <a:buClr>
+                <a:schemeClr val="dk1"/>
+              </a:buClr>
+              <a:buSzPts val="1100"/>
+              <a:buFont typeface="Arial" panose="020B0604020202020204"/>
+              <a:buNone/>
+            </a:pPr>
+            <a:r>
+              <a:rPr lang="en-GB" sz="2000">
+                <a:solidFill>
+                  <a:schemeClr val="dk1"/>
+                </a:solidFill>
+                <a:highlight>
+                  <a:srgbClr val="FFFFFF"/>
+                </a:highlight>
+                <a:latin typeface="Verdana" panose="020B0604030504040204" charset="0"/>
+                <a:ea typeface="Verdana" panose="020B0604030504040204"/>
+                <a:cs typeface="Verdana" panose="020B0604030504040204" charset="0"/>
+                <a:sym typeface="Verdana" panose="020B0604030504040204"/>
+              </a:rPr>
+              <a:t>Um carro real tem métodos como partida e parada:</a:t>
+            </a:r>
+            <a:endParaRPr sz="2000">
+              <a:solidFill>
+                <a:schemeClr val="dk1"/>
+              </a:solidFill>
+              <a:highlight>
+                <a:srgbClr val="FFFFFF"/>
+              </a:highlight>
+              <a:latin typeface="Verdana" panose="020B0604030504040204" charset="0"/>
+              <a:ea typeface="Verdana" panose="020B0604030504040204"/>
+              <a:cs typeface="Verdana" panose="020B0604030504040204" charset="0"/>
+              <a:sym typeface="Verdana" panose="020B0604030504040204"/>
+            </a:endParaRPr>
+          </a:p>
+          <a:p>
+            <a:pPr marL="0" lvl="0" indent="0" algn="l" rtl="0">
+              <a:spcBef>
+                <a:spcPts val="1400"/>
+              </a:spcBef>
+              <a:spcAft>
+                <a:spcPts val="0"/>
+              </a:spcAft>
+              <a:buClr>
+                <a:schemeClr val="dk1"/>
+              </a:buClr>
+              <a:buSzPts val="1100"/>
+              <a:buFont typeface="Arial" panose="020B0604020202020204"/>
+              <a:buNone/>
+            </a:pPr>
+            <a:r>
+              <a:rPr lang="en-GB" sz="2000">
+                <a:solidFill>
+                  <a:schemeClr val="dk1"/>
+                </a:solidFill>
+                <a:highlight>
+                  <a:srgbClr val="FFFFFF"/>
+                </a:highlight>
+                <a:latin typeface="Verdana" panose="020B0604030504040204" charset="0"/>
+                <a:ea typeface="Verdana" panose="020B0604030504040204"/>
+                <a:cs typeface="Verdana" panose="020B0604030504040204" charset="0"/>
+                <a:sym typeface="Verdana" panose="020B0604030504040204"/>
+              </a:rPr>
+              <a:t>carro.start(), carro.drive(), carro.brake(), carro.stop().</a:t>
+            </a:r>
+            <a:endParaRPr sz="2000">
+              <a:solidFill>
+                <a:schemeClr val="dk1"/>
+              </a:solidFill>
+              <a:highlight>
+                <a:srgbClr val="FFFFFF"/>
+              </a:highlight>
+              <a:latin typeface="Verdana" panose="020B0604030504040204" charset="0"/>
+              <a:ea typeface="Verdana" panose="020B0604030504040204"/>
+              <a:cs typeface="Verdana" panose="020B0604030504040204" charset="0"/>
+              <a:sym typeface="Verdana" panose="020B0604030504040204"/>
+            </a:endParaRPr>
+          </a:p>
+          <a:p>
+            <a:pPr marL="0" lvl="0" indent="0" algn="l" rtl="0">
+              <a:spcBef>
+                <a:spcPts val="1400"/>
+              </a:spcBef>
+              <a:spcAft>
+                <a:spcPts val="0"/>
+              </a:spcAft>
+              <a:buClr>
+                <a:schemeClr val="dk1"/>
+              </a:buClr>
+              <a:buSzPts val="1100"/>
+              <a:buFont typeface="Arial" panose="020B0604020202020204"/>
+              <a:buNone/>
+            </a:pPr>
+            <a:r>
+              <a:rPr lang="en-US" altLang="pt-BR" sz="2000">
+                <a:solidFill>
+                  <a:schemeClr val="tx1"/>
+                </a:solidFill>
+                <a:latin typeface="Verdana" panose="020B0604030504040204" charset="0"/>
+                <a:cs typeface="Verdana" panose="020B0604030504040204" charset="0"/>
+              </a:rPr>
+              <a:t>No mundo real, cada uma dessas a</a:t>
+            </a:r>
+            <a:r>
+              <a:rPr lang="en-US" altLang="en-US" sz="2000">
+                <a:solidFill>
+                  <a:schemeClr val="tx1"/>
+                </a:solidFill>
+                <a:latin typeface="Verdana" panose="020B0604030504040204" charset="0"/>
+                <a:cs typeface="Verdana" panose="020B0604030504040204" charset="0"/>
+              </a:rPr>
+              <a:t>çõ</a:t>
+            </a:r>
+            <a:r>
+              <a:rPr lang="en-US" altLang="pt-BR" sz="2000">
+                <a:solidFill>
+                  <a:schemeClr val="tx1"/>
+                </a:solidFill>
+                <a:latin typeface="Verdana" panose="020B0604030504040204" charset="0"/>
+                <a:cs typeface="Verdana" panose="020B0604030504040204" charset="0"/>
+              </a:rPr>
+              <a:t>es ocorre em momentos diferentes, dependendo do que est</a:t>
+            </a:r>
+            <a:r>
+              <a:rPr lang="en-US" altLang="en-US" sz="2000">
+                <a:solidFill>
+                  <a:schemeClr val="tx1"/>
+                </a:solidFill>
+                <a:latin typeface="Verdana" panose="020B0604030504040204" charset="0"/>
+                <a:cs typeface="Verdana" panose="020B0604030504040204" charset="0"/>
+              </a:rPr>
+              <a:t>á</a:t>
+            </a:r>
+            <a:r>
+              <a:rPr lang="en-US" altLang="pt-BR" sz="2000">
+                <a:solidFill>
+                  <a:schemeClr val="tx1"/>
+                </a:solidFill>
+                <a:latin typeface="Verdana" panose="020B0604030504040204" charset="0"/>
+                <a:cs typeface="Verdana" panose="020B0604030504040204" charset="0"/>
+              </a:rPr>
+              <a:t> acontecendo. O mesmo vale para o objeto carro: os m</a:t>
+            </a:r>
+            <a:r>
+              <a:rPr lang="en-US" altLang="en-US" sz="2000">
+                <a:solidFill>
+                  <a:schemeClr val="tx1"/>
+                </a:solidFill>
+                <a:latin typeface="Verdana" panose="020B0604030504040204" charset="0"/>
+                <a:cs typeface="Verdana" panose="020B0604030504040204" charset="0"/>
+              </a:rPr>
+              <a:t>é</a:t>
+            </a:r>
+            <a:r>
+              <a:rPr lang="en-US" altLang="pt-BR" sz="2000">
+                <a:solidFill>
+                  <a:schemeClr val="tx1"/>
+                </a:solidFill>
+                <a:latin typeface="Verdana" panose="020B0604030504040204" charset="0"/>
+                <a:cs typeface="Verdana" panose="020B0604030504040204" charset="0"/>
+              </a:rPr>
+              <a:t>todos s</a:t>
+            </a:r>
+            <a:r>
+              <a:rPr lang="en-US" altLang="en-US" sz="2000">
+                <a:solidFill>
+                  <a:schemeClr val="tx1"/>
+                </a:solidFill>
+                <a:latin typeface="Verdana" panose="020B0604030504040204" charset="0"/>
+                <a:cs typeface="Verdana" panose="020B0604030504040204" charset="0"/>
+              </a:rPr>
+              <a:t>ã</a:t>
+            </a:r>
+            <a:r>
+              <a:rPr lang="en-US" altLang="pt-BR" sz="2000">
+                <a:solidFill>
+                  <a:schemeClr val="tx1"/>
+                </a:solidFill>
+                <a:latin typeface="Verdana" panose="020B0604030504040204" charset="0"/>
+                <a:cs typeface="Verdana" panose="020B0604030504040204" charset="0"/>
+              </a:rPr>
+              <a:t>o chamados em momentos espec</a:t>
+            </a:r>
+            <a:r>
+              <a:rPr lang="en-US" altLang="en-US" sz="2000">
+                <a:solidFill>
+                  <a:schemeClr val="tx1"/>
+                </a:solidFill>
+                <a:latin typeface="Verdana" panose="020B0604030504040204" charset="0"/>
+                <a:cs typeface="Verdana" panose="020B0604030504040204" charset="0"/>
+              </a:rPr>
+              <a:t>í</a:t>
+            </a:r>
+            <a:r>
+              <a:rPr lang="en-US" altLang="pt-BR" sz="2000">
+                <a:solidFill>
+                  <a:schemeClr val="tx1"/>
+                </a:solidFill>
+                <a:latin typeface="Verdana" panose="020B0604030504040204" charset="0"/>
+                <a:cs typeface="Verdana" panose="020B0604030504040204" charset="0"/>
+              </a:rPr>
+              <a:t>ficos, de acordo com a l</a:t>
+            </a:r>
+            <a:r>
+              <a:rPr lang="en-US" altLang="en-US" sz="2000">
+                <a:solidFill>
+                  <a:schemeClr val="tx1"/>
+                </a:solidFill>
+                <a:latin typeface="Verdana" panose="020B0604030504040204" charset="0"/>
+                <a:cs typeface="Verdana" panose="020B0604030504040204" charset="0"/>
+              </a:rPr>
+              <a:t>ó</a:t>
+            </a:r>
+            <a:r>
+              <a:rPr lang="en-US" altLang="pt-BR" sz="2000">
+                <a:solidFill>
+                  <a:schemeClr val="tx1"/>
+                </a:solidFill>
+                <a:latin typeface="Verdana" panose="020B0604030504040204" charset="0"/>
+                <a:cs typeface="Verdana" panose="020B0604030504040204" charset="0"/>
+              </a:rPr>
+              <a:t>gica do programa.</a:t>
+            </a:r>
+            <a:endParaRPr lang="en-US" altLang="pt-BR" sz="2000">
+              <a:solidFill>
+                <a:schemeClr val="tx1"/>
+              </a:solidFill>
+              <a:latin typeface="Verdana" panose="020B0604030504040204" charset="0"/>
+              <a:cs typeface="Verdana" panose="020B0604030504040204" charset="0"/>
+            </a:endParaRPr>
+          </a:p>
+          <a:p>
+            <a:pPr marL="0" lvl="0" indent="0" algn="l" rtl="0">
+              <a:spcBef>
+                <a:spcPts val="1400"/>
+              </a:spcBef>
+              <a:spcAft>
+                <a:spcPts val="0"/>
+              </a:spcAft>
+              <a:buClr>
+                <a:schemeClr val="dk1"/>
+              </a:buClr>
+              <a:buSzPts val="1100"/>
+              <a:buFont typeface="Arial" panose="020B0604020202020204"/>
+              <a:buNone/>
+            </a:pPr>
+            <a:endParaRPr lang="en-US" altLang="pt-BR" sz="2000">
+              <a:latin typeface="Verdana" panose="020B0604030504040204" charset="0"/>
+              <a:cs typeface="Verdana" panose="020B0604030504040204" charset="0"/>
+            </a:endParaRPr>
+          </a:p>
+          <a:p>
+            <a:pPr marL="0" lvl="0" indent="0" algn="l" rtl="0">
+              <a:spcBef>
+                <a:spcPts val="1400"/>
+              </a:spcBef>
+              <a:spcAft>
+                <a:spcPts val="0"/>
+              </a:spcAft>
+              <a:buClr>
+                <a:schemeClr val="dk1"/>
+              </a:buClr>
+              <a:buSzPts val="1100"/>
+              <a:buFont typeface="Arial" panose="020B0604020202020204"/>
+              <a:buNone/>
+            </a:pPr>
+            <a:endParaRPr lang="en-US" altLang="pt-BR" sz="2000">
+              <a:latin typeface="Verdana" panose="020B0604030504040204" charset="0"/>
+              <a:cs typeface="Verdana" panose="020B0604030504040204" charset="0"/>
+            </a:endParaRPr>
+          </a:p>
+          <a:p>
+            <a:pPr marL="0" lvl="0" indent="0" algn="l" rtl="0">
+              <a:spcBef>
+                <a:spcPts val="1400"/>
+              </a:spcBef>
+              <a:spcAft>
+                <a:spcPts val="0"/>
+              </a:spcAft>
+              <a:buClr>
+                <a:schemeClr val="dk1"/>
+              </a:buClr>
+              <a:buSzPts val="1100"/>
+              <a:buFont typeface="Arial" panose="020B0604020202020204"/>
+              <a:buNone/>
+            </a:pPr>
+            <a:endParaRPr lang="en-GB" sz="2000">
+              <a:solidFill>
+                <a:schemeClr val="dk1"/>
+              </a:solidFill>
+              <a:highlight>
+                <a:srgbClr val="FFFFFF"/>
+              </a:highlight>
+              <a:latin typeface="Verdana" panose="020B0604030504040204" charset="0"/>
+              <a:ea typeface="Verdana" panose="020B0604030504040204"/>
+              <a:cs typeface="Verdana" panose="020B0604030504040204" charset="0"/>
+              <a:sym typeface="Verdana" panose="020B0604030504040204"/>
+            </a:endParaRPr>
+          </a:p>
+          <a:p>
+            <a:pPr marL="0" lvl="0" indent="0" algn="l" rtl="0">
+              <a:spcBef>
+                <a:spcPts val="1400"/>
+              </a:spcBef>
+              <a:spcAft>
+                <a:spcPts val="0"/>
+              </a:spcAft>
+              <a:buClr>
+                <a:schemeClr val="dk1"/>
+              </a:buClr>
+              <a:buSzPts val="1100"/>
+              <a:buFont typeface="Arial" panose="020B0604020202020204"/>
+              <a:buNone/>
+            </a:pPr>
+            <a:endParaRPr sz="2000">
+              <a:solidFill>
+                <a:schemeClr val="dk1"/>
+              </a:solidFill>
+              <a:highlight>
+                <a:srgbClr val="FFFFFF"/>
+              </a:highlight>
+              <a:latin typeface="Verdana" panose="020B0604030504040204" charset="0"/>
+              <a:ea typeface="Verdana" panose="020B0604030504040204"/>
+              <a:cs typeface="Verdana" panose="020B0604030504040204" charset="0"/>
+              <a:sym typeface="Verdana" panose="020B0604030504040204"/>
+            </a:endParaRPr>
+          </a:p>
+          <a:p>
+            <a:pPr marL="0" lvl="0" indent="0" algn="l" rtl="0">
+              <a:spcBef>
+                <a:spcPts val="1400"/>
+              </a:spcBef>
+              <a:spcAft>
+                <a:spcPts val="1200"/>
+              </a:spcAft>
+              <a:buNone/>
+            </a:pPr>
+            <a:endParaRPr sz="2000">
+              <a:solidFill>
+                <a:schemeClr val="dk1"/>
+              </a:solidFill>
+              <a:highlight>
+                <a:srgbClr val="FFFFFF"/>
+              </a:highlight>
+              <a:latin typeface="Verdana" panose="020B0604030504040204" charset="0"/>
+              <a:ea typeface="Verdana" panose="020B0604030504040204"/>
+              <a:cs typeface="Verdana" panose="020B0604030504040204" charset="0"/>
+              <a:sym typeface="Verdana" panose="020B0604030504040204"/>
+            </a:endParaRPr>
+          </a:p>
+        </p:txBody>
+      </p:sp>
+    </p:spTree>
+  </p:cSld>
+  <p:clrMapOvr>
+    <a:masterClrMapping/>
+  </p:clrMapOvr>
+</p:sld>
+</file>
+
+<file path=ppt/slides/slide9.xml><?xml version="1.0" encoding="utf-8"?>
+<p:sld xmlns:a="http://schemas.openxmlformats.org/drawingml/2006/main" xmlns:r="http://schemas.openxmlformats.org/officeDocument/2006/relationships" xmlns:p="http://schemas.openxmlformats.org/presentationml/2006/main">
+  <p:cSld>
+    <p:spTree>
+      <p:nvGrpSpPr>
+        <p:cNvPr id="261" name="Shape 261"/>
+        <p:cNvGrpSpPr/>
+        <p:nvPr/>
+      </p:nvGrpSpPr>
+      <p:grpSpPr>
+        <a:xfrm>
+          <a:off x="0" y="0"/>
+          <a:ext cx="0" cy="0"/>
+          <a:chOff x="0" y="0"/>
+          <a:chExt cx="0" cy="0"/>
+        </a:xfrm>
+      </p:grpSpPr>
+      <p:sp>
+        <p:nvSpPr>
+          <p:cNvPr id="262" name="Google Shape;262;p44"/>
+          <p:cNvSpPr txBox="1"/>
+          <p:nvPr>
+            <p:ph type="title"/>
+          </p:nvPr>
+        </p:nvSpPr>
+        <p:spPr>
+          <a:xfrm>
+            <a:off x="311700" y="1302275"/>
+            <a:ext cx="8520600" cy="572700"/>
+          </a:xfrm>
+          <a:prstGeom prst="rect">
+            <a:avLst/>
+          </a:prstGeom>
+        </p:spPr>
+        <p:txBody>
+          <a:bodyPr spcFirstLastPara="1" wrap="square" lIns="91425" tIns="91425" rIns="91425" bIns="91425" anchor="t" anchorCtr="0">
+            <a:normAutofit fontScale="90000"/>
+          </a:bodyPr>
+          <a:lstStyle/>
+          <a:p>
+            <a:pPr marL="0" lvl="0" indent="0" algn="l" rtl="0">
+              <a:spcBef>
+                <a:spcPts val="0"/>
+              </a:spcBef>
+              <a:spcAft>
+                <a:spcPts val="0"/>
+              </a:spcAft>
+              <a:buNone/>
+            </a:pPr>
+            <a:r>
+              <a:rPr lang="en-GB" b="1"/>
+              <a:t>Métodos</a:t>
+            </a:r>
+            <a:r>
+              <a:rPr lang="pt-BR" altLang="en-GB" b="1"/>
+              <a:t>: exemplo de uso</a:t>
+            </a:r>
+            <a:endParaRPr lang="pt-BR" altLang="en-GB" b="1"/>
+          </a:p>
+        </p:txBody>
+      </p:sp>
+      <p:sp>
+        <p:nvSpPr>
+          <p:cNvPr id="263" name="Google Shape;263;p44"/>
+          <p:cNvSpPr txBox="1"/>
+          <p:nvPr>
+            <p:ph type="body" idx="1"/>
+          </p:nvPr>
+        </p:nvSpPr>
+        <p:spPr>
+          <a:xfrm>
+            <a:off x="311700" y="2009725"/>
+            <a:ext cx="8520600" cy="3416400"/>
+          </a:xfrm>
+          <a:prstGeom prst="rect">
+            <a:avLst/>
+          </a:prstGeom>
+        </p:spPr>
+        <p:txBody>
+          <a:bodyPr spcFirstLastPara="1" wrap="square" lIns="91425" tIns="91425" rIns="91425" bIns="91425" anchor="t" anchorCtr="0">
+            <a:normAutofit/>
+          </a:bodyPr>
+          <a:lstStyle/>
+          <a:p>
+            <a:pPr marL="0" lvl="0" indent="0" algn="l" rtl="0">
+              <a:spcBef>
+                <a:spcPts val="0"/>
+              </a:spcBef>
+              <a:spcAft>
+                <a:spcPts val="1200"/>
+              </a:spcAft>
+              <a:buNone/>
+            </a:pPr>
+          </a:p>
+        </p:txBody>
+      </p:sp>
+      <p:pic>
+        <p:nvPicPr>
+          <p:cNvPr id="2" name="Imagem 1"/>
+          <p:cNvPicPr>
+            <a:picLocks noChangeAspect="1"/>
+          </p:cNvPicPr>
+          <p:nvPr/>
+        </p:nvPicPr>
+        <p:blipFill>
+          <a:blip r:embed="rId1"/>
+          <a:stretch>
+            <a:fillRect/>
+          </a:stretch>
+        </p:blipFill>
+        <p:spPr>
+          <a:xfrm>
+            <a:off x="654685" y="2009775"/>
+            <a:ext cx="4946015" cy="3646170"/>
+          </a:xfrm>
+          <a:prstGeom prst="rect">
+            <a:avLst/>
+          </a:prstGeom>
+        </p:spPr>
+      </p:pic>
     </p:spTree>
   </p:cSld>
   <p:clrMapOvr>
@@ -5159,4 +10065,263 @@
     </a:ext>
   </a:extLst>
 </a:theme>
+</file>
+
+<file path=ppt/theme/theme2.xml><?xml version="1.0" encoding="utf-8"?>
+<a:theme xmlns:a="http://schemas.openxmlformats.org/drawingml/2006/main" name="Tema do Office">
+  <a:themeElements>
+    <a:clrScheme name="Office">
+      <a:dk1>
+        <a:sysClr val="windowText" lastClr="000000"/>
+      </a:dk1>
+      <a:lt1>
+        <a:sysClr val="window" lastClr="FFFFFF"/>
+      </a:lt1>
+      <a:dk2>
+        <a:srgbClr val="44546A"/>
+      </a:dk2>
+      <a:lt2>
+        <a:srgbClr val="E7E6E6"/>
+      </a:lt2>
+      <a:accent1>
+        <a:srgbClr val="5B9BD5"/>
+      </a:accent1>
+      <a:accent2>
+        <a:srgbClr val="ED7D31"/>
+      </a:accent2>
+      <a:accent3>
+        <a:srgbClr val="A5A5A5"/>
+      </a:accent3>
+      <a:accent4>
+        <a:srgbClr val="FFC000"/>
+      </a:accent4>
+      <a:accent5>
+        <a:srgbClr val="4472C4"/>
+      </a:accent5>
+      <a:accent6>
+        <a:srgbClr val="70AD47"/>
+      </a:accent6>
+      <a:hlink>
+        <a:srgbClr val="0563C1"/>
+      </a:hlink>
+      <a:folHlink>
+        <a:srgbClr val="954F72"/>
+      </a:folHlink>
+    </a:clrScheme>
+    <a:fontScheme name="Office">
+      <a:majorFont>
+        <a:latin typeface="Calibri Light"/>
+        <a:ea typeface=""/>
+        <a:cs typeface=""/>
+        <a:font script="Jpan" typeface="游ゴシック Light"/>
+        <a:font script="Hang" typeface="맑은 고딕"/>
+        <a:font script="Hans" typeface="等线 Light"/>
+        <a:font script="Hant" typeface="新細明體"/>
+        <a:font script="Arab" typeface="Times New Roman"/>
+        <a:font script="Hebr" typeface="Times New Roman"/>
+        <a:font script="Thai" typeface="Angsana New"/>
+        <a:font script="Ethi" typeface="Nyala"/>
+        <a:font script="Beng" typeface="Vrinda"/>
+        <a:font script="Gujr" typeface="Shruti"/>
+        <a:font script="Khmr" typeface="MoolBoran"/>
+        <a:font script="Knda" typeface="Tunga"/>
+        <a:font script="Guru" typeface="Raavi"/>
+        <a:font script="Cans" typeface="Euphemia"/>
+        <a:font script="Cher" typeface="Plantagenet Cherokee"/>
+        <a:font script="Yiii" typeface="Microsoft Yi Baiti"/>
+        <a:font script="Tibt" typeface="Microsoft Himalaya"/>
+        <a:font script="Thaa" typeface="MV Boli"/>
+        <a:font script="Deva" typeface="Mangal"/>
+        <a:font script="Telu" typeface="Gautami"/>
+        <a:font script="Taml" typeface="Latha"/>
+        <a:font script="Syrc" typeface="Estrangelo Edessa"/>
+        <a:font script="Orya" typeface="Kalinga"/>
+        <a:font script="Mlym" typeface="Kartika"/>
+        <a:font script="Laoo" typeface="DokChampa"/>
+        <a:font script="Sinh" typeface="Iskoola Pota"/>
+        <a:font script="Mong" typeface="Mongolian Baiti"/>
+        <a:font script="Viet" typeface="Times New Roman"/>
+        <a:font script="Uigh" typeface="Microsoft Uighur"/>
+        <a:font script="Geor" typeface="Sylfaen"/>
+      </a:majorFont>
+      <a:minorFont>
+        <a:latin typeface="Calibri"/>
+        <a:ea typeface=""/>
+        <a:cs typeface=""/>
+        <a:font script="Jpan" typeface="游ゴシック"/>
+        <a:font script="Hang" typeface="맑은 고딕"/>
+        <a:font script="Hans" typeface="等线"/>
+        <a:font script="Hant" typeface="新細明體"/>
+        <a:font script="Arab" typeface="Arial"/>
+        <a:font script="Hebr" typeface="Arial"/>
+        <a:font script="Thai" typeface="Cordia New"/>
+        <a:font script="Ethi" typeface="Nyala"/>
+        <a:font script="Beng" typeface="Vrinda"/>
+        <a:font script="Gujr" typeface="Shruti"/>
+        <a:font script="Khmr" typeface="DaunPenh"/>
+        <a:font script="Knda" typeface="Tunga"/>
+        <a:font script="Guru" typeface="Raavi"/>
+        <a:font script="Cans" typeface="Euphemia"/>
+        <a:font script="Cher" typeface="Plantagenet Cherokee"/>
+        <a:font script="Yiii" typeface="Microsoft Yi Baiti"/>
+        <a:font script="Tibt" typeface="Microsoft Himalaya"/>
+        <a:font script="Thaa" typeface="MV Boli"/>
+        <a:font script="Deva" typeface="Mangal"/>
+        <a:font script="Telu" typeface="Gautami"/>
+        <a:font script="Taml" typeface="Latha"/>
+        <a:font script="Syrc" typeface="Estrangelo Edessa"/>
+        <a:font script="Orya" typeface="Kalinga"/>
+        <a:font script="Mlym" typeface="Kartika"/>
+        <a:font script="Laoo" typeface="DokChampa"/>
+        <a:font script="Sinh" typeface="Iskoola Pota"/>
+        <a:font script="Mong" typeface="Mongolian Baiti"/>
+        <a:font script="Viet" typeface="Arial"/>
+        <a:font script="Uigh" typeface="Microsoft Uighur"/>
+        <a:font script="Geor" typeface="Sylfaen"/>
+      </a:minorFont>
+    </a:fontScheme>
+    <a:fmtScheme name="Office">
+      <a:fillStyleLst>
+        <a:solidFill>
+          <a:schemeClr val="phClr"/>
+        </a:solidFill>
+        <a:gradFill rotWithShape="1">
+          <a:gsLst>
+            <a:gs pos="0">
+              <a:schemeClr val="phClr">
+                <a:lumMod val="110000"/>
+                <a:satMod val="105000"/>
+                <a:tint val="67000"/>
+              </a:schemeClr>
+            </a:gs>
+            <a:gs pos="50000">
+              <a:schemeClr val="phClr">
+                <a:lumMod val="105000"/>
+                <a:satMod val="103000"/>
+                <a:tint val="73000"/>
+              </a:schemeClr>
+            </a:gs>
+            <a:gs pos="100000">
+              <a:schemeClr val="phClr">
+                <a:lumMod val="105000"/>
+                <a:satMod val="109000"/>
+                <a:tint val="81000"/>
+              </a:schemeClr>
+            </a:gs>
+          </a:gsLst>
+          <a:lin ang="5400000" scaled="0"/>
+        </a:gradFill>
+        <a:gradFill rotWithShape="1">
+          <a:gsLst>
+            <a:gs pos="0">
+              <a:schemeClr val="phClr">
+                <a:satMod val="103000"/>
+                <a:lumMod val="102000"/>
+                <a:tint val="94000"/>
+              </a:schemeClr>
+            </a:gs>
+            <a:gs pos="50000">
+              <a:schemeClr val="phClr">
+                <a:satMod val="110000"/>
+                <a:lumMod val="100000"/>
+                <a:shade val="100000"/>
+              </a:schemeClr>
+            </a:gs>
+            <a:gs pos="100000">
+              <a:schemeClr val="phClr">
+                <a:lumMod val="99000"/>
+                <a:satMod val="120000"/>
+                <a:shade val="78000"/>
+              </a:schemeClr>
+            </a:gs>
+          </a:gsLst>
+          <a:lin ang="5400000" scaled="0"/>
+        </a:gradFill>
+      </a:fillStyleLst>
+      <a:lnStyleLst>
+        <a:ln w="6350" cap="flat" cmpd="sng" algn="ctr">
+          <a:solidFill>
+            <a:schemeClr val="phClr"/>
+          </a:solidFill>
+          <a:prstDash val="solid"/>
+          <a:miter lim="800000"/>
+        </a:ln>
+        <a:ln w="12700" cap="flat" cmpd="sng" algn="ctr">
+          <a:solidFill>
+            <a:schemeClr val="phClr"/>
+          </a:solidFill>
+          <a:prstDash val="solid"/>
+          <a:miter lim="800000"/>
+        </a:ln>
+        <a:ln w="19050" cap="flat" cmpd="sng" algn="ctr">
+          <a:solidFill>
+            <a:schemeClr val="phClr"/>
+          </a:solidFill>
+          <a:prstDash val="solid"/>
+          <a:miter lim="800000"/>
+        </a:ln>
+      </a:lnStyleLst>
+      <a:effectStyleLst>
+        <a:effectStyle>
+          <a:effectLst/>
+        </a:effectStyle>
+        <a:effectStyle>
+          <a:effectLst/>
+        </a:effectStyle>
+        <a:effectStyle>
+          <a:effectLst>
+            <a:outerShdw blurRad="57150" dist="19050" dir="5400000" algn="ctr" rotWithShape="0">
+              <a:srgbClr val="000000">
+                <a:alpha val="63000"/>
+              </a:srgbClr>
+            </a:outerShdw>
+          </a:effectLst>
+        </a:effectStyle>
+      </a:effectStyleLst>
+      <a:bgFillStyleLst>
+        <a:solidFill>
+          <a:schemeClr val="phClr"/>
+        </a:solidFill>
+        <a:solidFill>
+          <a:schemeClr val="phClr">
+            <a:tint val="95000"/>
+            <a:satMod val="170000"/>
+          </a:schemeClr>
+        </a:solidFill>
+        <a:gradFill rotWithShape="1">
+          <a:gsLst>
+            <a:gs pos="0">
+              <a:schemeClr val="phClr">
+                <a:tint val="93000"/>
+                <a:satMod val="150000"/>
+                <a:shade val="98000"/>
+                <a:lumMod val="102000"/>
+              </a:schemeClr>
+            </a:gs>
+            <a:gs pos="50000">
+              <a:schemeClr val="phClr">
+                <a:tint val="98000"/>
+                <a:satMod val="130000"/>
+                <a:shade val="90000"/>
+                <a:lumMod val="103000"/>
+              </a:schemeClr>
+            </a:gs>
+            <a:gs pos="100000">
+              <a:schemeClr val="phClr">
+                <a:shade val="63000"/>
+                <a:satMod val="120000"/>
+              </a:schemeClr>
+            </a:gs>
+          </a:gsLst>
+          <a:lin ang="5400000" scaled="0"/>
+        </a:gradFill>
+      </a:bgFillStyleLst>
+    </a:fmtScheme>
+  </a:themeElements>
+  <a:extLst>
+    <a:ext uri="{05A4C25C-085E-4340-85A3-A5531E510DB2}">
+      <thm15:themeFamily xmlns:thm15="http://schemas.microsoft.com/office/thememl/2012/main" name="Office Theme" id="{62F939B6-93AF-4DB8-9C6B-D6C7DFDC589F}" vid="{4A3C46E8-61CC-4603-A589-7422A47A8E4A}"/>
+    </a:ext>
+  </a:extLst>
+</a:theme>
 </file>
--- a/Slides/Javascript/Estruturas Dados Iteracao.pptx
+++ b/Slides/Javascript/Estruturas Dados Iteracao.pptx
@@ -7716,37 +7716,43 @@
               <a:rPr lang="en-US" altLang="pt-BR" sz="2000"/>
               <a:t>});</a:t>
             </a:r>
-            <a:endParaRPr lang="en-US" altLang="pt-BR"/>
+            <a:endParaRPr lang="en-US" altLang="pt-BR" sz="2000"/>
           </a:p>
           <a:p>
             <a:pPr marL="0" indent="0">
               <a:buNone/>
             </a:pPr>
             <a:r>
-              <a:rPr sz="2000"/>
+              <a:rPr lang="en-US" altLang="pt-BR" sz="2000"/>
               <a:t>// Filtra aprovados</a:t>
             </a:r>
-            <a:endParaRPr sz="2000"/>
+            <a:endParaRPr lang="en-US" altLang="pt-BR" sz="2000"/>
           </a:p>
           <a:p>
             <a:pPr marL="0" indent="0">
               <a:buNone/>
             </a:pPr>
             <a:r>
-              <a:rPr sz="2000"/>
-              <a:t>const aprovados = alunos.filter(aluno =&gt; aluno.media &gt;= 7);</a:t>
-            </a:r>
-            <a:endParaRPr sz="2000"/>
+              <a:rPr lang="en-US" altLang="pt-BR" sz="2000"/>
+              <a:t>const aprovados = alunosComMedia.filter(aluno =&gt; aluno.media &gt;= 7);</a:t>
+            </a:r>
+            <a:endParaRPr lang="en-US" altLang="pt-BR" sz="2000"/>
           </a:p>
           <a:p>
             <a:pPr marL="0" indent="0">
               <a:buNone/>
             </a:pPr>
             <a:r>
-              <a:rPr sz="2000"/>
+              <a:rPr lang="en-US" altLang="pt-BR" sz="2000"/>
               <a:t>console.log(aprovados);</a:t>
             </a:r>
-            <a:endParaRPr sz="2000"/>
+            <a:endParaRPr lang="en-US" altLang="pt-BR" sz="2000"/>
+          </a:p>
+          <a:p>
+            <a:pPr marL="0" indent="0">
+              <a:buNone/>
+            </a:pPr>
+            <a:endParaRPr lang="en-US" altLang="pt-BR" sz="2000"/>
           </a:p>
         </p:txBody>
       </p:sp>
